--- a/Introduction_HOANG.pptx
+++ b/Introduction_HOANG.pptx
@@ -4,6 +4,9 @@
   <p:sldMasterIdLst>
     <p:sldMasterId id="2147483648" r:id="rId4"/>
   </p:sldMasterIdLst>
+  <p:notesMasterIdLst>
+    <p:notesMasterId r:id="rId7"/>
+  </p:notesMasterIdLst>
   <p:sldIdLst>
     <p:sldId id="256" r:id="rId5"/>
     <p:sldId id="257" r:id="rId6"/>
@@ -612,6 +615,440 @@
 </pc:chgInfo>
 </file>
 
+<file path=ppt/notesMasters/notesMaster1.xml><?xml version="1.0" encoding="utf-8"?>
+<p:notesMaster xmlns:a="http://schemas.openxmlformats.org/drawingml/2006/main" xmlns:r="http://schemas.openxmlformats.org/officeDocument/2006/relationships" xmlns:p="http://schemas.openxmlformats.org/presentationml/2006/main">
+  <p:cSld>
+    <p:bg>
+      <p:bgRef idx="1001">
+        <a:schemeClr val="bg1"/>
+      </p:bgRef>
+    </p:bg>
+    <p:spTree>
+      <p:nvGrpSpPr>
+        <p:cNvPr id="1" name=""/>
+        <p:cNvGrpSpPr/>
+        <p:nvPr/>
+      </p:nvGrpSpPr>
+      <p:grpSpPr>
+        <a:xfrm>
+          <a:off x="0" y="0"/>
+          <a:ext cx="0" cy="0"/>
+          <a:chOff x="0" y="0"/>
+          <a:chExt cx="0" cy="0"/>
+        </a:xfrm>
+      </p:grpSpPr>
+      <p:sp>
+        <p:nvSpPr>
+          <p:cNvPr id="2" name="Header Placeholder 1"/>
+          <p:cNvSpPr>
+            <a:spLocks noGrp="1"/>
+          </p:cNvSpPr>
+          <p:nvPr>
+            <p:ph type="hdr" sz="quarter"/>
+          </p:nvPr>
+        </p:nvSpPr>
+        <p:spPr>
+          <a:xfrm>
+            <a:off x="0" y="0"/>
+            <a:ext cx="2971800" cy="458788"/>
+          </a:xfrm>
+          <a:prstGeom prst="rect">
+            <a:avLst/>
+          </a:prstGeom>
+        </p:spPr>
+        <p:txBody>
+          <a:bodyPr vert="horz" lIns="91440" tIns="45720" rIns="91440" bIns="45720" rtlCol="0"/>
+          <a:lstStyle>
+            <a:lvl1pPr algn="l">
+              <a:defRPr sz="1200"/>
+            </a:lvl1pPr>
+          </a:lstStyle>
+          <a:p>
+            <a:endParaRPr lang="ru-RU"/>
+          </a:p>
+        </p:txBody>
+      </p:sp>
+      <p:sp>
+        <p:nvSpPr>
+          <p:cNvPr id="3" name="Date Placeholder 2"/>
+          <p:cNvSpPr>
+            <a:spLocks noGrp="1"/>
+          </p:cNvSpPr>
+          <p:nvPr>
+            <p:ph type="dt" idx="1"/>
+          </p:nvPr>
+        </p:nvSpPr>
+        <p:spPr>
+          <a:xfrm>
+            <a:off x="3884613" y="0"/>
+            <a:ext cx="2971800" cy="458788"/>
+          </a:xfrm>
+          <a:prstGeom prst="rect">
+            <a:avLst/>
+          </a:prstGeom>
+        </p:spPr>
+        <p:txBody>
+          <a:bodyPr vert="horz" lIns="91440" tIns="45720" rIns="91440" bIns="45720" rtlCol="0"/>
+          <a:lstStyle>
+            <a:lvl1pPr algn="r">
+              <a:defRPr sz="1200"/>
+            </a:lvl1pPr>
+          </a:lstStyle>
+          <a:p>
+            <a:fld id="{37492633-669F-43C5-8599-AF04A2AAC5AB}" type="datetimeFigureOut">
+              <a:rPr lang="ru-RU" smtClean="0"/>
+              <a:t>07.06.2021</a:t>
+            </a:fld>
+            <a:endParaRPr lang="ru-RU"/>
+          </a:p>
+        </p:txBody>
+      </p:sp>
+      <p:sp>
+        <p:nvSpPr>
+          <p:cNvPr id="4" name="Slide Image Placeholder 3"/>
+          <p:cNvSpPr>
+            <a:spLocks noGrp="1" noRot="1" noChangeAspect="1"/>
+          </p:cNvSpPr>
+          <p:nvPr>
+            <p:ph type="sldImg" idx="2"/>
+          </p:nvPr>
+        </p:nvSpPr>
+        <p:spPr>
+          <a:xfrm>
+            <a:off x="685800" y="1143000"/>
+            <a:ext cx="5486400" cy="3086100"/>
+          </a:xfrm>
+          <a:prstGeom prst="rect">
+            <a:avLst/>
+          </a:prstGeom>
+          <a:noFill/>
+          <a:ln w="12700">
+            <a:solidFill>
+              <a:prstClr val="black"/>
+            </a:solidFill>
+          </a:ln>
+        </p:spPr>
+        <p:txBody>
+          <a:bodyPr vert="horz" lIns="91440" tIns="45720" rIns="91440" bIns="45720" rtlCol="0" anchor="ctr"/>
+          <a:lstStyle/>
+          <a:p>
+            <a:endParaRPr lang="ru-RU"/>
+          </a:p>
+        </p:txBody>
+      </p:sp>
+      <p:sp>
+        <p:nvSpPr>
+          <p:cNvPr id="5" name="Notes Placeholder 4"/>
+          <p:cNvSpPr>
+            <a:spLocks noGrp="1"/>
+          </p:cNvSpPr>
+          <p:nvPr>
+            <p:ph type="body" sz="quarter" idx="3"/>
+          </p:nvPr>
+        </p:nvSpPr>
+        <p:spPr>
+          <a:xfrm>
+            <a:off x="685800" y="4400550"/>
+            <a:ext cx="5486400" cy="3600450"/>
+          </a:xfrm>
+          <a:prstGeom prst="rect">
+            <a:avLst/>
+          </a:prstGeom>
+        </p:spPr>
+        <p:txBody>
+          <a:bodyPr vert="horz" lIns="91440" tIns="45720" rIns="91440" bIns="45720" rtlCol="0"/>
+          <a:lstStyle/>
+          <a:p>
+            <a:pPr lvl="0"/>
+            <a:r>
+              <a:rPr lang="en-US" smtClean="0"/>
+              <a:t>Click to edit Master text styles</a:t>
+            </a:r>
+          </a:p>
+          <a:p>
+            <a:pPr lvl="1"/>
+            <a:r>
+              <a:rPr lang="en-US" smtClean="0"/>
+              <a:t>Second level</a:t>
+            </a:r>
+          </a:p>
+          <a:p>
+            <a:pPr lvl="2"/>
+            <a:r>
+              <a:rPr lang="en-US" smtClean="0"/>
+              <a:t>Third level</a:t>
+            </a:r>
+          </a:p>
+          <a:p>
+            <a:pPr lvl="3"/>
+            <a:r>
+              <a:rPr lang="en-US" smtClean="0"/>
+              <a:t>Fourth level</a:t>
+            </a:r>
+          </a:p>
+          <a:p>
+            <a:pPr lvl="4"/>
+            <a:r>
+              <a:rPr lang="en-US" smtClean="0"/>
+              <a:t>Fifth level</a:t>
+            </a:r>
+            <a:endParaRPr lang="ru-RU"/>
+          </a:p>
+        </p:txBody>
+      </p:sp>
+      <p:sp>
+        <p:nvSpPr>
+          <p:cNvPr id="6" name="Footer Placeholder 5"/>
+          <p:cNvSpPr>
+            <a:spLocks noGrp="1"/>
+          </p:cNvSpPr>
+          <p:nvPr>
+            <p:ph type="ftr" sz="quarter" idx="4"/>
+          </p:nvPr>
+        </p:nvSpPr>
+        <p:spPr>
+          <a:xfrm>
+            <a:off x="0" y="8685213"/>
+            <a:ext cx="2971800" cy="458787"/>
+          </a:xfrm>
+          <a:prstGeom prst="rect">
+            <a:avLst/>
+          </a:prstGeom>
+        </p:spPr>
+        <p:txBody>
+          <a:bodyPr vert="horz" lIns="91440" tIns="45720" rIns="91440" bIns="45720" rtlCol="0" anchor="b"/>
+          <a:lstStyle>
+            <a:lvl1pPr algn="l">
+              <a:defRPr sz="1200"/>
+            </a:lvl1pPr>
+          </a:lstStyle>
+          <a:p>
+            <a:endParaRPr lang="ru-RU"/>
+          </a:p>
+        </p:txBody>
+      </p:sp>
+      <p:sp>
+        <p:nvSpPr>
+          <p:cNvPr id="7" name="Slide Number Placeholder 6"/>
+          <p:cNvSpPr>
+            <a:spLocks noGrp="1"/>
+          </p:cNvSpPr>
+          <p:nvPr>
+            <p:ph type="sldNum" sz="quarter" idx="5"/>
+          </p:nvPr>
+        </p:nvSpPr>
+        <p:spPr>
+          <a:xfrm>
+            <a:off x="3884613" y="8685213"/>
+            <a:ext cx="2971800" cy="458787"/>
+          </a:xfrm>
+          <a:prstGeom prst="rect">
+            <a:avLst/>
+          </a:prstGeom>
+        </p:spPr>
+        <p:txBody>
+          <a:bodyPr vert="horz" lIns="91440" tIns="45720" rIns="91440" bIns="45720" rtlCol="0" anchor="b"/>
+          <a:lstStyle>
+            <a:lvl1pPr algn="r">
+              <a:defRPr sz="1200"/>
+            </a:lvl1pPr>
+          </a:lstStyle>
+          <a:p>
+            <a:fld id="{D8B1D824-4A28-415E-9E3C-FBE189DDFD26}" type="slidenum">
+              <a:rPr lang="ru-RU" smtClean="0"/>
+              <a:t>‹#›</a:t>
+            </a:fld>
+            <a:endParaRPr lang="ru-RU"/>
+          </a:p>
+        </p:txBody>
+      </p:sp>
+    </p:spTree>
+    <p:extLst>
+      <p:ext uri="{BB962C8B-B14F-4D97-AF65-F5344CB8AC3E}">
+        <p14:creationId xmlns:p14="http://schemas.microsoft.com/office/powerpoint/2010/main" val="701758511"/>
+      </p:ext>
+    </p:extLst>
+  </p:cSld>
+  <p:clrMap bg1="lt1" tx1="dk1" bg2="lt2" tx2="dk2" accent1="accent1" accent2="accent2" accent3="accent3" accent4="accent4" accent5="accent5" accent6="accent6" hlink="hlink" folHlink="folHlink"/>
+  <p:notesStyle>
+    <a:lvl1pPr marL="0" algn="l" defTabSz="914400" rtl="0" eaLnBrk="1" latinLnBrk="0" hangingPunct="1">
+      <a:defRPr sz="1200" kern="1200">
+        <a:solidFill>
+          <a:schemeClr val="tx1"/>
+        </a:solidFill>
+        <a:latin typeface="+mn-lt"/>
+        <a:ea typeface="+mn-ea"/>
+        <a:cs typeface="+mn-cs"/>
+      </a:defRPr>
+    </a:lvl1pPr>
+    <a:lvl2pPr marL="457200" algn="l" defTabSz="914400" rtl="0" eaLnBrk="1" latinLnBrk="0" hangingPunct="1">
+      <a:defRPr sz="1200" kern="1200">
+        <a:solidFill>
+          <a:schemeClr val="tx1"/>
+        </a:solidFill>
+        <a:latin typeface="+mn-lt"/>
+        <a:ea typeface="+mn-ea"/>
+        <a:cs typeface="+mn-cs"/>
+      </a:defRPr>
+    </a:lvl2pPr>
+    <a:lvl3pPr marL="914400" algn="l" defTabSz="914400" rtl="0" eaLnBrk="1" latinLnBrk="0" hangingPunct="1">
+      <a:defRPr sz="1200" kern="1200">
+        <a:solidFill>
+          <a:schemeClr val="tx1"/>
+        </a:solidFill>
+        <a:latin typeface="+mn-lt"/>
+        <a:ea typeface="+mn-ea"/>
+        <a:cs typeface="+mn-cs"/>
+      </a:defRPr>
+    </a:lvl3pPr>
+    <a:lvl4pPr marL="1371600" algn="l" defTabSz="914400" rtl="0" eaLnBrk="1" latinLnBrk="0" hangingPunct="1">
+      <a:defRPr sz="1200" kern="1200">
+        <a:solidFill>
+          <a:schemeClr val="tx1"/>
+        </a:solidFill>
+        <a:latin typeface="+mn-lt"/>
+        <a:ea typeface="+mn-ea"/>
+        <a:cs typeface="+mn-cs"/>
+      </a:defRPr>
+    </a:lvl4pPr>
+    <a:lvl5pPr marL="1828800" algn="l" defTabSz="914400" rtl="0" eaLnBrk="1" latinLnBrk="0" hangingPunct="1">
+      <a:defRPr sz="1200" kern="1200">
+        <a:solidFill>
+          <a:schemeClr val="tx1"/>
+        </a:solidFill>
+        <a:latin typeface="+mn-lt"/>
+        <a:ea typeface="+mn-ea"/>
+        <a:cs typeface="+mn-cs"/>
+      </a:defRPr>
+    </a:lvl5pPr>
+    <a:lvl6pPr marL="2286000" algn="l" defTabSz="914400" rtl="0" eaLnBrk="1" latinLnBrk="0" hangingPunct="1">
+      <a:defRPr sz="1200" kern="1200">
+        <a:solidFill>
+          <a:schemeClr val="tx1"/>
+        </a:solidFill>
+        <a:latin typeface="+mn-lt"/>
+        <a:ea typeface="+mn-ea"/>
+        <a:cs typeface="+mn-cs"/>
+      </a:defRPr>
+    </a:lvl6pPr>
+    <a:lvl7pPr marL="2743200" algn="l" defTabSz="914400" rtl="0" eaLnBrk="1" latinLnBrk="0" hangingPunct="1">
+      <a:defRPr sz="1200" kern="1200">
+        <a:solidFill>
+          <a:schemeClr val="tx1"/>
+        </a:solidFill>
+        <a:latin typeface="+mn-lt"/>
+        <a:ea typeface="+mn-ea"/>
+        <a:cs typeface="+mn-cs"/>
+      </a:defRPr>
+    </a:lvl7pPr>
+    <a:lvl8pPr marL="3200400" algn="l" defTabSz="914400" rtl="0" eaLnBrk="1" latinLnBrk="0" hangingPunct="1">
+      <a:defRPr sz="1200" kern="1200">
+        <a:solidFill>
+          <a:schemeClr val="tx1"/>
+        </a:solidFill>
+        <a:latin typeface="+mn-lt"/>
+        <a:ea typeface="+mn-ea"/>
+        <a:cs typeface="+mn-cs"/>
+      </a:defRPr>
+    </a:lvl8pPr>
+    <a:lvl9pPr marL="3657600" algn="l" defTabSz="914400" rtl="0" eaLnBrk="1" latinLnBrk="0" hangingPunct="1">
+      <a:defRPr sz="1200" kern="1200">
+        <a:solidFill>
+          <a:schemeClr val="tx1"/>
+        </a:solidFill>
+        <a:latin typeface="+mn-lt"/>
+        <a:ea typeface="+mn-ea"/>
+        <a:cs typeface="+mn-cs"/>
+      </a:defRPr>
+    </a:lvl9pPr>
+  </p:notesStyle>
+</p:notesMaster>
+</file>
+
+<file path=ppt/notesSlides/notesSlide1.xml><?xml version="1.0" encoding="utf-8"?>
+<p:notes xmlns:a="http://schemas.openxmlformats.org/drawingml/2006/main" xmlns:r="http://schemas.openxmlformats.org/officeDocument/2006/relationships" xmlns:p="http://schemas.openxmlformats.org/presentationml/2006/main">
+  <p:cSld>
+    <p:spTree>
+      <p:nvGrpSpPr>
+        <p:cNvPr id="1" name=""/>
+        <p:cNvGrpSpPr/>
+        <p:nvPr/>
+      </p:nvGrpSpPr>
+      <p:grpSpPr>
+        <a:xfrm>
+          <a:off x="0" y="0"/>
+          <a:ext cx="0" cy="0"/>
+          <a:chOff x="0" y="0"/>
+          <a:chExt cx="0" cy="0"/>
+        </a:xfrm>
+      </p:grpSpPr>
+      <p:sp>
+        <p:nvSpPr>
+          <p:cNvPr id="2" name="Slide Image Placeholder 1"/>
+          <p:cNvSpPr>
+            <a:spLocks noGrp="1" noRot="1" noChangeAspect="1"/>
+          </p:cNvSpPr>
+          <p:nvPr>
+            <p:ph type="sldImg"/>
+          </p:nvPr>
+        </p:nvSpPr>
+        <p:spPr/>
+      </p:sp>
+      <p:sp>
+        <p:nvSpPr>
+          <p:cNvPr id="3" name="Notes Placeholder 2"/>
+          <p:cNvSpPr>
+            <a:spLocks noGrp="1"/>
+          </p:cNvSpPr>
+          <p:nvPr>
+            <p:ph type="body" idx="1"/>
+          </p:nvPr>
+        </p:nvSpPr>
+        <p:spPr/>
+        <p:txBody>
+          <a:bodyPr/>
+          <a:lstStyle/>
+          <a:p>
+            <a:endParaRPr lang="ru-RU" dirty="0"/>
+          </a:p>
+        </p:txBody>
+      </p:sp>
+      <p:sp>
+        <p:nvSpPr>
+          <p:cNvPr id="4" name="Slide Number Placeholder 3"/>
+          <p:cNvSpPr>
+            <a:spLocks noGrp="1"/>
+          </p:cNvSpPr>
+          <p:nvPr>
+            <p:ph type="sldNum" sz="quarter" idx="10"/>
+          </p:nvPr>
+        </p:nvSpPr>
+        <p:spPr/>
+        <p:txBody>
+          <a:bodyPr/>
+          <a:lstStyle/>
+          <a:p>
+            <a:fld id="{D8B1D824-4A28-415E-9E3C-FBE189DDFD26}" type="slidenum">
+              <a:rPr lang="ru-RU" smtClean="0"/>
+              <a:t>1</a:t>
+            </a:fld>
+            <a:endParaRPr lang="ru-RU"/>
+          </a:p>
+        </p:txBody>
+      </p:sp>
+    </p:spTree>
+    <p:extLst>
+      <p:ext uri="{BB962C8B-B14F-4D97-AF65-F5344CB8AC3E}">
+        <p14:creationId xmlns:p14="http://schemas.microsoft.com/office/powerpoint/2010/main" val="2944961876"/>
+      </p:ext>
+    </p:extLst>
+  </p:cSld>
+  <p:clrMapOvr>
+    <a:masterClrMapping/>
+  </p:clrMapOvr>
+</p:notes>
+</file>
+
 <file path=ppt/slideLayouts/slideLayout1.xml><?xml version="1.0" encoding="utf-8"?>
 <p:sldLayout xmlns:a="http://schemas.openxmlformats.org/drawingml/2006/main" xmlns:r="http://schemas.openxmlformats.org/officeDocument/2006/relationships" xmlns:p="http://schemas.openxmlformats.org/presentationml/2006/main" type="title" preserve="1">
   <p:cSld name="Title Slide">
@@ -634,7 +1071,7 @@
           <p:cNvPr id="2" name="Title 1">
             <a:extLst>
               <a:ext uri="{FF2B5EF4-FFF2-40B4-BE49-F238E27FC236}">
-                <a16:creationId xmlns:a16="http://schemas.microsoft.com/office/drawing/2014/main" id="{0E86F0A0-A55D-2B4C-8C32-B641703A14BC}"/>
+                <a16:creationId xmlns:a16="http://schemas.microsoft.com/office/drawing/2014/main" xmlns="" id="{0E86F0A0-A55D-2B4C-8C32-B641703A14BC}"/>
               </a:ext>
             </a:extLst>
           </p:cNvPr>
@@ -672,7 +1109,7 @@
           <p:cNvPr id="3" name="Subtitle 2">
             <a:extLst>
               <a:ext uri="{FF2B5EF4-FFF2-40B4-BE49-F238E27FC236}">
-                <a16:creationId xmlns:a16="http://schemas.microsoft.com/office/drawing/2014/main" id="{5DB311E6-BB73-244D-9089-C2487B11FE10}"/>
+                <a16:creationId xmlns:a16="http://schemas.microsoft.com/office/drawing/2014/main" xmlns="" id="{5DB311E6-BB73-244D-9089-C2487B11FE10}"/>
               </a:ext>
             </a:extLst>
           </p:cNvPr>
@@ -743,7 +1180,7 @@
           <p:cNvPr id="4" name="Date Placeholder 3">
             <a:extLst>
               <a:ext uri="{FF2B5EF4-FFF2-40B4-BE49-F238E27FC236}">
-                <a16:creationId xmlns:a16="http://schemas.microsoft.com/office/drawing/2014/main" id="{3C18A07F-0236-B240-A4D7-82578897FA63}"/>
+                <a16:creationId xmlns:a16="http://schemas.microsoft.com/office/drawing/2014/main" xmlns="" id="{3C18A07F-0236-B240-A4D7-82578897FA63}"/>
               </a:ext>
             </a:extLst>
           </p:cNvPr>
@@ -772,7 +1209,7 @@
           <p:cNvPr id="5" name="Footer Placeholder 4">
             <a:extLst>
               <a:ext uri="{FF2B5EF4-FFF2-40B4-BE49-F238E27FC236}">
-                <a16:creationId xmlns:a16="http://schemas.microsoft.com/office/drawing/2014/main" id="{D1FA7D1B-274A-3349-AF2A-7E78EA9C93D7}"/>
+                <a16:creationId xmlns:a16="http://schemas.microsoft.com/office/drawing/2014/main" xmlns="" id="{D1FA7D1B-274A-3349-AF2A-7E78EA9C93D7}"/>
               </a:ext>
             </a:extLst>
           </p:cNvPr>
@@ -797,7 +1234,7 @@
           <p:cNvPr id="6" name="Slide Number Placeholder 5">
             <a:extLst>
               <a:ext uri="{FF2B5EF4-FFF2-40B4-BE49-F238E27FC236}">
-                <a16:creationId xmlns:a16="http://schemas.microsoft.com/office/drawing/2014/main" id="{402C4111-900F-2B42-85D1-FD30FB77E65A}"/>
+                <a16:creationId xmlns:a16="http://schemas.microsoft.com/office/drawing/2014/main" xmlns="" id="{402C4111-900F-2B42-85D1-FD30FB77E65A}"/>
               </a:ext>
             </a:extLst>
           </p:cNvPr>
@@ -856,7 +1293,7 @@
           <p:cNvPr id="2" name="Title 1">
             <a:extLst>
               <a:ext uri="{FF2B5EF4-FFF2-40B4-BE49-F238E27FC236}">
-                <a16:creationId xmlns:a16="http://schemas.microsoft.com/office/drawing/2014/main" id="{CBBF74D4-94BA-1044-98AE-942E68D41D74}"/>
+                <a16:creationId xmlns:a16="http://schemas.microsoft.com/office/drawing/2014/main" xmlns="" id="{CBBF74D4-94BA-1044-98AE-942E68D41D74}"/>
               </a:ext>
             </a:extLst>
           </p:cNvPr>
@@ -885,7 +1322,7 @@
           <p:cNvPr id="3" name="Vertical Text Placeholder 2">
             <a:extLst>
               <a:ext uri="{FF2B5EF4-FFF2-40B4-BE49-F238E27FC236}">
-                <a16:creationId xmlns:a16="http://schemas.microsoft.com/office/drawing/2014/main" id="{77F6D1D9-4DE9-174E-8576-2EC95CC419CF}"/>
+                <a16:creationId xmlns:a16="http://schemas.microsoft.com/office/drawing/2014/main" xmlns="" id="{77F6D1D9-4DE9-174E-8576-2EC95CC419CF}"/>
               </a:ext>
             </a:extLst>
           </p:cNvPr>
@@ -943,7 +1380,7 @@
           <p:cNvPr id="4" name="Date Placeholder 3">
             <a:extLst>
               <a:ext uri="{FF2B5EF4-FFF2-40B4-BE49-F238E27FC236}">
-                <a16:creationId xmlns:a16="http://schemas.microsoft.com/office/drawing/2014/main" id="{769E59E6-83EA-924D-AD68-2C9515C58B71}"/>
+                <a16:creationId xmlns:a16="http://schemas.microsoft.com/office/drawing/2014/main" xmlns="" id="{769E59E6-83EA-924D-AD68-2C9515C58B71}"/>
               </a:ext>
             </a:extLst>
           </p:cNvPr>
@@ -972,7 +1409,7 @@
           <p:cNvPr id="5" name="Footer Placeholder 4">
             <a:extLst>
               <a:ext uri="{FF2B5EF4-FFF2-40B4-BE49-F238E27FC236}">
-                <a16:creationId xmlns:a16="http://schemas.microsoft.com/office/drawing/2014/main" id="{46A5C9D4-8EB8-D945-8630-E5F36298531A}"/>
+                <a16:creationId xmlns:a16="http://schemas.microsoft.com/office/drawing/2014/main" xmlns="" id="{46A5C9D4-8EB8-D945-8630-E5F36298531A}"/>
               </a:ext>
             </a:extLst>
           </p:cNvPr>
@@ -997,7 +1434,7 @@
           <p:cNvPr id="6" name="Slide Number Placeholder 5">
             <a:extLst>
               <a:ext uri="{FF2B5EF4-FFF2-40B4-BE49-F238E27FC236}">
-                <a16:creationId xmlns:a16="http://schemas.microsoft.com/office/drawing/2014/main" id="{01CC9072-10E7-4949-B33A-7F3999F6DEFB}"/>
+                <a16:creationId xmlns:a16="http://schemas.microsoft.com/office/drawing/2014/main" xmlns="" id="{01CC9072-10E7-4949-B33A-7F3999F6DEFB}"/>
               </a:ext>
             </a:extLst>
           </p:cNvPr>
@@ -1056,7 +1493,7 @@
           <p:cNvPr id="2" name="Vertical Title 1">
             <a:extLst>
               <a:ext uri="{FF2B5EF4-FFF2-40B4-BE49-F238E27FC236}">
-                <a16:creationId xmlns:a16="http://schemas.microsoft.com/office/drawing/2014/main" id="{8DCDDB55-7414-E84C-A9A1-F05EEC588A10}"/>
+                <a16:creationId xmlns:a16="http://schemas.microsoft.com/office/drawing/2014/main" xmlns="" id="{8DCDDB55-7414-E84C-A9A1-F05EEC588A10}"/>
               </a:ext>
             </a:extLst>
           </p:cNvPr>
@@ -1090,7 +1527,7 @@
           <p:cNvPr id="3" name="Vertical Text Placeholder 2">
             <a:extLst>
               <a:ext uri="{FF2B5EF4-FFF2-40B4-BE49-F238E27FC236}">
-                <a16:creationId xmlns:a16="http://schemas.microsoft.com/office/drawing/2014/main" id="{2855C8D3-D40C-5E45-BDA9-3AEDAA96E7E8}"/>
+                <a16:creationId xmlns:a16="http://schemas.microsoft.com/office/drawing/2014/main" xmlns="" id="{2855C8D3-D40C-5E45-BDA9-3AEDAA96E7E8}"/>
               </a:ext>
             </a:extLst>
           </p:cNvPr>
@@ -1153,7 +1590,7 @@
           <p:cNvPr id="4" name="Date Placeholder 3">
             <a:extLst>
               <a:ext uri="{FF2B5EF4-FFF2-40B4-BE49-F238E27FC236}">
-                <a16:creationId xmlns:a16="http://schemas.microsoft.com/office/drawing/2014/main" id="{9400D358-2B4E-7449-8640-6B16F0932728}"/>
+                <a16:creationId xmlns:a16="http://schemas.microsoft.com/office/drawing/2014/main" xmlns="" id="{9400D358-2B4E-7449-8640-6B16F0932728}"/>
               </a:ext>
             </a:extLst>
           </p:cNvPr>
@@ -1182,7 +1619,7 @@
           <p:cNvPr id="5" name="Footer Placeholder 4">
             <a:extLst>
               <a:ext uri="{FF2B5EF4-FFF2-40B4-BE49-F238E27FC236}">
-                <a16:creationId xmlns:a16="http://schemas.microsoft.com/office/drawing/2014/main" id="{16F1587E-416D-7E4F-BD18-727AACA00C97}"/>
+                <a16:creationId xmlns:a16="http://schemas.microsoft.com/office/drawing/2014/main" xmlns="" id="{16F1587E-416D-7E4F-BD18-727AACA00C97}"/>
               </a:ext>
             </a:extLst>
           </p:cNvPr>
@@ -1207,7 +1644,7 @@
           <p:cNvPr id="6" name="Slide Number Placeholder 5">
             <a:extLst>
               <a:ext uri="{FF2B5EF4-FFF2-40B4-BE49-F238E27FC236}">
-                <a16:creationId xmlns:a16="http://schemas.microsoft.com/office/drawing/2014/main" id="{E3F788FF-675D-4147-BE5C-6BD417248E89}"/>
+                <a16:creationId xmlns:a16="http://schemas.microsoft.com/office/drawing/2014/main" xmlns="" id="{E3F788FF-675D-4147-BE5C-6BD417248E89}"/>
               </a:ext>
             </a:extLst>
           </p:cNvPr>
@@ -1266,7 +1703,7 @@
           <p:cNvPr id="2" name="Title 1">
             <a:extLst>
               <a:ext uri="{FF2B5EF4-FFF2-40B4-BE49-F238E27FC236}">
-                <a16:creationId xmlns:a16="http://schemas.microsoft.com/office/drawing/2014/main" id="{3F0FAF2C-2509-1F42-8376-39B947ED2174}"/>
+                <a16:creationId xmlns:a16="http://schemas.microsoft.com/office/drawing/2014/main" xmlns="" id="{3F0FAF2C-2509-1F42-8376-39B947ED2174}"/>
               </a:ext>
             </a:extLst>
           </p:cNvPr>
@@ -1295,7 +1732,7 @@
           <p:cNvPr id="3" name="Content Placeholder 2">
             <a:extLst>
               <a:ext uri="{FF2B5EF4-FFF2-40B4-BE49-F238E27FC236}">
-                <a16:creationId xmlns:a16="http://schemas.microsoft.com/office/drawing/2014/main" id="{0AB33410-6A61-914C-9A28-737BA5439C95}"/>
+                <a16:creationId xmlns:a16="http://schemas.microsoft.com/office/drawing/2014/main" xmlns="" id="{0AB33410-6A61-914C-9A28-737BA5439C95}"/>
               </a:ext>
             </a:extLst>
           </p:cNvPr>
@@ -1353,7 +1790,7 @@
           <p:cNvPr id="4" name="Date Placeholder 3">
             <a:extLst>
               <a:ext uri="{FF2B5EF4-FFF2-40B4-BE49-F238E27FC236}">
-                <a16:creationId xmlns:a16="http://schemas.microsoft.com/office/drawing/2014/main" id="{B605A5EB-0A37-5A4B-8F90-1BF2400A1FA1}"/>
+                <a16:creationId xmlns:a16="http://schemas.microsoft.com/office/drawing/2014/main" xmlns="" id="{B605A5EB-0A37-5A4B-8F90-1BF2400A1FA1}"/>
               </a:ext>
             </a:extLst>
           </p:cNvPr>
@@ -1382,7 +1819,7 @@
           <p:cNvPr id="5" name="Footer Placeholder 4">
             <a:extLst>
               <a:ext uri="{FF2B5EF4-FFF2-40B4-BE49-F238E27FC236}">
-                <a16:creationId xmlns:a16="http://schemas.microsoft.com/office/drawing/2014/main" id="{A7918A40-1C74-C344-B7CD-2B83B6E6FC7E}"/>
+                <a16:creationId xmlns:a16="http://schemas.microsoft.com/office/drawing/2014/main" xmlns="" id="{A7918A40-1C74-C344-B7CD-2B83B6E6FC7E}"/>
               </a:ext>
             </a:extLst>
           </p:cNvPr>
@@ -1407,7 +1844,7 @@
           <p:cNvPr id="6" name="Slide Number Placeholder 5">
             <a:extLst>
               <a:ext uri="{FF2B5EF4-FFF2-40B4-BE49-F238E27FC236}">
-                <a16:creationId xmlns:a16="http://schemas.microsoft.com/office/drawing/2014/main" id="{F356125B-984A-D943-BA6E-0B3B016E2342}"/>
+                <a16:creationId xmlns:a16="http://schemas.microsoft.com/office/drawing/2014/main" xmlns="" id="{F356125B-984A-D943-BA6E-0B3B016E2342}"/>
               </a:ext>
             </a:extLst>
           </p:cNvPr>
@@ -1466,7 +1903,7 @@
           <p:cNvPr id="2" name="Title 1">
             <a:extLst>
               <a:ext uri="{FF2B5EF4-FFF2-40B4-BE49-F238E27FC236}">
-                <a16:creationId xmlns:a16="http://schemas.microsoft.com/office/drawing/2014/main" id="{29A94197-28B5-7D4F-99DB-3477F44DF35E}"/>
+                <a16:creationId xmlns:a16="http://schemas.microsoft.com/office/drawing/2014/main" xmlns="" id="{29A94197-28B5-7D4F-99DB-3477F44DF35E}"/>
               </a:ext>
             </a:extLst>
           </p:cNvPr>
@@ -1504,7 +1941,7 @@
           <p:cNvPr id="3" name="Text Placeholder 2">
             <a:extLst>
               <a:ext uri="{FF2B5EF4-FFF2-40B4-BE49-F238E27FC236}">
-                <a16:creationId xmlns:a16="http://schemas.microsoft.com/office/drawing/2014/main" id="{5B292341-F613-6448-829C-CAF47FD46AAF}"/>
+                <a16:creationId xmlns:a16="http://schemas.microsoft.com/office/drawing/2014/main" xmlns="" id="{5B292341-F613-6448-829C-CAF47FD46AAF}"/>
               </a:ext>
             </a:extLst>
           </p:cNvPr>
@@ -1629,7 +2066,7 @@
           <p:cNvPr id="4" name="Date Placeholder 3">
             <a:extLst>
               <a:ext uri="{FF2B5EF4-FFF2-40B4-BE49-F238E27FC236}">
-                <a16:creationId xmlns:a16="http://schemas.microsoft.com/office/drawing/2014/main" id="{B2A15880-6E9E-B640-8216-D69BD42F265E}"/>
+                <a16:creationId xmlns:a16="http://schemas.microsoft.com/office/drawing/2014/main" xmlns="" id="{B2A15880-6E9E-B640-8216-D69BD42F265E}"/>
               </a:ext>
             </a:extLst>
           </p:cNvPr>
@@ -1658,7 +2095,7 @@
           <p:cNvPr id="5" name="Footer Placeholder 4">
             <a:extLst>
               <a:ext uri="{FF2B5EF4-FFF2-40B4-BE49-F238E27FC236}">
-                <a16:creationId xmlns:a16="http://schemas.microsoft.com/office/drawing/2014/main" id="{8CFFE60D-292F-D74B-8F21-58736AF466D9}"/>
+                <a16:creationId xmlns:a16="http://schemas.microsoft.com/office/drawing/2014/main" xmlns="" id="{8CFFE60D-292F-D74B-8F21-58736AF466D9}"/>
               </a:ext>
             </a:extLst>
           </p:cNvPr>
@@ -1683,7 +2120,7 @@
           <p:cNvPr id="6" name="Slide Number Placeholder 5">
             <a:extLst>
               <a:ext uri="{FF2B5EF4-FFF2-40B4-BE49-F238E27FC236}">
-                <a16:creationId xmlns:a16="http://schemas.microsoft.com/office/drawing/2014/main" id="{1FB72841-8952-AA4C-9ED2-A7DA99B3BCBE}"/>
+                <a16:creationId xmlns:a16="http://schemas.microsoft.com/office/drawing/2014/main" xmlns="" id="{1FB72841-8952-AA4C-9ED2-A7DA99B3BCBE}"/>
               </a:ext>
             </a:extLst>
           </p:cNvPr>
@@ -1742,7 +2179,7 @@
           <p:cNvPr id="2" name="Title 1">
             <a:extLst>
               <a:ext uri="{FF2B5EF4-FFF2-40B4-BE49-F238E27FC236}">
-                <a16:creationId xmlns:a16="http://schemas.microsoft.com/office/drawing/2014/main" id="{C6FA671B-A62F-2B41-B3B3-04A71681E5FB}"/>
+                <a16:creationId xmlns:a16="http://schemas.microsoft.com/office/drawing/2014/main" xmlns="" id="{C6FA671B-A62F-2B41-B3B3-04A71681E5FB}"/>
               </a:ext>
             </a:extLst>
           </p:cNvPr>
@@ -1771,7 +2208,7 @@
           <p:cNvPr id="3" name="Content Placeholder 2">
             <a:extLst>
               <a:ext uri="{FF2B5EF4-FFF2-40B4-BE49-F238E27FC236}">
-                <a16:creationId xmlns:a16="http://schemas.microsoft.com/office/drawing/2014/main" id="{EAA26CC0-FEAA-144F-A4CB-8E59F4E584E0}"/>
+                <a16:creationId xmlns:a16="http://schemas.microsoft.com/office/drawing/2014/main" xmlns="" id="{EAA26CC0-FEAA-144F-A4CB-8E59F4E584E0}"/>
               </a:ext>
             </a:extLst>
           </p:cNvPr>
@@ -1834,7 +2271,7 @@
           <p:cNvPr id="4" name="Content Placeholder 3">
             <a:extLst>
               <a:ext uri="{FF2B5EF4-FFF2-40B4-BE49-F238E27FC236}">
-                <a16:creationId xmlns:a16="http://schemas.microsoft.com/office/drawing/2014/main" id="{F47B1E99-C99C-864D-935D-A0DBCB19D420}"/>
+                <a16:creationId xmlns:a16="http://schemas.microsoft.com/office/drawing/2014/main" xmlns="" id="{F47B1E99-C99C-864D-935D-A0DBCB19D420}"/>
               </a:ext>
             </a:extLst>
           </p:cNvPr>
@@ -1897,7 +2334,7 @@
           <p:cNvPr id="5" name="Date Placeholder 4">
             <a:extLst>
               <a:ext uri="{FF2B5EF4-FFF2-40B4-BE49-F238E27FC236}">
-                <a16:creationId xmlns:a16="http://schemas.microsoft.com/office/drawing/2014/main" id="{6A125CCA-6232-DB4C-996C-C33340830DB7}"/>
+                <a16:creationId xmlns:a16="http://schemas.microsoft.com/office/drawing/2014/main" xmlns="" id="{6A125CCA-6232-DB4C-996C-C33340830DB7}"/>
               </a:ext>
             </a:extLst>
           </p:cNvPr>
@@ -1926,7 +2363,7 @@
           <p:cNvPr id="6" name="Footer Placeholder 5">
             <a:extLst>
               <a:ext uri="{FF2B5EF4-FFF2-40B4-BE49-F238E27FC236}">
-                <a16:creationId xmlns:a16="http://schemas.microsoft.com/office/drawing/2014/main" id="{609ADF36-3581-A749-82BE-AEDBFB0B5790}"/>
+                <a16:creationId xmlns:a16="http://schemas.microsoft.com/office/drawing/2014/main" xmlns="" id="{609ADF36-3581-A749-82BE-AEDBFB0B5790}"/>
               </a:ext>
             </a:extLst>
           </p:cNvPr>
@@ -1951,7 +2388,7 @@
           <p:cNvPr id="7" name="Slide Number Placeholder 6">
             <a:extLst>
               <a:ext uri="{FF2B5EF4-FFF2-40B4-BE49-F238E27FC236}">
-                <a16:creationId xmlns:a16="http://schemas.microsoft.com/office/drawing/2014/main" id="{54CF22FF-5CE4-714C-AF34-115E0DA38251}"/>
+                <a16:creationId xmlns:a16="http://schemas.microsoft.com/office/drawing/2014/main" xmlns="" id="{54CF22FF-5CE4-714C-AF34-115E0DA38251}"/>
               </a:ext>
             </a:extLst>
           </p:cNvPr>
@@ -2010,7 +2447,7 @@
           <p:cNvPr id="2" name="Title 1">
             <a:extLst>
               <a:ext uri="{FF2B5EF4-FFF2-40B4-BE49-F238E27FC236}">
-                <a16:creationId xmlns:a16="http://schemas.microsoft.com/office/drawing/2014/main" id="{9CC044E2-5E4E-624E-B0A3-C78C6131EEEC}"/>
+                <a16:creationId xmlns:a16="http://schemas.microsoft.com/office/drawing/2014/main" xmlns="" id="{9CC044E2-5E4E-624E-B0A3-C78C6131EEEC}"/>
               </a:ext>
             </a:extLst>
           </p:cNvPr>
@@ -2044,7 +2481,7 @@
           <p:cNvPr id="3" name="Text Placeholder 2">
             <a:extLst>
               <a:ext uri="{FF2B5EF4-FFF2-40B4-BE49-F238E27FC236}">
-                <a16:creationId xmlns:a16="http://schemas.microsoft.com/office/drawing/2014/main" id="{C0FD1435-4046-0049-B5A5-741D6380B4BC}"/>
+                <a16:creationId xmlns:a16="http://schemas.microsoft.com/office/drawing/2014/main" xmlns="" id="{C0FD1435-4046-0049-B5A5-741D6380B4BC}"/>
               </a:ext>
             </a:extLst>
           </p:cNvPr>
@@ -2115,7 +2552,7 @@
           <p:cNvPr id="4" name="Content Placeholder 3">
             <a:extLst>
               <a:ext uri="{FF2B5EF4-FFF2-40B4-BE49-F238E27FC236}">
-                <a16:creationId xmlns:a16="http://schemas.microsoft.com/office/drawing/2014/main" id="{3E42463F-7F55-454A-86DE-A60650BE60A0}"/>
+                <a16:creationId xmlns:a16="http://schemas.microsoft.com/office/drawing/2014/main" xmlns="" id="{3E42463F-7F55-454A-86DE-A60650BE60A0}"/>
               </a:ext>
             </a:extLst>
           </p:cNvPr>
@@ -2178,7 +2615,7 @@
           <p:cNvPr id="5" name="Text Placeholder 4">
             <a:extLst>
               <a:ext uri="{FF2B5EF4-FFF2-40B4-BE49-F238E27FC236}">
-                <a16:creationId xmlns:a16="http://schemas.microsoft.com/office/drawing/2014/main" id="{66D1FC0F-CD74-ED4F-A8C9-56E23ED7CDD9}"/>
+                <a16:creationId xmlns:a16="http://schemas.microsoft.com/office/drawing/2014/main" xmlns="" id="{66D1FC0F-CD74-ED4F-A8C9-56E23ED7CDD9}"/>
               </a:ext>
             </a:extLst>
           </p:cNvPr>
@@ -2249,7 +2686,7 @@
           <p:cNvPr id="6" name="Content Placeholder 5">
             <a:extLst>
               <a:ext uri="{FF2B5EF4-FFF2-40B4-BE49-F238E27FC236}">
-                <a16:creationId xmlns:a16="http://schemas.microsoft.com/office/drawing/2014/main" id="{779EBC04-5035-674B-80BB-D257683A8EE5}"/>
+                <a16:creationId xmlns:a16="http://schemas.microsoft.com/office/drawing/2014/main" xmlns="" id="{779EBC04-5035-674B-80BB-D257683A8EE5}"/>
               </a:ext>
             </a:extLst>
           </p:cNvPr>
@@ -2312,7 +2749,7 @@
           <p:cNvPr id="7" name="Date Placeholder 6">
             <a:extLst>
               <a:ext uri="{FF2B5EF4-FFF2-40B4-BE49-F238E27FC236}">
-                <a16:creationId xmlns:a16="http://schemas.microsoft.com/office/drawing/2014/main" id="{FAF82489-40D3-2D48-8F78-F1AB3FA5CC91}"/>
+                <a16:creationId xmlns:a16="http://schemas.microsoft.com/office/drawing/2014/main" xmlns="" id="{FAF82489-40D3-2D48-8F78-F1AB3FA5CC91}"/>
               </a:ext>
             </a:extLst>
           </p:cNvPr>
@@ -2341,7 +2778,7 @@
           <p:cNvPr id="8" name="Footer Placeholder 7">
             <a:extLst>
               <a:ext uri="{FF2B5EF4-FFF2-40B4-BE49-F238E27FC236}">
-                <a16:creationId xmlns:a16="http://schemas.microsoft.com/office/drawing/2014/main" id="{9C19D11C-3446-6745-B663-C466F6A57C95}"/>
+                <a16:creationId xmlns:a16="http://schemas.microsoft.com/office/drawing/2014/main" xmlns="" id="{9C19D11C-3446-6745-B663-C466F6A57C95}"/>
               </a:ext>
             </a:extLst>
           </p:cNvPr>
@@ -2366,7 +2803,7 @@
           <p:cNvPr id="9" name="Slide Number Placeholder 8">
             <a:extLst>
               <a:ext uri="{FF2B5EF4-FFF2-40B4-BE49-F238E27FC236}">
-                <a16:creationId xmlns:a16="http://schemas.microsoft.com/office/drawing/2014/main" id="{A8BFF524-2B78-8C4D-B2B4-88B33120281E}"/>
+                <a16:creationId xmlns:a16="http://schemas.microsoft.com/office/drawing/2014/main" xmlns="" id="{A8BFF524-2B78-8C4D-B2B4-88B33120281E}"/>
               </a:ext>
             </a:extLst>
           </p:cNvPr>
@@ -2425,7 +2862,7 @@
           <p:cNvPr id="2" name="Title 1">
             <a:extLst>
               <a:ext uri="{FF2B5EF4-FFF2-40B4-BE49-F238E27FC236}">
-                <a16:creationId xmlns:a16="http://schemas.microsoft.com/office/drawing/2014/main" id="{2E62254A-C4FE-1F4B-A379-4269EC006788}"/>
+                <a16:creationId xmlns:a16="http://schemas.microsoft.com/office/drawing/2014/main" xmlns="" id="{2E62254A-C4FE-1F4B-A379-4269EC006788}"/>
               </a:ext>
             </a:extLst>
           </p:cNvPr>
@@ -2454,7 +2891,7 @@
           <p:cNvPr id="3" name="Date Placeholder 2">
             <a:extLst>
               <a:ext uri="{FF2B5EF4-FFF2-40B4-BE49-F238E27FC236}">
-                <a16:creationId xmlns:a16="http://schemas.microsoft.com/office/drawing/2014/main" id="{4A44DB27-EE5E-904B-A27B-AB0B5EC753A0}"/>
+                <a16:creationId xmlns:a16="http://schemas.microsoft.com/office/drawing/2014/main" xmlns="" id="{4A44DB27-EE5E-904B-A27B-AB0B5EC753A0}"/>
               </a:ext>
             </a:extLst>
           </p:cNvPr>
@@ -2483,7 +2920,7 @@
           <p:cNvPr id="4" name="Footer Placeholder 3">
             <a:extLst>
               <a:ext uri="{FF2B5EF4-FFF2-40B4-BE49-F238E27FC236}">
-                <a16:creationId xmlns:a16="http://schemas.microsoft.com/office/drawing/2014/main" id="{12440568-4178-6E47-ADCD-F1DE7490F241}"/>
+                <a16:creationId xmlns:a16="http://schemas.microsoft.com/office/drawing/2014/main" xmlns="" id="{12440568-4178-6E47-ADCD-F1DE7490F241}"/>
               </a:ext>
             </a:extLst>
           </p:cNvPr>
@@ -2508,7 +2945,7 @@
           <p:cNvPr id="5" name="Slide Number Placeholder 4">
             <a:extLst>
               <a:ext uri="{FF2B5EF4-FFF2-40B4-BE49-F238E27FC236}">
-                <a16:creationId xmlns:a16="http://schemas.microsoft.com/office/drawing/2014/main" id="{1B413392-D27F-7642-A7D8-D7ACE83F4C78}"/>
+                <a16:creationId xmlns:a16="http://schemas.microsoft.com/office/drawing/2014/main" xmlns="" id="{1B413392-D27F-7642-A7D8-D7ACE83F4C78}"/>
               </a:ext>
             </a:extLst>
           </p:cNvPr>
@@ -2567,7 +3004,7 @@
           <p:cNvPr id="2" name="Date Placeholder 1">
             <a:extLst>
               <a:ext uri="{FF2B5EF4-FFF2-40B4-BE49-F238E27FC236}">
-                <a16:creationId xmlns:a16="http://schemas.microsoft.com/office/drawing/2014/main" id="{134A7EC9-56D0-7544-B083-7DDABDBFEDB2}"/>
+                <a16:creationId xmlns:a16="http://schemas.microsoft.com/office/drawing/2014/main" xmlns="" id="{134A7EC9-56D0-7544-B083-7DDABDBFEDB2}"/>
               </a:ext>
             </a:extLst>
           </p:cNvPr>
@@ -2596,7 +3033,7 @@
           <p:cNvPr id="3" name="Footer Placeholder 2">
             <a:extLst>
               <a:ext uri="{FF2B5EF4-FFF2-40B4-BE49-F238E27FC236}">
-                <a16:creationId xmlns:a16="http://schemas.microsoft.com/office/drawing/2014/main" id="{63CAF8D3-02D7-7D4F-B7EF-3F630CC624CE}"/>
+                <a16:creationId xmlns:a16="http://schemas.microsoft.com/office/drawing/2014/main" xmlns="" id="{63CAF8D3-02D7-7D4F-B7EF-3F630CC624CE}"/>
               </a:ext>
             </a:extLst>
           </p:cNvPr>
@@ -2621,7 +3058,7 @@
           <p:cNvPr id="4" name="Slide Number Placeholder 3">
             <a:extLst>
               <a:ext uri="{FF2B5EF4-FFF2-40B4-BE49-F238E27FC236}">
-                <a16:creationId xmlns:a16="http://schemas.microsoft.com/office/drawing/2014/main" id="{DA2710BE-A718-7443-858F-7D8EA81D5436}"/>
+                <a16:creationId xmlns:a16="http://schemas.microsoft.com/office/drawing/2014/main" xmlns="" id="{DA2710BE-A718-7443-858F-7D8EA81D5436}"/>
               </a:ext>
             </a:extLst>
           </p:cNvPr>
@@ -2680,7 +3117,7 @@
           <p:cNvPr id="2" name="Title 1">
             <a:extLst>
               <a:ext uri="{FF2B5EF4-FFF2-40B4-BE49-F238E27FC236}">
-                <a16:creationId xmlns:a16="http://schemas.microsoft.com/office/drawing/2014/main" id="{C849A4D9-3E8E-7A42-87CD-36445612ED48}"/>
+                <a16:creationId xmlns:a16="http://schemas.microsoft.com/office/drawing/2014/main" xmlns="" id="{C849A4D9-3E8E-7A42-87CD-36445612ED48}"/>
               </a:ext>
             </a:extLst>
           </p:cNvPr>
@@ -2718,7 +3155,7 @@
           <p:cNvPr id="3" name="Content Placeholder 2">
             <a:extLst>
               <a:ext uri="{FF2B5EF4-FFF2-40B4-BE49-F238E27FC236}">
-                <a16:creationId xmlns:a16="http://schemas.microsoft.com/office/drawing/2014/main" id="{A5818118-D114-6641-9ACD-5E3ADA9072EC}"/>
+                <a16:creationId xmlns:a16="http://schemas.microsoft.com/office/drawing/2014/main" xmlns="" id="{A5818118-D114-6641-9ACD-5E3ADA9072EC}"/>
               </a:ext>
             </a:extLst>
           </p:cNvPr>
@@ -2809,7 +3246,7 @@
           <p:cNvPr id="4" name="Text Placeholder 3">
             <a:extLst>
               <a:ext uri="{FF2B5EF4-FFF2-40B4-BE49-F238E27FC236}">
-                <a16:creationId xmlns:a16="http://schemas.microsoft.com/office/drawing/2014/main" id="{5BE31A48-6F9E-7D47-89C5-28C5DA4FC8D0}"/>
+                <a16:creationId xmlns:a16="http://schemas.microsoft.com/office/drawing/2014/main" xmlns="" id="{5BE31A48-6F9E-7D47-89C5-28C5DA4FC8D0}"/>
               </a:ext>
             </a:extLst>
           </p:cNvPr>
@@ -2880,7 +3317,7 @@
           <p:cNvPr id="5" name="Date Placeholder 4">
             <a:extLst>
               <a:ext uri="{FF2B5EF4-FFF2-40B4-BE49-F238E27FC236}">
-                <a16:creationId xmlns:a16="http://schemas.microsoft.com/office/drawing/2014/main" id="{E005148D-6905-534D-BACA-59EB504F0FC0}"/>
+                <a16:creationId xmlns:a16="http://schemas.microsoft.com/office/drawing/2014/main" xmlns="" id="{E005148D-6905-534D-BACA-59EB504F0FC0}"/>
               </a:ext>
             </a:extLst>
           </p:cNvPr>
@@ -2909,7 +3346,7 @@
           <p:cNvPr id="6" name="Footer Placeholder 5">
             <a:extLst>
               <a:ext uri="{FF2B5EF4-FFF2-40B4-BE49-F238E27FC236}">
-                <a16:creationId xmlns:a16="http://schemas.microsoft.com/office/drawing/2014/main" id="{D88647AD-B063-8B4A-A9B9-B36B5B5BEFC1}"/>
+                <a16:creationId xmlns:a16="http://schemas.microsoft.com/office/drawing/2014/main" xmlns="" id="{D88647AD-B063-8B4A-A9B9-B36B5B5BEFC1}"/>
               </a:ext>
             </a:extLst>
           </p:cNvPr>
@@ -2934,7 +3371,7 @@
           <p:cNvPr id="7" name="Slide Number Placeholder 6">
             <a:extLst>
               <a:ext uri="{FF2B5EF4-FFF2-40B4-BE49-F238E27FC236}">
-                <a16:creationId xmlns:a16="http://schemas.microsoft.com/office/drawing/2014/main" id="{6F91E261-48B7-DB42-B835-28884C3B1A05}"/>
+                <a16:creationId xmlns:a16="http://schemas.microsoft.com/office/drawing/2014/main" xmlns="" id="{6F91E261-48B7-DB42-B835-28884C3B1A05}"/>
               </a:ext>
             </a:extLst>
           </p:cNvPr>
@@ -2993,7 +3430,7 @@
           <p:cNvPr id="2" name="Title 1">
             <a:extLst>
               <a:ext uri="{FF2B5EF4-FFF2-40B4-BE49-F238E27FC236}">
-                <a16:creationId xmlns:a16="http://schemas.microsoft.com/office/drawing/2014/main" id="{DD5F0788-2F18-1C45-823B-0F17FB10E58F}"/>
+                <a16:creationId xmlns:a16="http://schemas.microsoft.com/office/drawing/2014/main" xmlns="" id="{DD5F0788-2F18-1C45-823B-0F17FB10E58F}"/>
               </a:ext>
             </a:extLst>
           </p:cNvPr>
@@ -3031,7 +3468,7 @@
           <p:cNvPr id="3" name="Picture Placeholder 2">
             <a:extLst>
               <a:ext uri="{FF2B5EF4-FFF2-40B4-BE49-F238E27FC236}">
-                <a16:creationId xmlns:a16="http://schemas.microsoft.com/office/drawing/2014/main" id="{E3E61DD3-3618-2B48-AAE3-6EEBD66BA477}"/>
+                <a16:creationId xmlns:a16="http://schemas.microsoft.com/office/drawing/2014/main" xmlns="" id="{E3E61DD3-3618-2B48-AAE3-6EEBD66BA477}"/>
               </a:ext>
             </a:extLst>
           </p:cNvPr>
@@ -3098,7 +3535,7 @@
           <p:cNvPr id="4" name="Text Placeholder 3">
             <a:extLst>
               <a:ext uri="{FF2B5EF4-FFF2-40B4-BE49-F238E27FC236}">
-                <a16:creationId xmlns:a16="http://schemas.microsoft.com/office/drawing/2014/main" id="{E4F0A04D-F637-584A-BA3D-D5B5AF3B2637}"/>
+                <a16:creationId xmlns:a16="http://schemas.microsoft.com/office/drawing/2014/main" xmlns="" id="{E4F0A04D-F637-584A-BA3D-D5B5AF3B2637}"/>
               </a:ext>
             </a:extLst>
           </p:cNvPr>
@@ -3169,7 +3606,7 @@
           <p:cNvPr id="5" name="Date Placeholder 4">
             <a:extLst>
               <a:ext uri="{FF2B5EF4-FFF2-40B4-BE49-F238E27FC236}">
-                <a16:creationId xmlns:a16="http://schemas.microsoft.com/office/drawing/2014/main" id="{1A99533B-E086-3A48-90DD-E9EA4824351D}"/>
+                <a16:creationId xmlns:a16="http://schemas.microsoft.com/office/drawing/2014/main" xmlns="" id="{1A99533B-E086-3A48-90DD-E9EA4824351D}"/>
               </a:ext>
             </a:extLst>
           </p:cNvPr>
@@ -3198,7 +3635,7 @@
           <p:cNvPr id="6" name="Footer Placeholder 5">
             <a:extLst>
               <a:ext uri="{FF2B5EF4-FFF2-40B4-BE49-F238E27FC236}">
-                <a16:creationId xmlns:a16="http://schemas.microsoft.com/office/drawing/2014/main" id="{89ABB41E-35DA-1B49-8802-51051DEB094A}"/>
+                <a16:creationId xmlns:a16="http://schemas.microsoft.com/office/drawing/2014/main" xmlns="" id="{89ABB41E-35DA-1B49-8802-51051DEB094A}"/>
               </a:ext>
             </a:extLst>
           </p:cNvPr>
@@ -3223,7 +3660,7 @@
           <p:cNvPr id="7" name="Slide Number Placeholder 6">
             <a:extLst>
               <a:ext uri="{FF2B5EF4-FFF2-40B4-BE49-F238E27FC236}">
-                <a16:creationId xmlns:a16="http://schemas.microsoft.com/office/drawing/2014/main" id="{6AC07020-B9CF-164E-AFF8-BEE115698CB0}"/>
+                <a16:creationId xmlns:a16="http://schemas.microsoft.com/office/drawing/2014/main" xmlns="" id="{6AC07020-B9CF-164E-AFF8-BEE115698CB0}"/>
               </a:ext>
             </a:extLst>
           </p:cNvPr>
@@ -3287,7 +3724,7 @@
           <p:cNvPr id="2" name="Title Placeholder 1">
             <a:extLst>
               <a:ext uri="{FF2B5EF4-FFF2-40B4-BE49-F238E27FC236}">
-                <a16:creationId xmlns:a16="http://schemas.microsoft.com/office/drawing/2014/main" id="{BB766E4D-55E6-E14E-BEEC-7D5466471D37}"/>
+                <a16:creationId xmlns:a16="http://schemas.microsoft.com/office/drawing/2014/main" xmlns="" id="{BB766E4D-55E6-E14E-BEEC-7D5466471D37}"/>
               </a:ext>
             </a:extLst>
           </p:cNvPr>
@@ -3326,7 +3763,7 @@
           <p:cNvPr id="3" name="Text Placeholder 2">
             <a:extLst>
               <a:ext uri="{FF2B5EF4-FFF2-40B4-BE49-F238E27FC236}">
-                <a16:creationId xmlns:a16="http://schemas.microsoft.com/office/drawing/2014/main" id="{247481B9-F9FC-4543-90D9-81996A639D4F}"/>
+                <a16:creationId xmlns:a16="http://schemas.microsoft.com/office/drawing/2014/main" xmlns="" id="{247481B9-F9FC-4543-90D9-81996A639D4F}"/>
               </a:ext>
             </a:extLst>
           </p:cNvPr>
@@ -3394,7 +3831,7 @@
           <p:cNvPr id="4" name="Date Placeholder 3">
             <a:extLst>
               <a:ext uri="{FF2B5EF4-FFF2-40B4-BE49-F238E27FC236}">
-                <a16:creationId xmlns:a16="http://schemas.microsoft.com/office/drawing/2014/main" id="{1F1075F2-6EDD-B74D-906A-2ADA23F4A531}"/>
+                <a16:creationId xmlns:a16="http://schemas.microsoft.com/office/drawing/2014/main" xmlns="" id="{1F1075F2-6EDD-B74D-906A-2ADA23F4A531}"/>
               </a:ext>
             </a:extLst>
           </p:cNvPr>
@@ -3441,7 +3878,7 @@
           <p:cNvPr id="5" name="Footer Placeholder 4">
             <a:extLst>
               <a:ext uri="{FF2B5EF4-FFF2-40B4-BE49-F238E27FC236}">
-                <a16:creationId xmlns:a16="http://schemas.microsoft.com/office/drawing/2014/main" id="{DEE3B438-6993-C644-B8C2-DEE46DA0B6C5}"/>
+                <a16:creationId xmlns:a16="http://schemas.microsoft.com/office/drawing/2014/main" xmlns="" id="{DEE3B438-6993-C644-B8C2-DEE46DA0B6C5}"/>
               </a:ext>
             </a:extLst>
           </p:cNvPr>
@@ -3484,7 +3921,7 @@
           <p:cNvPr id="6" name="Slide Number Placeholder 5">
             <a:extLst>
               <a:ext uri="{FF2B5EF4-FFF2-40B4-BE49-F238E27FC236}">
-                <a16:creationId xmlns:a16="http://schemas.microsoft.com/office/drawing/2014/main" id="{BD7DE474-FCC4-6E42-86A1-A056C2B735C1}"/>
+                <a16:creationId xmlns:a16="http://schemas.microsoft.com/office/drawing/2014/main" xmlns="" id="{BD7DE474-FCC4-6E42-86A1-A056C2B735C1}"/>
               </a:ext>
             </a:extLst>
           </p:cNvPr>
@@ -3852,7 +4289,7 @@
           <p:cNvPr id="14" name="Rectangle 13">
             <a:extLst>
               <a:ext uri="{FF2B5EF4-FFF2-40B4-BE49-F238E27FC236}">
-                <a16:creationId xmlns:a16="http://schemas.microsoft.com/office/drawing/2014/main" id="{E84C4A39-D6B8-604E-BC42-AB083E3984CD}"/>
+                <a16:creationId xmlns:a16="http://schemas.microsoft.com/office/drawing/2014/main" xmlns="" id="{E84C4A39-D6B8-604E-BC42-AB083E3984CD}"/>
               </a:ext>
             </a:extLst>
           </p:cNvPr>
@@ -3904,7 +4341,7 @@
           <p:cNvPr id="19" name="TextBox 18">
             <a:extLst>
               <a:ext uri="{FF2B5EF4-FFF2-40B4-BE49-F238E27FC236}">
-                <a16:creationId xmlns:a16="http://schemas.microsoft.com/office/drawing/2014/main" id="{EAFD0D00-9E93-F246-AD45-751176C85950}"/>
+                <a16:creationId xmlns:a16="http://schemas.microsoft.com/office/drawing/2014/main" xmlns="" id="{EAFD0D00-9E93-F246-AD45-751176C85950}"/>
               </a:ext>
             </a:extLst>
           </p:cNvPr>
@@ -3946,7 +4383,7 @@
           <p:cNvPr id="20" name="TextBox 19">
             <a:extLst>
               <a:ext uri="{FF2B5EF4-FFF2-40B4-BE49-F238E27FC236}">
-                <a16:creationId xmlns:a16="http://schemas.microsoft.com/office/drawing/2014/main" id="{672DE3DB-C9C1-EC44-A29C-40762920C590}"/>
+                <a16:creationId xmlns:a16="http://schemas.microsoft.com/office/drawing/2014/main" xmlns="" id="{672DE3DB-C9C1-EC44-A29C-40762920C590}"/>
               </a:ext>
             </a:extLst>
           </p:cNvPr>
@@ -3990,7 +4427,7 @@
           <p:cNvPr id="22" name="Graphic 21">
             <a:extLst>
               <a:ext uri="{FF2B5EF4-FFF2-40B4-BE49-F238E27FC236}">
-                <a16:creationId xmlns:a16="http://schemas.microsoft.com/office/drawing/2014/main" id="{DA5B8B0C-A956-BA4E-95EE-5863098EDACA}"/>
+                <a16:creationId xmlns:a16="http://schemas.microsoft.com/office/drawing/2014/main" xmlns="" id="{DA5B8B0C-A956-BA4E-95EE-5863098EDACA}"/>
               </a:ext>
             </a:extLst>
           </p:cNvPr>
@@ -4000,10 +4437,10 @@
           <p:nvPr/>
         </p:nvPicPr>
         <p:blipFill>
-          <a:blip r:embed="rId2">
+          <a:blip r:embed="rId3">
             <a:extLst>
               <a:ext uri="{96DAC541-7B7A-43D3-8B79-37D633B846F1}">
-                <asvg:svgBlip xmlns:asvg="http://schemas.microsoft.com/office/drawing/2016/SVG/main" r:embed="rId3"/>
+                <asvg:svgBlip xmlns:asvg="http://schemas.microsoft.com/office/drawing/2016/SVG/main" xmlns="" r:embed="rId4"/>
               </a:ext>
             </a:extLst>
           </a:blip>
@@ -4026,7 +4463,7 @@
           <p:cNvPr id="23" name="TextBox 22">
             <a:extLst>
               <a:ext uri="{FF2B5EF4-FFF2-40B4-BE49-F238E27FC236}">
-                <a16:creationId xmlns:a16="http://schemas.microsoft.com/office/drawing/2014/main" id="{2FEE11FA-8AAA-784D-8E85-815F91072ECC}"/>
+                <a16:creationId xmlns:a16="http://schemas.microsoft.com/office/drawing/2014/main" xmlns="" id="{2FEE11FA-8AAA-784D-8E85-815F91072ECC}"/>
               </a:ext>
             </a:extLst>
           </p:cNvPr>
@@ -4082,7 +4519,7 @@
           <p:cNvPr id="25" name="TextBox 24">
             <a:extLst>
               <a:ext uri="{FF2B5EF4-FFF2-40B4-BE49-F238E27FC236}">
-                <a16:creationId xmlns:a16="http://schemas.microsoft.com/office/drawing/2014/main" id="{A2D20009-0673-CF4C-A2C5-34B3806093A2}"/>
+                <a16:creationId xmlns:a16="http://schemas.microsoft.com/office/drawing/2014/main" xmlns="" id="{A2D20009-0673-CF4C-A2C5-34B3806093A2}"/>
               </a:ext>
             </a:extLst>
           </p:cNvPr>
@@ -4146,7 +4583,7 @@
           <p:cNvPr id="29" name="TextBox 28">
             <a:extLst>
               <a:ext uri="{FF2B5EF4-FFF2-40B4-BE49-F238E27FC236}">
-                <a16:creationId xmlns:a16="http://schemas.microsoft.com/office/drawing/2014/main" id="{36247220-52B5-E340-A168-180E00A47035}"/>
+                <a16:creationId xmlns:a16="http://schemas.microsoft.com/office/drawing/2014/main" xmlns="" id="{36247220-52B5-E340-A168-180E00A47035}"/>
               </a:ext>
             </a:extLst>
           </p:cNvPr>
@@ -4179,7 +4616,19 @@
                 </a:solidFill>
                 <a:latin typeface="Montserrat Light"/>
               </a:rPr>
-              <a:t>linhhoang100@gmail.com</a:t>
+              <a:t>h</a:t>
+            </a:r>
+            <a:r>
+              <a:rPr lang="en-US" sz="1100" dirty="0" smtClean="0">
+                <a:solidFill>
+                  <a:schemeClr val="tx1">
+                    <a:lumMod val="95000"/>
+                    <a:lumOff val="5000"/>
+                  </a:schemeClr>
+                </a:solidFill>
+                <a:latin typeface="Montserrat Light"/>
+              </a:rPr>
+              <a:t>oang.dangcong@vn.panasonic.com</a:t>
             </a:r>
             <a:endParaRPr lang="x-none" sz="1100" dirty="0">
               <a:solidFill>
@@ -4198,7 +4647,7 @@
           <p:cNvPr id="30" name="TextBox 29">
             <a:extLst>
               <a:ext uri="{FF2B5EF4-FFF2-40B4-BE49-F238E27FC236}">
-                <a16:creationId xmlns:a16="http://schemas.microsoft.com/office/drawing/2014/main" id="{116973B1-2B8D-9646-978D-567264B18B08}"/>
+                <a16:creationId xmlns:a16="http://schemas.microsoft.com/office/drawing/2014/main" xmlns="" id="{116973B1-2B8D-9646-978D-567264B18B08}"/>
               </a:ext>
             </a:extLst>
           </p:cNvPr>
@@ -4208,7 +4657,7 @@
         <p:spPr>
           <a:xfrm>
             <a:off x="7797812" y="2386859"/>
-            <a:ext cx="3453793" cy="261610"/>
+            <a:ext cx="3453793" cy="430887"/>
           </a:xfrm>
           <a:prstGeom prst="rect">
             <a:avLst/>
@@ -4226,7 +4675,7 @@
                 <a:ea typeface="+mn-lt"/>
                 <a:cs typeface="+mn-lt"/>
               </a:rPr>
-              <a:t>https://www.linkedin.com/in/ngododangkhoa/</a:t>
+              <a:t>https://www.linkedin.com/in/hoang-dang-cong-60a5b811a/</a:t>
             </a:r>
             <a:endParaRPr lang="en-US" dirty="0"/>
           </a:p>
@@ -4237,7 +4686,7 @@
           <p:cNvPr id="32" name="Graphic 31">
             <a:extLst>
               <a:ext uri="{FF2B5EF4-FFF2-40B4-BE49-F238E27FC236}">
-                <a16:creationId xmlns:a16="http://schemas.microsoft.com/office/drawing/2014/main" id="{BD9F6567-4B0D-A840-A5D6-D1F992AAE508}"/>
+                <a16:creationId xmlns:a16="http://schemas.microsoft.com/office/drawing/2014/main" xmlns="" id="{BD9F6567-4B0D-A840-A5D6-D1F992AAE508}"/>
               </a:ext>
             </a:extLst>
           </p:cNvPr>
@@ -4247,10 +4696,10 @@
           <p:nvPr/>
         </p:nvPicPr>
         <p:blipFill>
-          <a:blip r:embed="rId4">
+          <a:blip r:embed="rId5">
             <a:extLst>
               <a:ext uri="{96DAC541-7B7A-43D3-8B79-37D633B846F1}">
-                <asvg:svgBlip xmlns:asvg="http://schemas.microsoft.com/office/drawing/2016/SVG/main" r:embed="rId5"/>
+                <asvg:svgBlip xmlns:asvg="http://schemas.microsoft.com/office/drawing/2016/SVG/main" xmlns="" r:embed="rId6"/>
               </a:ext>
             </a:extLst>
           </a:blip>
@@ -4273,7 +4722,7 @@
           <p:cNvPr id="34" name="Graphic 33">
             <a:extLst>
               <a:ext uri="{FF2B5EF4-FFF2-40B4-BE49-F238E27FC236}">
-                <a16:creationId xmlns:a16="http://schemas.microsoft.com/office/drawing/2014/main" id="{BC75CE74-774F-3140-BB0D-88B7A7B80C70}"/>
+                <a16:creationId xmlns:a16="http://schemas.microsoft.com/office/drawing/2014/main" xmlns="" id="{BC75CE74-774F-3140-BB0D-88B7A7B80C70}"/>
               </a:ext>
             </a:extLst>
           </p:cNvPr>
@@ -4283,10 +4732,10 @@
           <p:nvPr/>
         </p:nvPicPr>
         <p:blipFill>
-          <a:blip r:embed="rId6">
+          <a:blip r:embed="rId7">
             <a:extLst>
               <a:ext uri="{96DAC541-7B7A-43D3-8B79-37D633B846F1}">
-                <asvg:svgBlip xmlns:asvg="http://schemas.microsoft.com/office/drawing/2016/SVG/main" r:embed="rId7"/>
+                <asvg:svgBlip xmlns:asvg="http://schemas.microsoft.com/office/drawing/2016/SVG/main" xmlns="" r:embed="rId8"/>
               </a:ext>
             </a:extLst>
           </a:blip>
@@ -4309,7 +4758,7 @@
           <p:cNvPr id="36" name="Graphic 35">
             <a:extLst>
               <a:ext uri="{FF2B5EF4-FFF2-40B4-BE49-F238E27FC236}">
-                <a16:creationId xmlns:a16="http://schemas.microsoft.com/office/drawing/2014/main" id="{AAF7868A-A4BD-6342-B1E0-720A443A591A}"/>
+                <a16:creationId xmlns:a16="http://schemas.microsoft.com/office/drawing/2014/main" xmlns="" id="{AAF7868A-A4BD-6342-B1E0-720A443A591A}"/>
               </a:ext>
             </a:extLst>
           </p:cNvPr>
@@ -4319,10 +4768,10 @@
           <p:nvPr/>
         </p:nvPicPr>
         <p:blipFill>
-          <a:blip r:embed="rId8">
+          <a:blip r:embed="rId9">
             <a:extLst>
               <a:ext uri="{96DAC541-7B7A-43D3-8B79-37D633B846F1}">
-                <asvg:svgBlip xmlns:asvg="http://schemas.microsoft.com/office/drawing/2016/SVG/main" r:embed="rId9"/>
+                <asvg:svgBlip xmlns:asvg="http://schemas.microsoft.com/office/drawing/2016/SVG/main" xmlns="" r:embed="rId10"/>
               </a:ext>
             </a:extLst>
           </a:blip>
@@ -4345,7 +4794,7 @@
           <p:cNvPr id="50" name="Rectangle 49">
             <a:extLst>
               <a:ext uri="{FF2B5EF4-FFF2-40B4-BE49-F238E27FC236}">
-                <a16:creationId xmlns:a16="http://schemas.microsoft.com/office/drawing/2014/main" id="{A4D9DA34-BE98-2D49-A579-E0327D6E6478}"/>
+                <a16:creationId xmlns:a16="http://schemas.microsoft.com/office/drawing/2014/main" xmlns="" id="{A4D9DA34-BE98-2D49-A579-E0327D6E6478}"/>
               </a:ext>
             </a:extLst>
           </p:cNvPr>
@@ -4354,8 +4803,8 @@
         </p:nvSpPr>
         <p:spPr>
           <a:xfrm>
-            <a:off x="1" y="3981052"/>
-            <a:ext cx="12191999" cy="2876948"/>
+            <a:off x="1" y="3920732"/>
+            <a:ext cx="12191999" cy="2945894"/>
           </a:xfrm>
           <a:prstGeom prst="rect">
             <a:avLst/>
@@ -4402,7 +4851,7 @@
           <p:cNvPr id="61" name="TextBox 60">
             <a:extLst>
               <a:ext uri="{FF2B5EF4-FFF2-40B4-BE49-F238E27FC236}">
-                <a16:creationId xmlns:a16="http://schemas.microsoft.com/office/drawing/2014/main" id="{2277FD72-74E0-E04C-B3CF-F8ED001986A6}"/>
+                <a16:creationId xmlns:a16="http://schemas.microsoft.com/office/drawing/2014/main" xmlns="" id="{2277FD72-74E0-E04C-B3CF-F8ED001986A6}"/>
               </a:ext>
             </a:extLst>
           </p:cNvPr>
@@ -4411,7 +4860,7 @@
         </p:nvSpPr>
         <p:spPr>
           <a:xfrm>
-            <a:off x="527183" y="2964666"/>
+            <a:off x="507692" y="2816571"/>
             <a:ext cx="4260512" cy="338554"/>
           </a:xfrm>
           <a:prstGeom prst="rect">
@@ -4440,7 +4889,7 @@
           <p:cNvPr id="64" name="TextBox 63">
             <a:extLst>
               <a:ext uri="{FF2B5EF4-FFF2-40B4-BE49-F238E27FC236}">
-                <a16:creationId xmlns:a16="http://schemas.microsoft.com/office/drawing/2014/main" id="{9C22028F-141F-3D4F-966B-EBA189ED9CB8}"/>
+                <a16:creationId xmlns:a16="http://schemas.microsoft.com/office/drawing/2014/main" xmlns="" id="{9C22028F-141F-3D4F-966B-EBA189ED9CB8}"/>
               </a:ext>
             </a:extLst>
           </p:cNvPr>
@@ -4449,7 +4898,7 @@
         </p:nvSpPr>
         <p:spPr>
           <a:xfrm>
-            <a:off x="527182" y="3321505"/>
+            <a:off x="527182" y="3148895"/>
             <a:ext cx="11117447" cy="430887"/>
           </a:xfrm>
           <a:prstGeom prst="rect">
@@ -4482,7 +4931,7 @@
           <p:cNvPr id="65" name="TextBox 64">
             <a:extLst>
               <a:ext uri="{FF2B5EF4-FFF2-40B4-BE49-F238E27FC236}">
-                <a16:creationId xmlns:a16="http://schemas.microsoft.com/office/drawing/2014/main" id="{3AC73133-2BB5-1444-899C-84A1DF3D398F}"/>
+                <a16:creationId xmlns:a16="http://schemas.microsoft.com/office/drawing/2014/main" xmlns="" id="{3AC73133-2BB5-1444-899C-84A1DF3D398F}"/>
               </a:ext>
             </a:extLst>
           </p:cNvPr>
@@ -4491,7 +4940,7 @@
         </p:nvSpPr>
         <p:spPr>
           <a:xfrm>
-            <a:off x="6783378" y="4281324"/>
+            <a:off x="7267383" y="4266787"/>
             <a:ext cx="4260512" cy="338554"/>
           </a:xfrm>
           <a:prstGeom prst="rect">
@@ -4520,7 +4969,7 @@
           <p:cNvPr id="8" name="Graphic 7">
             <a:extLst>
               <a:ext uri="{FF2B5EF4-FFF2-40B4-BE49-F238E27FC236}">
-                <a16:creationId xmlns:a16="http://schemas.microsoft.com/office/drawing/2014/main" id="{7748D2AA-B4F0-5C4F-88A3-BEDF523BB987}"/>
+                <a16:creationId xmlns:a16="http://schemas.microsoft.com/office/drawing/2014/main" xmlns="" id="{7748D2AA-B4F0-5C4F-88A3-BEDF523BB987}"/>
               </a:ext>
             </a:extLst>
           </p:cNvPr>
@@ -4530,10 +4979,10 @@
           <p:nvPr/>
         </p:nvPicPr>
         <p:blipFill>
-          <a:blip r:embed="rId10">
+          <a:blip r:embed="rId11">
             <a:extLst>
               <a:ext uri="{96DAC541-7B7A-43D3-8B79-37D633B846F1}">
-                <asvg:svgBlip xmlns:asvg="http://schemas.microsoft.com/office/drawing/2016/SVG/main" r:embed="rId11"/>
+                <asvg:svgBlip xmlns:asvg="http://schemas.microsoft.com/office/drawing/2016/SVG/main" xmlns="" r:embed="rId12"/>
               </a:ext>
             </a:extLst>
           </a:blip>
@@ -4543,7 +4992,7 @@
         </p:blipFill>
         <p:spPr>
           <a:xfrm>
-            <a:off x="6398701" y="4220664"/>
+            <a:off x="6876750" y="4190063"/>
             <a:ext cx="384677" cy="384677"/>
           </a:xfrm>
           <a:prstGeom prst="rect">
@@ -4556,7 +5005,7 @@
           <p:cNvPr id="9" name="Rectangle 8">
             <a:extLst>
               <a:ext uri="{FF2B5EF4-FFF2-40B4-BE49-F238E27FC236}">
-                <a16:creationId xmlns:a16="http://schemas.microsoft.com/office/drawing/2014/main" id="{201558BA-21AD-0942-84DA-E2F3CEF3AF8B}"/>
+                <a16:creationId xmlns:a16="http://schemas.microsoft.com/office/drawing/2014/main" xmlns="" id="{201558BA-21AD-0942-84DA-E2F3CEF3AF8B}"/>
               </a:ext>
             </a:extLst>
           </p:cNvPr>
@@ -4565,8 +5014,8 @@
         </p:nvSpPr>
         <p:spPr>
           <a:xfrm>
-            <a:off x="6784592" y="4709841"/>
-            <a:ext cx="5111661" cy="1324658"/>
+            <a:off x="7139354" y="4594403"/>
+            <a:ext cx="5111661" cy="1815882"/>
           </a:xfrm>
           <a:prstGeom prst="rect">
             <a:avLst/>
@@ -4606,7 +5055,21 @@
                 <a:ea typeface="+mn-lt"/>
                 <a:cs typeface="+mn-lt"/>
               </a:rPr>
-              <a:t>First prize on Marathon student projects of Russia and Austria.</a:t>
+              <a:t>First prize on Marathon student projects </a:t>
+            </a:r>
+            <a:r>
+              <a:rPr lang="en-US" sz="1400" dirty="0" smtClean="0">
+                <a:ea typeface="+mn-lt"/>
+                <a:cs typeface="+mn-lt"/>
+              </a:rPr>
+              <a:t>between </a:t>
+            </a:r>
+            <a:r>
+              <a:rPr lang="en-US" sz="1400" dirty="0">
+                <a:ea typeface="+mn-lt"/>
+                <a:cs typeface="+mn-lt"/>
+              </a:rPr>
+              <a:t>Russia and Austria.</a:t>
             </a:r>
           </a:p>
           <a:p>
@@ -4622,8 +5085,19 @@
                 <a:ea typeface="+mn-lt"/>
                 <a:cs typeface="+mn-lt"/>
               </a:rPr>
-              <a:t>1 scientific publication.</a:t>
-            </a:r>
+              <a:t>1 scientific </a:t>
+            </a:r>
+            <a:r>
+              <a:rPr lang="en-US" sz="1400" dirty="0" smtClean="0">
+                <a:ea typeface="+mn-lt"/>
+                <a:cs typeface="+mn-lt"/>
+              </a:rPr>
+              <a:t>publication (1 ready to publish).</a:t>
+            </a:r>
+            <a:endParaRPr lang="en-US" sz="1400" dirty="0">
+              <a:ea typeface="+mn-lt"/>
+              <a:cs typeface="+mn-lt"/>
+            </a:endParaRPr>
           </a:p>
         </p:txBody>
       </p:sp>
@@ -4632,7 +5106,7 @@
           <p:cNvPr id="11" name="Graphic 10">
             <a:extLst>
               <a:ext uri="{FF2B5EF4-FFF2-40B4-BE49-F238E27FC236}">
-                <a16:creationId xmlns:a16="http://schemas.microsoft.com/office/drawing/2014/main" id="{3A47F4DF-C4A9-444D-9AFD-9513A6EA08C0}"/>
+                <a16:creationId xmlns:a16="http://schemas.microsoft.com/office/drawing/2014/main" xmlns="" id="{3A47F4DF-C4A9-444D-9AFD-9513A6EA08C0}"/>
               </a:ext>
             </a:extLst>
           </p:cNvPr>
@@ -4642,10 +5116,10 @@
           <p:nvPr/>
         </p:nvPicPr>
         <p:blipFill>
-          <a:blip r:embed="rId12">
+          <a:blip r:embed="rId13">
             <a:extLst>
               <a:ext uri="{96DAC541-7B7A-43D3-8B79-37D633B846F1}">
-                <asvg:svgBlip xmlns:asvg="http://schemas.microsoft.com/office/drawing/2016/SVG/main" r:embed="rId13"/>
+                <asvg:svgBlip xmlns:asvg="http://schemas.microsoft.com/office/drawing/2016/SVG/main" xmlns="" r:embed="rId14"/>
               </a:ext>
             </a:extLst>
           </a:blip>
@@ -4655,7 +5129,7 @@
         </p:blipFill>
         <p:spPr>
           <a:xfrm flipH="1">
-            <a:off x="507692" y="4286456"/>
+            <a:off x="278714" y="3949618"/>
             <a:ext cx="419469" cy="419469"/>
           </a:xfrm>
           <a:prstGeom prst="rect">
@@ -4668,7 +5142,7 @@
           <p:cNvPr id="41" name="TextBox 40">
             <a:extLst>
               <a:ext uri="{FF2B5EF4-FFF2-40B4-BE49-F238E27FC236}">
-                <a16:creationId xmlns:a16="http://schemas.microsoft.com/office/drawing/2014/main" id="{2BAFD545-E50F-AB4B-A06F-5057B3B71A87}"/>
+                <a16:creationId xmlns:a16="http://schemas.microsoft.com/office/drawing/2014/main" xmlns="" id="{2BAFD545-E50F-AB4B-A06F-5057B3B71A87}"/>
               </a:ext>
             </a:extLst>
           </p:cNvPr>
@@ -4677,8 +5151,8 @@
         </p:nvSpPr>
         <p:spPr>
           <a:xfrm>
-            <a:off x="1090246" y="4281324"/>
-            <a:ext cx="4166638" cy="338554"/>
+            <a:off x="754859" y="3953933"/>
+            <a:ext cx="4502025" cy="338554"/>
           </a:xfrm>
           <a:prstGeom prst="rect">
             <a:avLst/>
@@ -4706,7 +5180,7 @@
           <p:cNvPr id="43" name="TextBox 42">
             <a:extLst>
               <a:ext uri="{FF2B5EF4-FFF2-40B4-BE49-F238E27FC236}">
-                <a16:creationId xmlns:a16="http://schemas.microsoft.com/office/drawing/2014/main" id="{0DF4977B-4120-F84A-BB7A-1828B954D6C6}"/>
+                <a16:creationId xmlns:a16="http://schemas.microsoft.com/office/drawing/2014/main" xmlns="" id="{0DF4977B-4120-F84A-BB7A-1828B954D6C6}"/>
               </a:ext>
             </a:extLst>
           </p:cNvPr>
@@ -4715,8 +5189,8 @@
         </p:nvSpPr>
         <p:spPr>
           <a:xfrm>
-            <a:off x="999983" y="4666535"/>
-            <a:ext cx="4983567" cy="261610"/>
+            <a:off x="754858" y="4804877"/>
+            <a:ext cx="5643843" cy="430887"/>
           </a:xfrm>
           <a:prstGeom prst="rect">
             <a:avLst/>
@@ -4738,7 +5212,14 @@
                 <a:latin typeface="Montserrat Light"/>
                 <a:cs typeface="Calibri"/>
               </a:rPr>
-              <a:t>AI Engineer at Pattern recognition laboratory Polytechnic University, Russia</a:t>
+              <a:t>AI Engineer at Pattern recognition laboratory Polytechnic University, </a:t>
+            </a:r>
+            <a:r>
+              <a:rPr lang="en-US" sz="1100" b="1" dirty="0" smtClean="0">
+                <a:latin typeface="Montserrat Light"/>
+                <a:cs typeface="Calibri"/>
+              </a:rPr>
+              <a:t>Russia | 16 months</a:t>
             </a:r>
             <a:endParaRPr lang="en-US" sz="1100" dirty="0">
               <a:latin typeface="Montserrat" pitchFamily="2" charset="77"/>
@@ -4752,7 +5233,7 @@
           <p:cNvPr id="44" name="TextBox 43">
             <a:extLst>
               <a:ext uri="{FF2B5EF4-FFF2-40B4-BE49-F238E27FC236}">
-                <a16:creationId xmlns:a16="http://schemas.microsoft.com/office/drawing/2014/main" id="{5489937D-B3B5-F64D-A4D9-4503D420DC1A}"/>
+                <a16:creationId xmlns:a16="http://schemas.microsoft.com/office/drawing/2014/main" xmlns="" id="{5489937D-B3B5-F64D-A4D9-4503D420DC1A}"/>
               </a:ext>
             </a:extLst>
           </p:cNvPr>
@@ -4761,8 +5242,8 @@
         </p:nvSpPr>
         <p:spPr>
           <a:xfrm>
-            <a:off x="1164873" y="4891626"/>
-            <a:ext cx="5323971" cy="430887"/>
+            <a:off x="922800" y="5167313"/>
+            <a:ext cx="5323971" cy="261610"/>
           </a:xfrm>
           <a:prstGeom prst="rect">
             <a:avLst/>
@@ -4786,9 +5267,107 @@
                 <a:latin typeface="Montserrat Light"/>
                 <a:cs typeface="Calibri"/>
               </a:rPr>
-              <a:t>Project: Self-driving car using machine learning approaches. </a:t>
-            </a:r>
-          </a:p>
+              <a:t>Project: Self-driving car using machine learning approaches</a:t>
+            </a:r>
+            <a:r>
+              <a:rPr lang="en-US" sz="1100" dirty="0" smtClean="0">
+                <a:solidFill>
+                  <a:schemeClr val="tx1">
+                    <a:lumMod val="65000"/>
+                    <a:lumOff val="35000"/>
+                  </a:schemeClr>
+                </a:solidFill>
+                <a:latin typeface="Montserrat Light"/>
+                <a:cs typeface="Calibri"/>
+              </a:rPr>
+              <a:t>.</a:t>
+            </a:r>
+            <a:endParaRPr lang="en-US" sz="1100" dirty="0">
+              <a:solidFill>
+                <a:schemeClr val="tx1">
+                  <a:lumMod val="65000"/>
+                  <a:lumOff val="35000"/>
+                </a:schemeClr>
+              </a:solidFill>
+              <a:latin typeface="Montserrat Light"/>
+              <a:cs typeface="Calibri"/>
+            </a:endParaRPr>
+          </a:p>
+        </p:txBody>
+      </p:sp>
+      <p:sp>
+        <p:nvSpPr>
+          <p:cNvPr id="45" name="TextBox 44">
+            <a:extLst>
+              <a:ext uri="{FF2B5EF4-FFF2-40B4-BE49-F238E27FC236}">
+                <a16:creationId xmlns:a16="http://schemas.microsoft.com/office/drawing/2014/main" xmlns="" id="{7CBF1EDF-8C8D-6846-8C5A-178B60B8EE2C}"/>
+              </a:ext>
+            </a:extLst>
+          </p:cNvPr>
+          <p:cNvSpPr txBox="1"/>
+          <p:nvPr/>
+        </p:nvSpPr>
+        <p:spPr>
+          <a:xfrm>
+            <a:off x="754859" y="5940692"/>
+            <a:ext cx="5579605" cy="261610"/>
+          </a:xfrm>
+          <a:prstGeom prst="rect">
+            <a:avLst/>
+          </a:prstGeom>
+          <a:noFill/>
+        </p:spPr>
+        <p:txBody>
+          <a:bodyPr wrap="square" rtlCol="0">
+            <a:spAutoFit/>
+          </a:bodyPr>
+          <a:lstStyle/>
+          <a:p>
+            <a:pPr marL="171450" indent="-171450">
+              <a:buFont typeface="Wingdings" pitchFamily="2" charset="2"/>
+              <a:buChar char="v"/>
+            </a:pPr>
+            <a:r>
+              <a:rPr lang="en-US" sz="1100" b="1" dirty="0">
+                <a:latin typeface="Montserrat Light"/>
+                <a:cs typeface="Calibri"/>
+              </a:rPr>
+              <a:t>Peter the Great St. Petersburg Polytechnic University</a:t>
+            </a:r>
+            <a:endParaRPr lang="en-US" sz="1100" dirty="0">
+              <a:latin typeface="Montserrat" pitchFamily="2" charset="77"/>
+              <a:cs typeface="Calibri" panose="020F0502020204030204" pitchFamily="34" charset="0"/>
+            </a:endParaRPr>
+          </a:p>
+        </p:txBody>
+      </p:sp>
+      <p:sp>
+        <p:nvSpPr>
+          <p:cNvPr id="46" name="TextBox 45">
+            <a:extLst>
+              <a:ext uri="{FF2B5EF4-FFF2-40B4-BE49-F238E27FC236}">
+                <a16:creationId xmlns:a16="http://schemas.microsoft.com/office/drawing/2014/main" xmlns="" id="{96924EE5-CDBF-584F-BE37-9B2AAA108B23}"/>
+              </a:ext>
+            </a:extLst>
+          </p:cNvPr>
+          <p:cNvSpPr txBox="1"/>
+          <p:nvPr/>
+        </p:nvSpPr>
+        <p:spPr>
+          <a:xfrm>
+            <a:off x="922800" y="6084873"/>
+            <a:ext cx="5173200" cy="261610"/>
+          </a:xfrm>
+          <a:prstGeom prst="rect">
+            <a:avLst/>
+          </a:prstGeom>
+          <a:noFill/>
+        </p:spPr>
+        <p:txBody>
+          <a:bodyPr wrap="square" rtlCol="0" anchor="t">
+            <a:spAutoFit/>
+          </a:bodyPr>
+          <a:lstStyle/>
           <a:p>
             <a:r>
               <a:rPr lang="en-US" sz="1100" dirty="0">
@@ -4801,85 +5380,21 @@
                 <a:latin typeface="Montserrat Light"/>
                 <a:cs typeface="Calibri"/>
               </a:rPr>
-              <a:t>Experience: OCR (Japanese, Latin), Document Retrieval, OMR, etc.</a:t>
-            </a:r>
-          </a:p>
-        </p:txBody>
-      </p:sp>
-      <p:sp>
-        <p:nvSpPr>
-          <p:cNvPr id="45" name="TextBox 44">
-            <a:extLst>
-              <a:ext uri="{FF2B5EF4-FFF2-40B4-BE49-F238E27FC236}">
-                <a16:creationId xmlns:a16="http://schemas.microsoft.com/office/drawing/2014/main" id="{7CBF1EDF-8C8D-6846-8C5A-178B60B8EE2C}"/>
-              </a:ext>
-            </a:extLst>
-          </p:cNvPr>
-          <p:cNvSpPr txBox="1"/>
-          <p:nvPr/>
-        </p:nvSpPr>
-        <p:spPr>
-          <a:xfrm>
-            <a:off x="996372" y="5323834"/>
-            <a:ext cx="5338091" cy="261610"/>
-          </a:xfrm>
-          <a:prstGeom prst="rect">
-            <a:avLst/>
-          </a:prstGeom>
-          <a:noFill/>
-        </p:spPr>
-        <p:txBody>
-          <a:bodyPr wrap="square" rtlCol="0">
-            <a:spAutoFit/>
-          </a:bodyPr>
-          <a:lstStyle/>
-          <a:p>
-            <a:pPr marL="171450" indent="-171450">
-              <a:buFont typeface="Wingdings" pitchFamily="2" charset="2"/>
-              <a:buChar char="v"/>
-            </a:pPr>
-            <a:r>
-              <a:rPr lang="en-US" sz="1100" b="1" dirty="0">
+              <a:t>Master of Computer Science, First Class </a:t>
+            </a:r>
+            <a:r>
+              <a:rPr lang="en-US" sz="1100" dirty="0" err="1">
+                <a:solidFill>
+                  <a:schemeClr val="tx1">
+                    <a:lumMod val="65000"/>
+                    <a:lumOff val="35000"/>
+                  </a:schemeClr>
+                </a:solidFill>
                 <a:latin typeface="Montserrat Light"/>
                 <a:cs typeface="Calibri"/>
               </a:rPr>
-              <a:t>Data Science intern at G-Group | 10 months</a:t>
-            </a:r>
-            <a:endParaRPr lang="en-US" sz="1100" dirty="0">
-              <a:latin typeface="Montserrat" pitchFamily="2" charset="77"/>
-              <a:cs typeface="Calibri" panose="020F0502020204030204" pitchFamily="34" charset="0"/>
-            </a:endParaRPr>
-          </a:p>
-        </p:txBody>
-      </p:sp>
-      <p:sp>
-        <p:nvSpPr>
-          <p:cNvPr id="46" name="TextBox 45">
-            <a:extLst>
-              <a:ext uri="{FF2B5EF4-FFF2-40B4-BE49-F238E27FC236}">
-                <a16:creationId xmlns:a16="http://schemas.microsoft.com/office/drawing/2014/main" id="{96924EE5-CDBF-584F-BE37-9B2AAA108B23}"/>
-              </a:ext>
-            </a:extLst>
-          </p:cNvPr>
-          <p:cNvSpPr txBox="1"/>
-          <p:nvPr/>
-        </p:nvSpPr>
-        <p:spPr>
-          <a:xfrm>
-            <a:off x="1161263" y="5544791"/>
-            <a:ext cx="5173200" cy="261610"/>
-          </a:xfrm>
-          <a:prstGeom prst="rect">
-            <a:avLst/>
-          </a:prstGeom>
-          <a:noFill/>
-        </p:spPr>
-        <p:txBody>
-          <a:bodyPr wrap="square" rtlCol="0" anchor="t">
-            <a:spAutoFit/>
-          </a:bodyPr>
-          <a:lstStyle/>
-          <a:p>
+              <a:t>Honours</a:t>
+            </a:r>
             <a:r>
               <a:rPr lang="en-US" sz="1100" dirty="0">
                 <a:solidFill>
@@ -4891,8 +5406,18 @@
                 <a:latin typeface="Montserrat Light"/>
                 <a:cs typeface="Calibri"/>
               </a:rPr>
-              <a:t>Experience: Credit Scoring, OCR for Vietnamese ID card</a:t>
-            </a:r>
+              <a:t> (GPA 4.9/5)</a:t>
+            </a:r>
+            <a:endParaRPr lang="en-US" sz="1100" dirty="0">
+              <a:solidFill>
+                <a:schemeClr val="tx1">
+                  <a:lumMod val="65000"/>
+                  <a:lumOff val="35000"/>
+                </a:schemeClr>
+              </a:solidFill>
+              <a:latin typeface="Montserrat Light"/>
+              <a:cs typeface="Calibri"/>
+            </a:endParaRPr>
           </a:p>
         </p:txBody>
       </p:sp>
@@ -4905,7 +5430,7 @@
           <p:nvPr/>
         </p:nvPicPr>
         <p:blipFill>
-          <a:blip r:embed="rId14">
+          <a:blip r:embed="rId15">
             <a:extLst>
               <a:ext uri="{28A0092B-C50C-407E-A947-70E740481C1C}">
                 <a14:useLocalDpi xmlns:a14="http://schemas.microsoft.com/office/drawing/2010/main" val="0"/>
@@ -4931,7 +5456,7 @@
           <p:cNvPr id="33" name="TextBox 32">
             <a:extLst>
               <a:ext uri="{FF2B5EF4-FFF2-40B4-BE49-F238E27FC236}">
-                <a16:creationId xmlns:a16="http://schemas.microsoft.com/office/drawing/2014/main" id="{7CBF1EDF-8C8D-6846-8C5A-178B60B8EE2C}"/>
+                <a16:creationId xmlns:a16="http://schemas.microsoft.com/office/drawing/2014/main" xmlns="" id="{7CBF1EDF-8C8D-6846-8C5A-178B60B8EE2C}"/>
               </a:ext>
             </a:extLst>
           </p:cNvPr>
@@ -4940,8 +5465,8 @@
         </p:nvSpPr>
         <p:spPr>
           <a:xfrm>
-            <a:off x="999983" y="5874338"/>
-            <a:ext cx="6810319" cy="261610"/>
+            <a:off x="754859" y="6307390"/>
+            <a:ext cx="7055444" cy="261610"/>
           </a:xfrm>
           <a:prstGeom prst="rect">
             <a:avLst/>
@@ -4963,7 +5488,14 @@
                 <a:latin typeface="Montserrat Light"/>
                 <a:cs typeface="Calibri"/>
               </a:rPr>
-              <a:t>B.Sc. in Electronic and Telecommunication</a:t>
+              <a:t>B.Sc. in </a:t>
+            </a:r>
+            <a:r>
+              <a:rPr lang="en-US" sz="1100" b="1" dirty="0" smtClean="0">
+                <a:latin typeface="Montserrat Light"/>
+                <a:cs typeface="Calibri"/>
+              </a:rPr>
+              <a:t>Computer Science</a:t>
             </a:r>
             <a:endParaRPr lang="en-US" sz="1100" dirty="0">
               <a:latin typeface="Montserrat" pitchFamily="2" charset="77"/>
@@ -4977,7 +5509,7 @@
           <p:cNvPr id="35" name="TextBox 34">
             <a:extLst>
               <a:ext uri="{FF2B5EF4-FFF2-40B4-BE49-F238E27FC236}">
-                <a16:creationId xmlns:a16="http://schemas.microsoft.com/office/drawing/2014/main" id="{96924EE5-CDBF-584F-BE37-9B2AAA108B23}"/>
+                <a16:creationId xmlns:a16="http://schemas.microsoft.com/office/drawing/2014/main" xmlns="" id="{96924EE5-CDBF-584F-BE37-9B2AAA108B23}"/>
               </a:ext>
             </a:extLst>
           </p:cNvPr>
@@ -4986,7 +5518,7 @@
         </p:nvSpPr>
         <p:spPr>
           <a:xfrm>
-            <a:off x="1164873" y="6143516"/>
+            <a:off x="907257" y="6491559"/>
             <a:ext cx="5173200" cy="430887"/>
           </a:xfrm>
           <a:prstGeom prst="rect">
@@ -5000,6 +5532,19 @@
           </a:bodyPr>
           <a:lstStyle/>
           <a:p>
+            <a:r>
+              <a:rPr lang="en-US" sz="1100" dirty="0" err="1">
+                <a:solidFill>
+                  <a:schemeClr val="tx1">
+                    <a:lumMod val="65000"/>
+                    <a:lumOff val="35000"/>
+                  </a:schemeClr>
+                </a:solidFill>
+                <a:latin typeface="Montserrat Light"/>
+                <a:cs typeface="Calibri"/>
+              </a:rPr>
+              <a:t>Danang</a:t>
+            </a:r>
             <a:r>
               <a:rPr lang="en-US" sz="1100" dirty="0">
                 <a:solidFill>
@@ -5011,7 +5556,20 @@
                 <a:latin typeface="Montserrat Light"/>
                 <a:cs typeface="Calibri"/>
               </a:rPr>
-              <a:t>Hanoi University of Science and Technology  |  Talent Program</a:t>
+              <a:t> University Of Science and </a:t>
+            </a:r>
+            <a:r>
+              <a:rPr lang="en-US" sz="1100" dirty="0" smtClean="0">
+                <a:solidFill>
+                  <a:schemeClr val="tx1">
+                    <a:lumMod val="65000"/>
+                    <a:lumOff val="35000"/>
+                  </a:schemeClr>
+                </a:solidFill>
+                <a:latin typeface="Montserrat Light"/>
+                <a:cs typeface="Calibri"/>
+              </a:rPr>
+              <a:t>Technology</a:t>
             </a:r>
           </a:p>
           <a:p>
@@ -5026,8 +5584,317 @@
                 <a:latin typeface="Montserrat Light"/>
                 <a:cs typeface="Calibri"/>
               </a:rPr>
-              <a:t>GPA: 8.6/10</a:t>
-            </a:r>
+              <a:t>Top highest score on Bachelor thesis (9,4/10)</a:t>
+            </a:r>
+            <a:endParaRPr lang="en-US" sz="1100" dirty="0">
+              <a:solidFill>
+                <a:schemeClr val="tx1">
+                  <a:lumMod val="65000"/>
+                  <a:lumOff val="35000"/>
+                </a:schemeClr>
+              </a:solidFill>
+              <a:latin typeface="Montserrat Light"/>
+              <a:cs typeface="Calibri"/>
+            </a:endParaRPr>
+          </a:p>
+        </p:txBody>
+      </p:sp>
+      <p:pic>
+        <p:nvPicPr>
+          <p:cNvPr id="2" name="Picture 1"/>
+          <p:cNvPicPr>
+            <a:picLocks noChangeAspect="1"/>
+          </p:cNvPicPr>
+          <p:nvPr/>
+        </p:nvPicPr>
+        <p:blipFill>
+          <a:blip r:embed="rId16">
+            <a:extLst>
+              <a:ext uri="{28A0092B-C50C-407E-A947-70E740481C1C}">
+                <a14:useLocalDpi xmlns:a14="http://schemas.microsoft.com/office/drawing/2010/main" val="0"/>
+              </a:ext>
+            </a:extLst>
+          </a:blip>
+          <a:stretch>
+            <a:fillRect/>
+          </a:stretch>
+        </p:blipFill>
+        <p:spPr>
+          <a:xfrm>
+            <a:off x="488449" y="305565"/>
+            <a:ext cx="1295400" cy="1908048"/>
+          </a:xfrm>
+          <a:prstGeom prst="rect">
+            <a:avLst/>
+          </a:prstGeom>
+        </p:spPr>
+      </p:pic>
+      <p:sp>
+        <p:nvSpPr>
+          <p:cNvPr id="31" name="TextBox 30">
+            <a:extLst>
+              <a:ext uri="{FF2B5EF4-FFF2-40B4-BE49-F238E27FC236}">
+                <a16:creationId xmlns:a16="http://schemas.microsoft.com/office/drawing/2014/main" xmlns="" id="{0DF4977B-4120-F84A-BB7A-1828B954D6C6}"/>
+              </a:ext>
+            </a:extLst>
+          </p:cNvPr>
+          <p:cNvSpPr txBox="1"/>
+          <p:nvPr/>
+        </p:nvSpPr>
+        <p:spPr>
+          <a:xfrm>
+            <a:off x="778780" y="4239697"/>
+            <a:ext cx="5643843" cy="261610"/>
+          </a:xfrm>
+          <a:prstGeom prst="rect">
+            <a:avLst/>
+          </a:prstGeom>
+          <a:noFill/>
+        </p:spPr>
+        <p:txBody>
+          <a:bodyPr wrap="square" rtlCol="0" anchor="t">
+            <a:spAutoFit/>
+          </a:bodyPr>
+          <a:lstStyle/>
+          <a:p>
+            <a:pPr marL="171450" indent="-171450">
+              <a:buFont typeface="Wingdings" pitchFamily="2" charset="2"/>
+              <a:buChar char="v"/>
+            </a:pPr>
+            <a:r>
+              <a:rPr lang="en-US" sz="1100" b="1" dirty="0" err="1">
+                <a:latin typeface="Montserrat Light"/>
+                <a:cs typeface="Calibri"/>
+              </a:rPr>
+              <a:t>Viettel</a:t>
+            </a:r>
+            <a:r>
+              <a:rPr lang="en-US" sz="1100" b="1" dirty="0">
+                <a:latin typeface="Montserrat Light"/>
+                <a:cs typeface="Calibri"/>
+              </a:rPr>
+              <a:t> Cyberspace Center, </a:t>
+            </a:r>
+            <a:r>
+              <a:rPr lang="en-US" sz="1100" b="1" dirty="0" smtClean="0">
+                <a:latin typeface="Montserrat Light"/>
+                <a:cs typeface="Calibri"/>
+              </a:rPr>
+              <a:t>Vietnam | 4 months</a:t>
+            </a:r>
+            <a:endParaRPr lang="en-US" sz="1100" dirty="0">
+              <a:latin typeface="Montserrat" pitchFamily="2" charset="77"/>
+              <a:cs typeface="Calibri" panose="020F0502020204030204" pitchFamily="34" charset="0"/>
+            </a:endParaRPr>
+          </a:p>
+        </p:txBody>
+      </p:sp>
+      <p:sp>
+        <p:nvSpPr>
+          <p:cNvPr id="37" name="TextBox 36">
+            <a:extLst>
+              <a:ext uri="{FF2B5EF4-FFF2-40B4-BE49-F238E27FC236}">
+                <a16:creationId xmlns:a16="http://schemas.microsoft.com/office/drawing/2014/main" xmlns="" id="{96924EE5-CDBF-584F-BE37-9B2AAA108B23}"/>
+              </a:ext>
+            </a:extLst>
+          </p:cNvPr>
+          <p:cNvSpPr txBox="1"/>
+          <p:nvPr/>
+        </p:nvSpPr>
+        <p:spPr>
+          <a:xfrm>
+            <a:off x="929595" y="4471790"/>
+            <a:ext cx="5969430" cy="430887"/>
+          </a:xfrm>
+          <a:prstGeom prst="rect">
+            <a:avLst/>
+          </a:prstGeom>
+          <a:noFill/>
+        </p:spPr>
+        <p:txBody>
+          <a:bodyPr wrap="square" rtlCol="0" anchor="t">
+            <a:spAutoFit/>
+          </a:bodyPr>
+          <a:lstStyle/>
+          <a:p>
+            <a:r>
+              <a:rPr lang="en-US" sz="1100" dirty="0" smtClean="0">
+                <a:solidFill>
+                  <a:schemeClr val="tx1">
+                    <a:lumMod val="65000"/>
+                    <a:lumOff val="35000"/>
+                  </a:schemeClr>
+                </a:solidFill>
+                <a:latin typeface="Montserrat Light"/>
+                <a:cs typeface="Calibri"/>
+              </a:rPr>
+              <a:t>Project: Study </a:t>
+            </a:r>
+            <a:r>
+              <a:rPr lang="en-US" sz="1100" dirty="0">
+                <a:solidFill>
+                  <a:schemeClr val="tx1">
+                    <a:lumMod val="65000"/>
+                    <a:lumOff val="35000"/>
+                  </a:schemeClr>
+                </a:solidFill>
+                <a:latin typeface="Montserrat Light"/>
+                <a:cs typeface="Calibri"/>
+              </a:rPr>
+              <a:t>of Synthetic Aperture Radar (SAR) and Automatic Identification System (AIS)</a:t>
+            </a:r>
+          </a:p>
+          <a:p>
+            <a:r>
+              <a:rPr lang="en-US" sz="1100" dirty="0">
+                <a:solidFill>
+                  <a:schemeClr val="tx1">
+                    <a:lumMod val="65000"/>
+                    <a:lumOff val="35000"/>
+                  </a:schemeClr>
+                </a:solidFill>
+                <a:latin typeface="Montserrat Light"/>
+                <a:cs typeface="Calibri"/>
+              </a:rPr>
+              <a:t>for Ship Target Detection and Classification using Deep Learning</a:t>
+            </a:r>
+            <a:endParaRPr lang="en-US" sz="1100" dirty="0">
+              <a:solidFill>
+                <a:schemeClr val="tx1">
+                  <a:lumMod val="65000"/>
+                  <a:lumOff val="35000"/>
+                </a:schemeClr>
+              </a:solidFill>
+              <a:latin typeface="Montserrat Light"/>
+              <a:cs typeface="Calibri"/>
+            </a:endParaRPr>
+          </a:p>
+        </p:txBody>
+      </p:sp>
+      <p:sp>
+        <p:nvSpPr>
+          <p:cNvPr id="38" name="TextBox 37">
+            <a:extLst>
+              <a:ext uri="{FF2B5EF4-FFF2-40B4-BE49-F238E27FC236}">
+                <a16:creationId xmlns:a16="http://schemas.microsoft.com/office/drawing/2014/main" xmlns="" id="{0DF4977B-4120-F84A-BB7A-1828B954D6C6}"/>
+              </a:ext>
+            </a:extLst>
+          </p:cNvPr>
+          <p:cNvSpPr txBox="1"/>
+          <p:nvPr/>
+        </p:nvSpPr>
+        <p:spPr>
+          <a:xfrm>
+            <a:off x="754857" y="5403206"/>
+            <a:ext cx="5643843" cy="261610"/>
+          </a:xfrm>
+          <a:prstGeom prst="rect">
+            <a:avLst/>
+          </a:prstGeom>
+          <a:noFill/>
+        </p:spPr>
+        <p:txBody>
+          <a:bodyPr wrap="square" rtlCol="0" anchor="t">
+            <a:spAutoFit/>
+          </a:bodyPr>
+          <a:lstStyle/>
+          <a:p>
+            <a:pPr marL="171450" indent="-171450">
+              <a:buFont typeface="Wingdings" pitchFamily="2" charset="2"/>
+              <a:buChar char="v"/>
+            </a:pPr>
+            <a:r>
+              <a:rPr lang="en-US" sz="1100" b="1" dirty="0">
+                <a:latin typeface="Montserrat Light"/>
+                <a:cs typeface="Calibri"/>
+              </a:rPr>
+              <a:t>Graz University of </a:t>
+            </a:r>
+            <a:r>
+              <a:rPr lang="en-US" sz="1100" b="1" dirty="0" smtClean="0">
+                <a:latin typeface="Montserrat Light"/>
+                <a:cs typeface="Calibri"/>
+              </a:rPr>
+              <a:t>Technology Computer vision laboratory| </a:t>
+            </a:r>
+            <a:r>
+              <a:rPr lang="en-US" sz="1100" b="1" dirty="0">
+                <a:latin typeface="Montserrat Light"/>
+                <a:cs typeface="Calibri"/>
+              </a:rPr>
+              <a:t>3</a:t>
+            </a:r>
+            <a:r>
+              <a:rPr lang="en-US" sz="1100" b="1" dirty="0" smtClean="0">
+                <a:latin typeface="Montserrat Light"/>
+                <a:cs typeface="Calibri"/>
+              </a:rPr>
+              <a:t> months</a:t>
+            </a:r>
+            <a:endParaRPr lang="en-US" sz="1100" dirty="0">
+              <a:latin typeface="Montserrat" pitchFamily="2" charset="77"/>
+              <a:cs typeface="Calibri" panose="020F0502020204030204" pitchFamily="34" charset="0"/>
+            </a:endParaRPr>
+          </a:p>
+        </p:txBody>
+      </p:sp>
+      <p:sp>
+        <p:nvSpPr>
+          <p:cNvPr id="39" name="TextBox 38">
+            <a:extLst>
+              <a:ext uri="{FF2B5EF4-FFF2-40B4-BE49-F238E27FC236}">
+                <a16:creationId xmlns:a16="http://schemas.microsoft.com/office/drawing/2014/main" xmlns="" id="{0DF4977B-4120-F84A-BB7A-1828B954D6C6}"/>
+              </a:ext>
+            </a:extLst>
+          </p:cNvPr>
+          <p:cNvSpPr txBox="1"/>
+          <p:nvPr/>
+        </p:nvSpPr>
+        <p:spPr>
+          <a:xfrm>
+            <a:off x="762863" y="5669223"/>
+            <a:ext cx="5643843" cy="261610"/>
+          </a:xfrm>
+          <a:prstGeom prst="rect">
+            <a:avLst/>
+          </a:prstGeom>
+          <a:noFill/>
+        </p:spPr>
+        <p:txBody>
+          <a:bodyPr wrap="square" rtlCol="0" anchor="t">
+            <a:spAutoFit/>
+          </a:bodyPr>
+          <a:lstStyle/>
+          <a:p>
+            <a:pPr marL="171450" indent="-171450">
+              <a:buFont typeface="Wingdings" pitchFamily="2" charset="2"/>
+              <a:buChar char="v"/>
+            </a:pPr>
+            <a:r>
+              <a:rPr lang="en-US" sz="1100" b="1" dirty="0" smtClean="0">
+                <a:latin typeface="Montserrat Light"/>
+                <a:cs typeface="Calibri"/>
+              </a:rPr>
+              <a:t>3S </a:t>
+            </a:r>
+            <a:r>
+              <a:rPr lang="en-US" sz="1100" b="1" dirty="0" err="1" smtClean="0">
+                <a:latin typeface="Montserrat Light"/>
+                <a:cs typeface="Calibri"/>
+              </a:rPr>
+              <a:t>Intersoft</a:t>
+            </a:r>
+            <a:r>
+              <a:rPr lang="en-US" sz="1100" b="1" dirty="0" smtClean="0">
+                <a:latin typeface="Montserrat Light"/>
+                <a:cs typeface="Calibri"/>
+              </a:rPr>
+              <a:t> JSC, Backend-developer| 9 months</a:t>
+            </a:r>
+            <a:endParaRPr lang="en-US" sz="1100" dirty="0">
+              <a:latin typeface="Montserrat" pitchFamily="2" charset="77"/>
+              <a:cs typeface="Calibri" panose="020F0502020204030204" pitchFamily="34" charset="0"/>
+            </a:endParaRPr>
           </a:p>
         </p:txBody>
       </p:sp>
@@ -5066,7 +5933,7 @@
           <p:cNvPr id="61" name="TextBox 60">
             <a:extLst>
               <a:ext uri="{FF2B5EF4-FFF2-40B4-BE49-F238E27FC236}">
-                <a16:creationId xmlns:a16="http://schemas.microsoft.com/office/drawing/2014/main" id="{2277FD72-74E0-E04C-B3CF-F8ED001986A6}"/>
+                <a16:creationId xmlns:a16="http://schemas.microsoft.com/office/drawing/2014/main" xmlns="" id="{2277FD72-74E0-E04C-B3CF-F8ED001986A6}"/>
               </a:ext>
             </a:extLst>
           </p:cNvPr>
@@ -5104,7 +5971,7 @@
           <p:cNvPr id="64" name="TextBox 63">
             <a:extLst>
               <a:ext uri="{FF2B5EF4-FFF2-40B4-BE49-F238E27FC236}">
-                <a16:creationId xmlns:a16="http://schemas.microsoft.com/office/drawing/2014/main" id="{9C22028F-141F-3D4F-966B-EBA189ED9CB8}"/>
+                <a16:creationId xmlns:a16="http://schemas.microsoft.com/office/drawing/2014/main" xmlns="" id="{9C22028F-141F-3D4F-966B-EBA189ED9CB8}"/>
               </a:ext>
             </a:extLst>
           </p:cNvPr>
@@ -5155,11 +6022,11 @@
               <a:buChar char="v"/>
             </a:pPr>
             <a:r>
-              <a:rPr lang="en-US" sz="1100" dirty="0">
+              <a:rPr lang="en-US" sz="1100" dirty="0" smtClean="0">
                 <a:latin typeface="Montserrat Light"/>
                 <a:cs typeface="Calibri"/>
               </a:rPr>
-              <a:t>Computer Vision</a:t>
+              <a:t>Machine learning</a:t>
             </a:r>
             <a:endParaRPr lang="en-US" sz="1100" dirty="0">
               <a:latin typeface="Montserrat Light" pitchFamily="2" charset="77"/>
@@ -5213,7 +6080,7 @@
           <p:cNvPr id="65" name="TextBox 64">
             <a:extLst>
               <a:ext uri="{FF2B5EF4-FFF2-40B4-BE49-F238E27FC236}">
-                <a16:creationId xmlns:a16="http://schemas.microsoft.com/office/drawing/2014/main" id="{3AC73133-2BB5-1444-899C-84A1DF3D398F}"/>
+                <a16:creationId xmlns:a16="http://schemas.microsoft.com/office/drawing/2014/main" xmlns="" id="{3AC73133-2BB5-1444-899C-84A1DF3D398F}"/>
               </a:ext>
             </a:extLst>
           </p:cNvPr>
@@ -5251,7 +6118,7 @@
           <p:cNvPr id="31" name="TextBox 30">
             <a:extLst>
               <a:ext uri="{FF2B5EF4-FFF2-40B4-BE49-F238E27FC236}">
-                <a16:creationId xmlns:a16="http://schemas.microsoft.com/office/drawing/2014/main" id="{B1203711-2FBD-F343-BF1D-BA378C98419C}"/>
+                <a16:creationId xmlns:a16="http://schemas.microsoft.com/office/drawing/2014/main" xmlns="" id="{B1203711-2FBD-F343-BF1D-BA378C98419C}"/>
               </a:ext>
             </a:extLst>
           </p:cNvPr>
@@ -5289,7 +6156,7 @@
           <p:cNvPr id="2" name="Picture 1">
             <a:extLst>
               <a:ext uri="{FF2B5EF4-FFF2-40B4-BE49-F238E27FC236}">
-                <a16:creationId xmlns:a16="http://schemas.microsoft.com/office/drawing/2014/main" id="{D4B96301-346B-5B42-9AB8-9CFB4FA5484A}"/>
+                <a16:creationId xmlns:a16="http://schemas.microsoft.com/office/drawing/2014/main" xmlns="" id="{D4B96301-346B-5B42-9AB8-9CFB4FA5484A}"/>
               </a:ext>
             </a:extLst>
           </p:cNvPr>
@@ -5321,7 +6188,7 @@
           <p:cNvPr id="33" name="TextBox 32">
             <a:extLst>
               <a:ext uri="{FF2B5EF4-FFF2-40B4-BE49-F238E27FC236}">
-                <a16:creationId xmlns:a16="http://schemas.microsoft.com/office/drawing/2014/main" id="{8FA39A8D-4F25-B34C-A663-443B881A8D30}"/>
+                <a16:creationId xmlns:a16="http://schemas.microsoft.com/office/drawing/2014/main" xmlns="" id="{8FA39A8D-4F25-B34C-A663-443B881A8D30}"/>
               </a:ext>
             </a:extLst>
           </p:cNvPr>
@@ -5330,7 +6197,7 @@
         </p:nvSpPr>
         <p:spPr>
           <a:xfrm>
-            <a:off x="6894115" y="1471327"/>
+            <a:off x="6822675" y="897309"/>
             <a:ext cx="3045751" cy="1107996"/>
           </a:xfrm>
           <a:prstGeom prst="rect">
@@ -5382,11 +6249,11 @@
               <a:t>English: </a:t>
             </a:r>
             <a:r>
-              <a:rPr lang="en-US" sz="1100" dirty="0">
+              <a:rPr lang="en-US" sz="1100" dirty="0" smtClean="0">
                 <a:latin typeface="Montserrat Light"/>
                 <a:cs typeface="Calibri"/>
               </a:rPr>
-              <a:t>Full professional proficiency</a:t>
+              <a:t>Advanced</a:t>
             </a:r>
           </a:p>
           <a:p>
@@ -5402,14 +6269,21 @@
                 <a:latin typeface="Montserrat Light"/>
                 <a:cs typeface="Calibri"/>
               </a:rPr>
-              <a:t>Spanish: </a:t>
+              <a:t>Russian: </a:t>
             </a:r>
             <a:r>
               <a:rPr lang="en-US" sz="1100" dirty="0">
                 <a:latin typeface="Montserrat Light"/>
                 <a:cs typeface="Calibri"/>
               </a:rPr>
-              <a:t>Elementary proficiency</a:t>
+              <a:t>Upper </a:t>
+            </a:r>
+            <a:r>
+              <a:rPr lang="en-US" sz="1100" dirty="0" smtClean="0">
+                <a:latin typeface="Montserrat Light"/>
+                <a:cs typeface="Calibri"/>
+              </a:rPr>
+              <a:t>Intermediate</a:t>
             </a:r>
             <a:endParaRPr lang="en-US" sz="1100" b="1" dirty="0">
               <a:latin typeface="Montserrat Light" pitchFamily="2" charset="77"/>
@@ -5420,59 +6294,10 @@
       </p:sp>
       <p:sp>
         <p:nvSpPr>
-          <p:cNvPr id="35" name="TextBox 34">
-            <a:extLst>
-              <a:ext uri="{FF2B5EF4-FFF2-40B4-BE49-F238E27FC236}">
-                <a16:creationId xmlns:a16="http://schemas.microsoft.com/office/drawing/2014/main" id="{4F4E715C-647E-D048-9B1E-62B064140E1C}"/>
-              </a:ext>
-            </a:extLst>
-          </p:cNvPr>
-          <p:cNvSpPr txBox="1"/>
-          <p:nvPr/>
-        </p:nvSpPr>
-        <p:spPr>
-          <a:xfrm>
-            <a:off x="6894115" y="915594"/>
-            <a:ext cx="4485085" cy="320024"/>
-          </a:xfrm>
-          <a:prstGeom prst="rect">
-            <a:avLst/>
-          </a:prstGeom>
-          <a:noFill/>
-        </p:spPr>
-        <p:txBody>
-          <a:bodyPr wrap="square" rtlCol="0" anchor="t">
-            <a:spAutoFit/>
-          </a:bodyPr>
-          <a:lstStyle/>
-          <a:p>
-            <a:pPr>
-              <a:lnSpc>
-                <a:spcPct val="150000"/>
-              </a:lnSpc>
-            </a:pPr>
-            <a:r>
-              <a:rPr lang="en-US" sz="1100" dirty="0">
-                <a:solidFill>
-                  <a:schemeClr val="tx1">
-                    <a:lumMod val="75000"/>
-                    <a:lumOff val="25000"/>
-                  </a:schemeClr>
-                </a:solidFill>
-                <a:latin typeface="Montserrat Light"/>
-                <a:cs typeface="Calibri"/>
-              </a:rPr>
-              <a:t>Born in Vietnam. Use Vietnamese and English fluently.</a:t>
-            </a:r>
-          </a:p>
-        </p:txBody>
-      </p:sp>
-      <p:sp>
-        <p:nvSpPr>
           <p:cNvPr id="37" name="TextBox 36">
             <a:extLst>
               <a:ext uri="{FF2B5EF4-FFF2-40B4-BE49-F238E27FC236}">
-                <a16:creationId xmlns:a16="http://schemas.microsoft.com/office/drawing/2014/main" id="{24975A10-62B0-6744-8FCB-10559394B743}"/>
+                <a16:creationId xmlns:a16="http://schemas.microsoft.com/office/drawing/2014/main" xmlns="" id="{24975A10-62B0-6744-8FCB-10559394B743}"/>
               </a:ext>
             </a:extLst>
           </p:cNvPr>
@@ -5609,7 +6434,7 @@
           <p:cNvPr id="38" name="TextBox 37">
             <a:extLst>
               <a:ext uri="{FF2B5EF4-FFF2-40B4-BE49-F238E27FC236}">
-                <a16:creationId xmlns:a16="http://schemas.microsoft.com/office/drawing/2014/main" id="{3500A031-BE91-4748-A338-E8B0C7FD9DA4}"/>
+                <a16:creationId xmlns:a16="http://schemas.microsoft.com/office/drawing/2014/main" xmlns="" id="{3500A031-BE91-4748-A338-E8B0C7FD9DA4}"/>
               </a:ext>
             </a:extLst>
           </p:cNvPr>
@@ -5710,11 +6535,11 @@
               </a:lnSpc>
             </a:pPr>
             <a:r>
-              <a:rPr lang="en-US" sz="1100" dirty="0">
+              <a:rPr lang="en-US" sz="1100" dirty="0" smtClean="0">
                 <a:latin typeface="Montserrat Light"/>
                 <a:cs typeface="Calibri"/>
               </a:rPr>
-              <a:t>Cloud</a:t>
+              <a:t>SQL</a:t>
             </a:r>
             <a:endParaRPr lang="en-US" sz="1100" dirty="0">
               <a:latin typeface="Montserrat Light" pitchFamily="2" charset="77"/>
@@ -5728,11 +6553,11 @@
               </a:lnSpc>
             </a:pPr>
             <a:r>
-              <a:rPr lang="en-US" sz="1100" dirty="0">
+              <a:rPr lang="en-US" sz="1100" dirty="0" smtClean="0">
                 <a:latin typeface="Montserrat Light"/>
                 <a:cs typeface="Calibri"/>
               </a:rPr>
-              <a:t>Docker</a:t>
+              <a:t>JAVA</a:t>
             </a:r>
             <a:endParaRPr lang="en-US" sz="1100" dirty="0">
               <a:latin typeface="Montserrat Light" pitchFamily="2" charset="77"/>
@@ -5746,7 +6571,7 @@
           <p:cNvPr id="6" name="Group 5">
             <a:extLst>
               <a:ext uri="{FF2B5EF4-FFF2-40B4-BE49-F238E27FC236}">
-                <a16:creationId xmlns:a16="http://schemas.microsoft.com/office/drawing/2014/main" id="{405ACC59-A3C9-C04F-ADAF-C2A11B8B353F}"/>
+                <a16:creationId xmlns:a16="http://schemas.microsoft.com/office/drawing/2014/main" xmlns="" id="{405ACC59-A3C9-C04F-ADAF-C2A11B8B353F}"/>
               </a:ext>
             </a:extLst>
           </p:cNvPr>
@@ -5766,7 +6591,7 @@
             <p:cNvPr id="5" name="Rectangle 4">
               <a:extLst>
                 <a:ext uri="{FF2B5EF4-FFF2-40B4-BE49-F238E27FC236}">
-                  <a16:creationId xmlns:a16="http://schemas.microsoft.com/office/drawing/2014/main" id="{99D9F652-9436-9C47-8D60-CF8D9E652FEB}"/>
+                  <a16:creationId xmlns:a16="http://schemas.microsoft.com/office/drawing/2014/main" xmlns="" id="{99D9F652-9436-9C47-8D60-CF8D9E652FEB}"/>
                 </a:ext>
               </a:extLst>
             </p:cNvPr>
@@ -5820,7 +6645,7 @@
             <p:cNvPr id="42" name="Rectangle 41">
               <a:extLst>
                 <a:ext uri="{FF2B5EF4-FFF2-40B4-BE49-F238E27FC236}">
-                  <a16:creationId xmlns:a16="http://schemas.microsoft.com/office/drawing/2014/main" id="{9EF2F39D-6847-3744-B36C-FF84D7A1EC4A}"/>
+                  <a16:creationId xmlns:a16="http://schemas.microsoft.com/office/drawing/2014/main" xmlns="" id="{9EF2F39D-6847-3744-B36C-FF84D7A1EC4A}"/>
                 </a:ext>
               </a:extLst>
             </p:cNvPr>
@@ -5873,7 +6698,7 @@
           <p:cNvPr id="116" name="Group 115">
             <a:extLst>
               <a:ext uri="{FF2B5EF4-FFF2-40B4-BE49-F238E27FC236}">
-                <a16:creationId xmlns:a16="http://schemas.microsoft.com/office/drawing/2014/main" id="{405ACC59-A3C9-C04F-ADAF-C2A11B8B353F}"/>
+                <a16:creationId xmlns:a16="http://schemas.microsoft.com/office/drawing/2014/main" xmlns="" id="{405ACC59-A3C9-C04F-ADAF-C2A11B8B353F}"/>
               </a:ext>
             </a:extLst>
           </p:cNvPr>
@@ -5893,7 +6718,7 @@
             <p:cNvPr id="117" name="Rectangle 116">
               <a:extLst>
                 <a:ext uri="{FF2B5EF4-FFF2-40B4-BE49-F238E27FC236}">
-                  <a16:creationId xmlns:a16="http://schemas.microsoft.com/office/drawing/2014/main" id="{99D9F652-9436-9C47-8D60-CF8D9E652FEB}"/>
+                  <a16:creationId xmlns:a16="http://schemas.microsoft.com/office/drawing/2014/main" xmlns="" id="{99D9F652-9436-9C47-8D60-CF8D9E652FEB}"/>
                 </a:ext>
               </a:extLst>
             </p:cNvPr>
@@ -5947,7 +6772,7 @@
             <p:cNvPr id="118" name="Rectangle 117">
               <a:extLst>
                 <a:ext uri="{FF2B5EF4-FFF2-40B4-BE49-F238E27FC236}">
-                  <a16:creationId xmlns:a16="http://schemas.microsoft.com/office/drawing/2014/main" id="{9EF2F39D-6847-3744-B36C-FF84D7A1EC4A}"/>
+                  <a16:creationId xmlns:a16="http://schemas.microsoft.com/office/drawing/2014/main" xmlns="" id="{9EF2F39D-6847-3744-B36C-FF84D7A1EC4A}"/>
                 </a:ext>
               </a:extLst>
             </p:cNvPr>
@@ -6000,7 +6825,7 @@
           <p:cNvPr id="119" name="Group 118">
             <a:extLst>
               <a:ext uri="{FF2B5EF4-FFF2-40B4-BE49-F238E27FC236}">
-                <a16:creationId xmlns:a16="http://schemas.microsoft.com/office/drawing/2014/main" id="{405ACC59-A3C9-C04F-ADAF-C2A11B8B353F}"/>
+                <a16:creationId xmlns:a16="http://schemas.microsoft.com/office/drawing/2014/main" xmlns="" id="{405ACC59-A3C9-C04F-ADAF-C2A11B8B353F}"/>
               </a:ext>
             </a:extLst>
           </p:cNvPr>
@@ -6009,7 +6834,7 @@
         </p:nvGrpSpPr>
         <p:grpSpPr>
           <a:xfrm>
-            <a:off x="1671898" y="4548466"/>
+            <a:off x="7677209" y="4886185"/>
             <a:ext cx="3967470" cy="72300"/>
             <a:chOff x="1675396" y="3465214"/>
             <a:chExt cx="1823646" cy="45843"/>
@@ -6020,7 +6845,7 @@
             <p:cNvPr id="120" name="Rectangle 119">
               <a:extLst>
                 <a:ext uri="{FF2B5EF4-FFF2-40B4-BE49-F238E27FC236}">
-                  <a16:creationId xmlns:a16="http://schemas.microsoft.com/office/drawing/2014/main" id="{99D9F652-9436-9C47-8D60-CF8D9E652FEB}"/>
+                  <a16:creationId xmlns:a16="http://schemas.microsoft.com/office/drawing/2014/main" xmlns="" id="{99D9F652-9436-9C47-8D60-CF8D9E652FEB}"/>
                 </a:ext>
               </a:extLst>
             </p:cNvPr>
@@ -6168,7 +6993,7 @@
             <p:cNvPr id="121" name="Rectangle 120">
               <a:extLst>
                 <a:ext uri="{FF2B5EF4-FFF2-40B4-BE49-F238E27FC236}">
-                  <a16:creationId xmlns:a16="http://schemas.microsoft.com/office/drawing/2014/main" id="{9EF2F39D-6847-3744-B36C-FF84D7A1EC4A}"/>
+                  <a16:creationId xmlns:a16="http://schemas.microsoft.com/office/drawing/2014/main" xmlns="" id="{9EF2F39D-6847-3744-B36C-FF84D7A1EC4A}"/>
                 </a:ext>
               </a:extLst>
             </p:cNvPr>
@@ -6315,7 +7140,7 @@
           <p:cNvPr id="122" name="Group 121">
             <a:extLst>
               <a:ext uri="{FF2B5EF4-FFF2-40B4-BE49-F238E27FC236}">
-                <a16:creationId xmlns:a16="http://schemas.microsoft.com/office/drawing/2014/main" id="{405ACC59-A3C9-C04F-ADAF-C2A11B8B353F}"/>
+                <a16:creationId xmlns:a16="http://schemas.microsoft.com/office/drawing/2014/main" xmlns="" id="{405ACC59-A3C9-C04F-ADAF-C2A11B8B353F}"/>
               </a:ext>
             </a:extLst>
           </p:cNvPr>
@@ -6324,7 +7149,7 @@
         </p:nvGrpSpPr>
         <p:grpSpPr>
           <a:xfrm>
-            <a:off x="1671898" y="4891438"/>
+            <a:off x="7677209" y="4536659"/>
             <a:ext cx="3967470" cy="72300"/>
             <a:chOff x="1675396" y="3465214"/>
             <a:chExt cx="1823646" cy="45843"/>
@@ -6335,7 +7160,7 @@
             <p:cNvPr id="123" name="Rectangle 122">
               <a:extLst>
                 <a:ext uri="{FF2B5EF4-FFF2-40B4-BE49-F238E27FC236}">
-                  <a16:creationId xmlns:a16="http://schemas.microsoft.com/office/drawing/2014/main" id="{99D9F652-9436-9C47-8D60-CF8D9E652FEB}"/>
+                  <a16:creationId xmlns:a16="http://schemas.microsoft.com/office/drawing/2014/main" xmlns="" id="{99D9F652-9436-9C47-8D60-CF8D9E652FEB}"/>
                 </a:ext>
               </a:extLst>
             </p:cNvPr>
@@ -6483,7 +7308,7 @@
             <p:cNvPr id="124" name="Rectangle 123">
               <a:extLst>
                 <a:ext uri="{FF2B5EF4-FFF2-40B4-BE49-F238E27FC236}">
-                  <a16:creationId xmlns:a16="http://schemas.microsoft.com/office/drawing/2014/main" id="{9EF2F39D-6847-3744-B36C-FF84D7A1EC4A}"/>
+                  <a16:creationId xmlns:a16="http://schemas.microsoft.com/office/drawing/2014/main" xmlns="" id="{9EF2F39D-6847-3744-B36C-FF84D7A1EC4A}"/>
                 </a:ext>
               </a:extLst>
             </p:cNvPr>
@@ -6627,10 +7452,10 @@
       </p:grpSp>
       <p:grpSp>
         <p:nvGrpSpPr>
-          <p:cNvPr id="128" name="Group 127">
-            <a:extLst>
-              <a:ext uri="{FF2B5EF4-FFF2-40B4-BE49-F238E27FC236}">
-                <a16:creationId xmlns:a16="http://schemas.microsoft.com/office/drawing/2014/main" id="{405ACC59-A3C9-C04F-ADAF-C2A11B8B353F}"/>
+          <p:cNvPr id="146" name="Group 145">
+            <a:extLst>
+              <a:ext uri="{FF2B5EF4-FFF2-40B4-BE49-F238E27FC236}">
+                <a16:creationId xmlns:a16="http://schemas.microsoft.com/office/drawing/2014/main" xmlns="" id="{405ACC59-A3C9-C04F-ADAF-C2A11B8B353F}"/>
               </a:ext>
             </a:extLst>
           </p:cNvPr>
@@ -6639,515 +7464,7 @@
         </p:nvGrpSpPr>
         <p:grpSpPr>
           <a:xfrm>
-            <a:off x="1671898" y="5234570"/>
-            <a:ext cx="3967470" cy="72104"/>
-            <a:chOff x="1675396" y="3465338"/>
-            <a:chExt cx="1823646" cy="45719"/>
-          </a:xfrm>
-        </p:grpSpPr>
-        <p:sp>
-          <p:nvSpPr>
-            <p:cNvPr id="129" name="Rectangle 128">
-              <a:extLst>
-                <a:ext uri="{FF2B5EF4-FFF2-40B4-BE49-F238E27FC236}">
-                  <a16:creationId xmlns:a16="http://schemas.microsoft.com/office/drawing/2014/main" id="{99D9F652-9436-9C47-8D60-CF8D9E652FEB}"/>
-                </a:ext>
-              </a:extLst>
-            </p:cNvPr>
-            <p:cNvSpPr/>
-            <p:nvPr/>
-          </p:nvSpPr>
-          <p:spPr>
-            <a:xfrm>
-              <a:off x="1675396" y="3465338"/>
-              <a:ext cx="1823646" cy="45719"/>
-            </a:xfrm>
-            <a:prstGeom prst="rect">
-              <a:avLst/>
-            </a:prstGeom>
-            <a:solidFill>
-              <a:schemeClr val="bg1">
-                <a:lumMod val="95000"/>
-              </a:schemeClr>
-            </a:solidFill>
-            <a:ln>
-              <a:noFill/>
-            </a:ln>
-          </p:spPr>
-          <p:style>
-            <a:lnRef idx="2">
-              <a:schemeClr val="accent1">
-                <a:shade val="50000"/>
-              </a:schemeClr>
-            </a:lnRef>
-            <a:fillRef idx="1">
-              <a:schemeClr val="accent1"/>
-            </a:fillRef>
-            <a:effectRef idx="0">
-              <a:schemeClr val="accent1"/>
-            </a:effectRef>
-            <a:fontRef idx="minor">
-              <a:schemeClr val="lt1"/>
-            </a:fontRef>
-          </p:style>
-          <p:txBody>
-            <a:bodyPr rtlCol="0" anchor="ctr"/>
-            <a:lstStyle/>
-            <a:p>
-              <a:pPr algn="ctr"/>
-              <a:endParaRPr lang="x-none"/>
-            </a:p>
-          </p:txBody>
-        </p:sp>
-        <p:sp>
-          <p:nvSpPr>
-            <p:cNvPr id="130" name="Rectangle 129">
-              <a:extLst>
-                <a:ext uri="{FF2B5EF4-FFF2-40B4-BE49-F238E27FC236}">
-                  <a16:creationId xmlns:a16="http://schemas.microsoft.com/office/drawing/2014/main" id="{9EF2F39D-6847-3744-B36C-FF84D7A1EC4A}"/>
-                </a:ext>
-              </a:extLst>
-            </p:cNvPr>
-            <p:cNvSpPr/>
-            <p:nvPr/>
-          </p:nvSpPr>
-          <p:spPr>
-            <a:xfrm>
-              <a:off x="1675396" y="3465338"/>
-              <a:ext cx="1470438" cy="45717"/>
-            </a:xfrm>
-            <a:prstGeom prst="rect">
-              <a:avLst/>
-            </a:prstGeom>
-            <a:solidFill>
-              <a:srgbClr val="FFC000"/>
-            </a:solidFill>
-            <a:ln>
-              <a:noFill/>
-            </a:ln>
-          </p:spPr>
-          <p:style>
-            <a:lnRef idx="2">
-              <a:schemeClr val="accent1">
-                <a:shade val="50000"/>
-              </a:schemeClr>
-            </a:lnRef>
-            <a:fillRef idx="1">
-              <a:schemeClr val="accent1"/>
-            </a:fillRef>
-            <a:effectRef idx="0">
-              <a:schemeClr val="accent1"/>
-            </a:effectRef>
-            <a:fontRef idx="minor">
-              <a:schemeClr val="lt1"/>
-            </a:fontRef>
-          </p:style>
-          <p:txBody>
-            <a:bodyPr rtlCol="0" anchor="ctr"/>
-            <a:lstStyle/>
-            <a:p>
-              <a:pPr algn="ctr"/>
-              <a:endParaRPr lang="x-none"/>
-            </a:p>
-          </p:txBody>
-        </p:sp>
-      </p:grpSp>
-      <p:grpSp>
-        <p:nvGrpSpPr>
-          <p:cNvPr id="131" name="Group 130">
-            <a:extLst>
-              <a:ext uri="{FF2B5EF4-FFF2-40B4-BE49-F238E27FC236}">
-                <a16:creationId xmlns:a16="http://schemas.microsoft.com/office/drawing/2014/main" id="{405ACC59-A3C9-C04F-ADAF-C2A11B8B353F}"/>
-              </a:ext>
-            </a:extLst>
-          </p:cNvPr>
-          <p:cNvGrpSpPr/>
-          <p:nvPr/>
-        </p:nvGrpSpPr>
-        <p:grpSpPr>
-          <a:xfrm>
-            <a:off x="1671898" y="5576097"/>
-            <a:ext cx="3967470" cy="72300"/>
-            <a:chOff x="1675396" y="3465214"/>
-            <a:chExt cx="1823646" cy="45843"/>
-          </a:xfrm>
-        </p:grpSpPr>
-        <p:sp>
-          <p:nvSpPr>
-            <p:cNvPr id="132" name="Rectangle 131">
-              <a:extLst>
-                <a:ext uri="{FF2B5EF4-FFF2-40B4-BE49-F238E27FC236}">
-                  <a16:creationId xmlns:a16="http://schemas.microsoft.com/office/drawing/2014/main" id="{99D9F652-9436-9C47-8D60-CF8D9E652FEB}"/>
-                </a:ext>
-              </a:extLst>
-            </p:cNvPr>
-            <p:cNvSpPr/>
-            <p:nvPr/>
-          </p:nvSpPr>
-          <p:spPr>
-            <a:xfrm>
-              <a:off x="1675396" y="3465338"/>
-              <a:ext cx="1823646" cy="45719"/>
-            </a:xfrm>
-            <a:prstGeom prst="rect">
-              <a:avLst/>
-            </a:prstGeom>
-            <a:solidFill>
-              <a:schemeClr val="bg1">
-                <a:lumMod val="95000"/>
-              </a:schemeClr>
-            </a:solidFill>
-            <a:ln>
-              <a:noFill/>
-            </a:ln>
-          </p:spPr>
-          <p:style>
-            <a:lnRef idx="2">
-              <a:schemeClr val="accent1">
-                <a:shade val="50000"/>
-              </a:schemeClr>
-            </a:lnRef>
-            <a:fillRef idx="1">
-              <a:schemeClr val="accent1"/>
-            </a:fillRef>
-            <a:effectRef idx="0">
-              <a:schemeClr val="accent1"/>
-            </a:effectRef>
-            <a:fontRef idx="minor">
-              <a:schemeClr val="lt1"/>
-            </a:fontRef>
-          </p:style>
-          <p:txBody>
-            <a:bodyPr rtlCol="0" anchor="ctr"/>
-            <a:lstStyle/>
-            <a:p>
-              <a:pPr algn="ctr"/>
-              <a:endParaRPr lang="x-none"/>
-            </a:p>
-          </p:txBody>
-        </p:sp>
-        <p:sp>
-          <p:nvSpPr>
-            <p:cNvPr id="133" name="Rectangle 132">
-              <a:extLst>
-                <a:ext uri="{FF2B5EF4-FFF2-40B4-BE49-F238E27FC236}">
-                  <a16:creationId xmlns:a16="http://schemas.microsoft.com/office/drawing/2014/main" id="{9EF2F39D-6847-3744-B36C-FF84D7A1EC4A}"/>
-                </a:ext>
-              </a:extLst>
-            </p:cNvPr>
-            <p:cNvSpPr/>
-            <p:nvPr/>
-          </p:nvSpPr>
-          <p:spPr>
-            <a:xfrm>
-              <a:off x="1675396" y="3465214"/>
-              <a:ext cx="1510852" cy="45843"/>
-            </a:xfrm>
-            <a:prstGeom prst="rect">
-              <a:avLst/>
-            </a:prstGeom>
-            <a:solidFill>
-              <a:srgbClr val="FFC000"/>
-            </a:solidFill>
-            <a:ln>
-              <a:noFill/>
-            </a:ln>
-          </p:spPr>
-          <p:style>
-            <a:lnRef idx="2">
-              <a:schemeClr val="accent1">
-                <a:shade val="50000"/>
-              </a:schemeClr>
-            </a:lnRef>
-            <a:fillRef idx="1">
-              <a:schemeClr val="accent1"/>
-            </a:fillRef>
-            <a:effectRef idx="0">
-              <a:schemeClr val="accent1"/>
-            </a:effectRef>
-            <a:fontRef idx="minor">
-              <a:schemeClr val="lt1"/>
-            </a:fontRef>
-          </p:style>
-          <p:txBody>
-            <a:bodyPr rtlCol="0" anchor="ctr"/>
-            <a:lstStyle/>
-            <a:p>
-              <a:pPr algn="ctr"/>
-              <a:endParaRPr lang="x-none"/>
-            </a:p>
-          </p:txBody>
-        </p:sp>
-      </p:grpSp>
-      <p:grpSp>
-        <p:nvGrpSpPr>
-          <p:cNvPr id="140" name="Group 139">
-            <a:extLst>
-              <a:ext uri="{FF2B5EF4-FFF2-40B4-BE49-F238E27FC236}">
-                <a16:creationId xmlns:a16="http://schemas.microsoft.com/office/drawing/2014/main" id="{405ACC59-A3C9-C04F-ADAF-C2A11B8B353F}"/>
-              </a:ext>
-            </a:extLst>
-          </p:cNvPr>
-          <p:cNvGrpSpPr/>
-          <p:nvPr/>
-        </p:nvGrpSpPr>
-        <p:grpSpPr>
-          <a:xfrm>
-            <a:off x="7666478" y="3829298"/>
-            <a:ext cx="3967470" cy="72104"/>
-            <a:chOff x="1675396" y="3465338"/>
-            <a:chExt cx="1823646" cy="45719"/>
-          </a:xfrm>
-        </p:grpSpPr>
-        <p:sp>
-          <p:nvSpPr>
-            <p:cNvPr id="141" name="Rectangle 140">
-              <a:extLst>
-                <a:ext uri="{FF2B5EF4-FFF2-40B4-BE49-F238E27FC236}">
-                  <a16:creationId xmlns:a16="http://schemas.microsoft.com/office/drawing/2014/main" id="{99D9F652-9436-9C47-8D60-CF8D9E652FEB}"/>
-                </a:ext>
-              </a:extLst>
-            </p:cNvPr>
-            <p:cNvSpPr/>
-            <p:nvPr/>
-          </p:nvSpPr>
-          <p:spPr>
-            <a:xfrm>
-              <a:off x="1675396" y="3465338"/>
-              <a:ext cx="1823646" cy="45719"/>
-            </a:xfrm>
-            <a:prstGeom prst="rect">
-              <a:avLst/>
-            </a:prstGeom>
-            <a:solidFill>
-              <a:schemeClr val="bg1">
-                <a:lumMod val="95000"/>
-              </a:schemeClr>
-            </a:solidFill>
-            <a:ln>
-              <a:noFill/>
-            </a:ln>
-          </p:spPr>
-          <p:style>
-            <a:lnRef idx="2">
-              <a:schemeClr val="accent1">
-                <a:shade val="50000"/>
-              </a:schemeClr>
-            </a:lnRef>
-            <a:fillRef idx="1">
-              <a:schemeClr val="accent1"/>
-            </a:fillRef>
-            <a:effectRef idx="0">
-              <a:schemeClr val="accent1"/>
-            </a:effectRef>
-            <a:fontRef idx="minor">
-              <a:schemeClr val="lt1"/>
-            </a:fontRef>
-          </p:style>
-          <p:txBody>
-            <a:bodyPr rtlCol="0" anchor="ctr"/>
-            <a:lstStyle/>
-            <a:p>
-              <a:pPr algn="ctr"/>
-              <a:endParaRPr lang="x-none"/>
-            </a:p>
-          </p:txBody>
-        </p:sp>
-        <p:sp>
-          <p:nvSpPr>
-            <p:cNvPr id="142" name="Rectangle 141">
-              <a:extLst>
-                <a:ext uri="{FF2B5EF4-FFF2-40B4-BE49-F238E27FC236}">
-                  <a16:creationId xmlns:a16="http://schemas.microsoft.com/office/drawing/2014/main" id="{9EF2F39D-6847-3744-B36C-FF84D7A1EC4A}"/>
-                </a:ext>
-              </a:extLst>
-            </p:cNvPr>
-            <p:cNvSpPr/>
-            <p:nvPr/>
-          </p:nvSpPr>
-          <p:spPr>
-            <a:xfrm>
-              <a:off x="1675396" y="3465338"/>
-              <a:ext cx="1374260" cy="45717"/>
-            </a:xfrm>
-            <a:prstGeom prst="rect">
-              <a:avLst/>
-            </a:prstGeom>
-            <a:solidFill>
-              <a:srgbClr val="FFC000"/>
-            </a:solidFill>
-            <a:ln>
-              <a:noFill/>
-            </a:ln>
-          </p:spPr>
-          <p:style>
-            <a:lnRef idx="2">
-              <a:schemeClr val="accent1">
-                <a:shade val="50000"/>
-              </a:schemeClr>
-            </a:lnRef>
-            <a:fillRef idx="1">
-              <a:schemeClr val="accent1"/>
-            </a:fillRef>
-            <a:effectRef idx="0">
-              <a:schemeClr val="accent1"/>
-            </a:effectRef>
-            <a:fontRef idx="minor">
-              <a:schemeClr val="lt1"/>
-            </a:fontRef>
-          </p:style>
-          <p:txBody>
-            <a:bodyPr rtlCol="0" anchor="ctr"/>
-            <a:lstStyle/>
-            <a:p>
-              <a:pPr algn="ctr"/>
-              <a:endParaRPr lang="x-none"/>
-            </a:p>
-          </p:txBody>
-        </p:sp>
-      </p:grpSp>
-      <p:grpSp>
-        <p:nvGrpSpPr>
-          <p:cNvPr id="143" name="Group 142">
-            <a:extLst>
-              <a:ext uri="{FF2B5EF4-FFF2-40B4-BE49-F238E27FC236}">
-                <a16:creationId xmlns:a16="http://schemas.microsoft.com/office/drawing/2014/main" id="{405ACC59-A3C9-C04F-ADAF-C2A11B8B353F}"/>
-              </a:ext>
-            </a:extLst>
-          </p:cNvPr>
-          <p:cNvGrpSpPr/>
-          <p:nvPr/>
-        </p:nvGrpSpPr>
-        <p:grpSpPr>
-          <a:xfrm>
-            <a:off x="7666478" y="4170753"/>
-            <a:ext cx="3967470" cy="72339"/>
-            <a:chOff x="1675396" y="3465189"/>
-            <a:chExt cx="1823646" cy="45868"/>
-          </a:xfrm>
-        </p:grpSpPr>
-        <p:sp>
-          <p:nvSpPr>
-            <p:cNvPr id="144" name="Rectangle 143">
-              <a:extLst>
-                <a:ext uri="{FF2B5EF4-FFF2-40B4-BE49-F238E27FC236}">
-                  <a16:creationId xmlns:a16="http://schemas.microsoft.com/office/drawing/2014/main" id="{99D9F652-9436-9C47-8D60-CF8D9E652FEB}"/>
-                </a:ext>
-              </a:extLst>
-            </p:cNvPr>
-            <p:cNvSpPr/>
-            <p:nvPr/>
-          </p:nvSpPr>
-          <p:spPr>
-            <a:xfrm>
-              <a:off x="1675396" y="3465338"/>
-              <a:ext cx="1823646" cy="45719"/>
-            </a:xfrm>
-            <a:prstGeom prst="rect">
-              <a:avLst/>
-            </a:prstGeom>
-            <a:solidFill>
-              <a:schemeClr val="bg1">
-                <a:lumMod val="95000"/>
-              </a:schemeClr>
-            </a:solidFill>
-            <a:ln>
-              <a:noFill/>
-            </a:ln>
-          </p:spPr>
-          <p:style>
-            <a:lnRef idx="2">
-              <a:schemeClr val="accent1">
-                <a:shade val="50000"/>
-              </a:schemeClr>
-            </a:lnRef>
-            <a:fillRef idx="1">
-              <a:schemeClr val="accent1"/>
-            </a:fillRef>
-            <a:effectRef idx="0">
-              <a:schemeClr val="accent1"/>
-            </a:effectRef>
-            <a:fontRef idx="minor">
-              <a:schemeClr val="lt1"/>
-            </a:fontRef>
-          </p:style>
-          <p:txBody>
-            <a:bodyPr rtlCol="0" anchor="ctr"/>
-            <a:lstStyle/>
-            <a:p>
-              <a:pPr algn="ctr"/>
-              <a:endParaRPr lang="x-none"/>
-            </a:p>
-          </p:txBody>
-        </p:sp>
-        <p:sp>
-          <p:nvSpPr>
-            <p:cNvPr id="145" name="Rectangle 144">
-              <a:extLst>
-                <a:ext uri="{FF2B5EF4-FFF2-40B4-BE49-F238E27FC236}">
-                  <a16:creationId xmlns:a16="http://schemas.microsoft.com/office/drawing/2014/main" id="{9EF2F39D-6847-3744-B36C-FF84D7A1EC4A}"/>
-                </a:ext>
-              </a:extLst>
-            </p:cNvPr>
-            <p:cNvSpPr/>
-            <p:nvPr/>
-          </p:nvSpPr>
-          <p:spPr>
-            <a:xfrm>
-              <a:off x="1675396" y="3465189"/>
-              <a:ext cx="1402550" cy="45866"/>
-            </a:xfrm>
-            <a:prstGeom prst="rect">
-              <a:avLst/>
-            </a:prstGeom>
-            <a:solidFill>
-              <a:srgbClr val="FFC000"/>
-            </a:solidFill>
-            <a:ln>
-              <a:noFill/>
-            </a:ln>
-          </p:spPr>
-          <p:style>
-            <a:lnRef idx="2">
-              <a:schemeClr val="accent1">
-                <a:shade val="50000"/>
-              </a:schemeClr>
-            </a:lnRef>
-            <a:fillRef idx="1">
-              <a:schemeClr val="accent1"/>
-            </a:fillRef>
-            <a:effectRef idx="0">
-              <a:schemeClr val="accent1"/>
-            </a:effectRef>
-            <a:fontRef idx="minor">
-              <a:schemeClr val="lt1"/>
-            </a:fontRef>
-          </p:style>
-          <p:txBody>
-            <a:bodyPr rtlCol="0" anchor="ctr"/>
-            <a:lstStyle/>
-            <a:p>
-              <a:pPr algn="ctr"/>
-              <a:endParaRPr lang="x-none"/>
-            </a:p>
-          </p:txBody>
-        </p:sp>
-      </p:grpSp>
-      <p:grpSp>
-        <p:nvGrpSpPr>
-          <p:cNvPr id="146" name="Group 145">
-            <a:extLst>
-              <a:ext uri="{FF2B5EF4-FFF2-40B4-BE49-F238E27FC236}">
-                <a16:creationId xmlns:a16="http://schemas.microsoft.com/office/drawing/2014/main" id="{405ACC59-A3C9-C04F-ADAF-C2A11B8B353F}"/>
-              </a:ext>
-            </a:extLst>
-          </p:cNvPr>
-          <p:cNvGrpSpPr/>
-          <p:nvPr/>
-        </p:nvGrpSpPr>
-        <p:grpSpPr>
-          <a:xfrm>
-            <a:off x="7666478" y="4512474"/>
+            <a:off x="1671898" y="4889759"/>
             <a:ext cx="3967470" cy="72373"/>
             <a:chOff x="1675396" y="3465168"/>
             <a:chExt cx="1823646" cy="45889"/>
@@ -7158,7 +7475,7 @@
             <p:cNvPr id="147" name="Rectangle 146">
               <a:extLst>
                 <a:ext uri="{FF2B5EF4-FFF2-40B4-BE49-F238E27FC236}">
-                  <a16:creationId xmlns:a16="http://schemas.microsoft.com/office/drawing/2014/main" id="{99D9F652-9436-9C47-8D60-CF8D9E652FEB}"/>
+                  <a16:creationId xmlns:a16="http://schemas.microsoft.com/office/drawing/2014/main" xmlns="" id="{99D9F652-9436-9C47-8D60-CF8D9E652FEB}"/>
                 </a:ext>
               </a:extLst>
             </p:cNvPr>
@@ -7306,7 +7623,7 @@
             <p:cNvPr id="148" name="Rectangle 147">
               <a:extLst>
                 <a:ext uri="{FF2B5EF4-FFF2-40B4-BE49-F238E27FC236}">
-                  <a16:creationId xmlns:a16="http://schemas.microsoft.com/office/drawing/2014/main" id="{9EF2F39D-6847-3744-B36C-FF84D7A1EC4A}"/>
+                  <a16:creationId xmlns:a16="http://schemas.microsoft.com/office/drawing/2014/main" xmlns="" id="{9EF2F39D-6847-3744-B36C-FF84D7A1EC4A}"/>
                 </a:ext>
               </a:extLst>
             </p:cNvPr>
@@ -7453,7 +7770,7 @@
           <p:cNvPr id="149" name="Group 148">
             <a:extLst>
               <a:ext uri="{FF2B5EF4-FFF2-40B4-BE49-F238E27FC236}">
-                <a16:creationId xmlns:a16="http://schemas.microsoft.com/office/drawing/2014/main" id="{405ACC59-A3C9-C04F-ADAF-C2A11B8B353F}"/>
+                <a16:creationId xmlns:a16="http://schemas.microsoft.com/office/drawing/2014/main" xmlns="" id="{405ACC59-A3C9-C04F-ADAF-C2A11B8B353F}"/>
               </a:ext>
             </a:extLst>
           </p:cNvPr>
@@ -7462,7 +7779,7 @@
         </p:nvGrpSpPr>
         <p:grpSpPr>
           <a:xfrm>
-            <a:off x="7666478" y="4854259"/>
+            <a:off x="7684937" y="5186539"/>
             <a:ext cx="3967470" cy="73559"/>
             <a:chOff x="1675396" y="3464416"/>
             <a:chExt cx="1823646" cy="46641"/>
@@ -7473,7 +7790,7 @@
             <p:cNvPr id="150" name="Rectangle 149">
               <a:extLst>
                 <a:ext uri="{FF2B5EF4-FFF2-40B4-BE49-F238E27FC236}">
-                  <a16:creationId xmlns:a16="http://schemas.microsoft.com/office/drawing/2014/main" id="{99D9F652-9436-9C47-8D60-CF8D9E652FEB}"/>
+                  <a16:creationId xmlns:a16="http://schemas.microsoft.com/office/drawing/2014/main" xmlns="" id="{99D9F652-9436-9C47-8D60-CF8D9E652FEB}"/>
                 </a:ext>
               </a:extLst>
             </p:cNvPr>
@@ -7621,7 +7938,7 @@
             <p:cNvPr id="151" name="Rectangle 150">
               <a:extLst>
                 <a:ext uri="{FF2B5EF4-FFF2-40B4-BE49-F238E27FC236}">
-                  <a16:creationId xmlns:a16="http://schemas.microsoft.com/office/drawing/2014/main" id="{9EF2F39D-6847-3744-B36C-FF84D7A1EC4A}"/>
+                  <a16:creationId xmlns:a16="http://schemas.microsoft.com/office/drawing/2014/main" xmlns="" id="{9EF2F39D-6847-3744-B36C-FF84D7A1EC4A}"/>
                 </a:ext>
               </a:extLst>
             </p:cNvPr>
@@ -7765,137 +8082,10 @@
       </p:grpSp>
       <p:grpSp>
         <p:nvGrpSpPr>
-          <p:cNvPr id="152" name="Group 151">
-            <a:extLst>
-              <a:ext uri="{FF2B5EF4-FFF2-40B4-BE49-F238E27FC236}">
-                <a16:creationId xmlns:a16="http://schemas.microsoft.com/office/drawing/2014/main" id="{405ACC59-A3C9-C04F-ADAF-C2A11B8B353F}"/>
-              </a:ext>
-            </a:extLst>
-          </p:cNvPr>
-          <p:cNvGrpSpPr/>
-          <p:nvPr/>
-        </p:nvGrpSpPr>
-        <p:grpSpPr>
-          <a:xfrm>
-            <a:off x="7666478" y="5197229"/>
-            <a:ext cx="3967470" cy="73551"/>
-            <a:chOff x="1675396" y="3464421"/>
-            <a:chExt cx="1823646" cy="46636"/>
-          </a:xfrm>
-        </p:grpSpPr>
-        <p:sp>
-          <p:nvSpPr>
-            <p:cNvPr id="153" name="Rectangle 152">
-              <a:extLst>
-                <a:ext uri="{FF2B5EF4-FFF2-40B4-BE49-F238E27FC236}">
-                  <a16:creationId xmlns:a16="http://schemas.microsoft.com/office/drawing/2014/main" id="{99D9F652-9436-9C47-8D60-CF8D9E652FEB}"/>
-                </a:ext>
-              </a:extLst>
-            </p:cNvPr>
-            <p:cNvSpPr/>
-            <p:nvPr/>
-          </p:nvSpPr>
-          <p:spPr>
-            <a:xfrm>
-              <a:off x="1675396" y="3465338"/>
-              <a:ext cx="1823646" cy="45719"/>
-            </a:xfrm>
-            <a:prstGeom prst="rect">
-              <a:avLst/>
-            </a:prstGeom>
-            <a:solidFill>
-              <a:schemeClr val="bg1">
-                <a:lumMod val="95000"/>
-              </a:schemeClr>
-            </a:solidFill>
-            <a:ln>
-              <a:noFill/>
-            </a:ln>
-          </p:spPr>
-          <p:style>
-            <a:lnRef idx="2">
-              <a:schemeClr val="accent1">
-                <a:shade val="50000"/>
-              </a:schemeClr>
-            </a:lnRef>
-            <a:fillRef idx="1">
-              <a:schemeClr val="accent1"/>
-            </a:fillRef>
-            <a:effectRef idx="0">
-              <a:schemeClr val="accent1"/>
-            </a:effectRef>
-            <a:fontRef idx="minor">
-              <a:schemeClr val="lt1"/>
-            </a:fontRef>
-          </p:style>
-          <p:txBody>
-            <a:bodyPr rtlCol="0" anchor="ctr"/>
-            <a:lstStyle/>
-            <a:p>
-              <a:pPr algn="ctr"/>
-              <a:endParaRPr lang="x-none"/>
-            </a:p>
-          </p:txBody>
-        </p:sp>
-        <p:sp>
-          <p:nvSpPr>
-            <p:cNvPr id="154" name="Rectangle 153">
-              <a:extLst>
-                <a:ext uri="{FF2B5EF4-FFF2-40B4-BE49-F238E27FC236}">
-                  <a16:creationId xmlns:a16="http://schemas.microsoft.com/office/drawing/2014/main" id="{9EF2F39D-6847-3744-B36C-FF84D7A1EC4A}"/>
-                </a:ext>
-              </a:extLst>
-            </p:cNvPr>
-            <p:cNvSpPr/>
-            <p:nvPr/>
-          </p:nvSpPr>
-          <p:spPr>
-            <a:xfrm>
-              <a:off x="1675396" y="3464421"/>
-              <a:ext cx="1548039" cy="46634"/>
-            </a:xfrm>
-            <a:prstGeom prst="rect">
-              <a:avLst/>
-            </a:prstGeom>
-            <a:solidFill>
-              <a:srgbClr val="FFC000"/>
-            </a:solidFill>
-            <a:ln>
-              <a:noFill/>
-            </a:ln>
-          </p:spPr>
-          <p:style>
-            <a:lnRef idx="2">
-              <a:schemeClr val="accent1">
-                <a:shade val="50000"/>
-              </a:schemeClr>
-            </a:lnRef>
-            <a:fillRef idx="1">
-              <a:schemeClr val="accent1"/>
-            </a:fillRef>
-            <a:effectRef idx="0">
-              <a:schemeClr val="accent1"/>
-            </a:effectRef>
-            <a:fontRef idx="minor">
-              <a:schemeClr val="lt1"/>
-            </a:fontRef>
-          </p:style>
-          <p:txBody>
-            <a:bodyPr rtlCol="0" anchor="ctr"/>
-            <a:lstStyle/>
-            <a:p>
-              <a:pPr algn="ctr"/>
-              <a:endParaRPr lang="x-none"/>
-            </a:p>
-          </p:txBody>
-        </p:sp>
-      </p:grpSp>
-      <p:grpSp>
-        <p:nvGrpSpPr>
           <p:cNvPr id="155" name="Group 154">
             <a:extLst>
               <a:ext uri="{FF2B5EF4-FFF2-40B4-BE49-F238E27FC236}">
-                <a16:creationId xmlns:a16="http://schemas.microsoft.com/office/drawing/2014/main" id="{405ACC59-A3C9-C04F-ADAF-C2A11B8B353F}"/>
+                <a16:creationId xmlns:a16="http://schemas.microsoft.com/office/drawing/2014/main" xmlns="" id="{405ACC59-A3C9-C04F-ADAF-C2A11B8B353F}"/>
               </a:ext>
             </a:extLst>
           </p:cNvPr>
@@ -7915,7 +8105,7 @@
             <p:cNvPr id="156" name="Rectangle 155">
               <a:extLst>
                 <a:ext uri="{FF2B5EF4-FFF2-40B4-BE49-F238E27FC236}">
-                  <a16:creationId xmlns:a16="http://schemas.microsoft.com/office/drawing/2014/main" id="{99D9F652-9436-9C47-8D60-CF8D9E652FEB}"/>
+                  <a16:creationId xmlns:a16="http://schemas.microsoft.com/office/drawing/2014/main" xmlns="" id="{99D9F652-9436-9C47-8D60-CF8D9E652FEB}"/>
                 </a:ext>
               </a:extLst>
             </p:cNvPr>
@@ -7969,7 +8159,7 @@
             <p:cNvPr id="157" name="Rectangle 156">
               <a:extLst>
                 <a:ext uri="{FF2B5EF4-FFF2-40B4-BE49-F238E27FC236}">
-                  <a16:creationId xmlns:a16="http://schemas.microsoft.com/office/drawing/2014/main" id="{9EF2F39D-6847-3744-B36C-FF84D7A1EC4A}"/>
+                  <a16:creationId xmlns:a16="http://schemas.microsoft.com/office/drawing/2014/main" xmlns="" id="{9EF2F39D-6847-3744-B36C-FF84D7A1EC4A}"/>
                 </a:ext>
               </a:extLst>
             </p:cNvPr>
@@ -8010,6 +8200,829 @@
           <p:txBody>
             <a:bodyPr rtlCol="0" anchor="ctr"/>
             <a:lstStyle/>
+            <a:p>
+              <a:pPr algn="ctr"/>
+              <a:endParaRPr lang="x-none"/>
+            </a:p>
+          </p:txBody>
+        </p:sp>
+      </p:grpSp>
+      <p:grpSp>
+        <p:nvGrpSpPr>
+          <p:cNvPr id="47" name="Group 46">
+            <a:extLst>
+              <a:ext uri="{FF2B5EF4-FFF2-40B4-BE49-F238E27FC236}">
+                <a16:creationId xmlns:a16="http://schemas.microsoft.com/office/drawing/2014/main" xmlns="" id="{405ACC59-A3C9-C04F-ADAF-C2A11B8B353F}"/>
+              </a:ext>
+            </a:extLst>
+          </p:cNvPr>
+          <p:cNvGrpSpPr/>
+          <p:nvPr/>
+        </p:nvGrpSpPr>
+        <p:grpSpPr>
+          <a:xfrm>
+            <a:off x="1671898" y="5232929"/>
+            <a:ext cx="3967470" cy="72300"/>
+            <a:chOff x="1675396" y="3465214"/>
+            <a:chExt cx="1823646" cy="45843"/>
+          </a:xfrm>
+        </p:grpSpPr>
+        <p:sp>
+          <p:nvSpPr>
+            <p:cNvPr id="48" name="Rectangle 47">
+              <a:extLst>
+                <a:ext uri="{FF2B5EF4-FFF2-40B4-BE49-F238E27FC236}">
+                  <a16:creationId xmlns:a16="http://schemas.microsoft.com/office/drawing/2014/main" xmlns="" id="{99D9F652-9436-9C47-8D60-CF8D9E652FEB}"/>
+                </a:ext>
+              </a:extLst>
+            </p:cNvPr>
+            <p:cNvSpPr/>
+            <p:nvPr/>
+          </p:nvSpPr>
+          <p:spPr>
+            <a:xfrm>
+              <a:off x="1675396" y="3465338"/>
+              <a:ext cx="1823646" cy="45719"/>
+            </a:xfrm>
+            <a:prstGeom prst="rect">
+              <a:avLst/>
+            </a:prstGeom>
+            <a:solidFill>
+              <a:schemeClr val="bg1">
+                <a:lumMod val="95000"/>
+              </a:schemeClr>
+            </a:solidFill>
+            <a:ln>
+              <a:noFill/>
+            </a:ln>
+          </p:spPr>
+          <p:style>
+            <a:lnRef idx="2">
+              <a:schemeClr val="accent1">
+                <a:shade val="50000"/>
+              </a:schemeClr>
+            </a:lnRef>
+            <a:fillRef idx="1">
+              <a:schemeClr val="accent1"/>
+            </a:fillRef>
+            <a:effectRef idx="0">
+              <a:schemeClr val="accent1"/>
+            </a:effectRef>
+            <a:fontRef idx="minor">
+              <a:schemeClr val="lt1"/>
+            </a:fontRef>
+          </p:style>
+          <p:txBody>
+            <a:bodyPr rtlCol="0" anchor="ctr"/>
+            <a:lstStyle/>
+            <a:p>
+              <a:pPr algn="ctr"/>
+              <a:endParaRPr lang="x-none"/>
+            </a:p>
+          </p:txBody>
+        </p:sp>
+        <p:sp>
+          <p:nvSpPr>
+            <p:cNvPr id="49" name="Rectangle 48">
+              <a:extLst>
+                <a:ext uri="{FF2B5EF4-FFF2-40B4-BE49-F238E27FC236}">
+                  <a16:creationId xmlns:a16="http://schemas.microsoft.com/office/drawing/2014/main" xmlns="" id="{9EF2F39D-6847-3744-B36C-FF84D7A1EC4A}"/>
+                </a:ext>
+              </a:extLst>
+            </p:cNvPr>
+            <p:cNvSpPr/>
+            <p:nvPr/>
+          </p:nvSpPr>
+          <p:spPr>
+            <a:xfrm>
+              <a:off x="1675396" y="3465214"/>
+              <a:ext cx="1731766" cy="45842"/>
+            </a:xfrm>
+            <a:prstGeom prst="rect">
+              <a:avLst/>
+            </a:prstGeom>
+            <a:solidFill>
+              <a:srgbClr val="FFC000"/>
+            </a:solidFill>
+            <a:ln>
+              <a:noFill/>
+            </a:ln>
+          </p:spPr>
+          <p:style>
+            <a:lnRef idx="2">
+              <a:schemeClr val="accent1">
+                <a:shade val="50000"/>
+              </a:schemeClr>
+            </a:lnRef>
+            <a:fillRef idx="1">
+              <a:schemeClr val="accent1"/>
+            </a:fillRef>
+            <a:effectRef idx="0">
+              <a:schemeClr val="accent1"/>
+            </a:effectRef>
+            <a:fontRef idx="minor">
+              <a:schemeClr val="lt1"/>
+            </a:fontRef>
+          </p:style>
+          <p:txBody>
+            <a:bodyPr rtlCol="0" anchor="ctr"/>
+            <a:lstStyle/>
+            <a:p>
+              <a:pPr algn="ctr"/>
+              <a:endParaRPr lang="x-none"/>
+            </a:p>
+          </p:txBody>
+        </p:sp>
+      </p:grpSp>
+      <p:grpSp>
+        <p:nvGrpSpPr>
+          <p:cNvPr id="50" name="Group 49">
+            <a:extLst>
+              <a:ext uri="{FF2B5EF4-FFF2-40B4-BE49-F238E27FC236}">
+                <a16:creationId xmlns:a16="http://schemas.microsoft.com/office/drawing/2014/main" xmlns="" id="{405ACC59-A3C9-C04F-ADAF-C2A11B8B353F}"/>
+              </a:ext>
+            </a:extLst>
+          </p:cNvPr>
+          <p:cNvGrpSpPr/>
+          <p:nvPr/>
+        </p:nvGrpSpPr>
+        <p:grpSpPr>
+          <a:xfrm>
+            <a:off x="1671898" y="5574418"/>
+            <a:ext cx="3967470" cy="72300"/>
+            <a:chOff x="1675396" y="3465214"/>
+            <a:chExt cx="1823646" cy="45843"/>
+          </a:xfrm>
+        </p:grpSpPr>
+        <p:sp>
+          <p:nvSpPr>
+            <p:cNvPr id="51" name="Rectangle 50">
+              <a:extLst>
+                <a:ext uri="{FF2B5EF4-FFF2-40B4-BE49-F238E27FC236}">
+                  <a16:creationId xmlns:a16="http://schemas.microsoft.com/office/drawing/2014/main" xmlns="" id="{99D9F652-9436-9C47-8D60-CF8D9E652FEB}"/>
+                </a:ext>
+              </a:extLst>
+            </p:cNvPr>
+            <p:cNvSpPr/>
+            <p:nvPr/>
+          </p:nvSpPr>
+          <p:spPr>
+            <a:xfrm>
+              <a:off x="1675396" y="3465338"/>
+              <a:ext cx="1823646" cy="45719"/>
+            </a:xfrm>
+            <a:prstGeom prst="rect">
+              <a:avLst/>
+            </a:prstGeom>
+            <a:solidFill>
+              <a:schemeClr val="bg1">
+                <a:lumMod val="95000"/>
+              </a:schemeClr>
+            </a:solidFill>
+            <a:ln>
+              <a:noFill/>
+            </a:ln>
+          </p:spPr>
+          <p:style>
+            <a:lnRef idx="2">
+              <a:schemeClr val="accent1">
+                <a:shade val="50000"/>
+              </a:schemeClr>
+            </a:lnRef>
+            <a:fillRef idx="1">
+              <a:schemeClr val="accent1"/>
+            </a:fillRef>
+            <a:effectRef idx="0">
+              <a:schemeClr val="accent1"/>
+            </a:effectRef>
+            <a:fontRef idx="minor">
+              <a:schemeClr val="lt1"/>
+            </a:fontRef>
+          </p:style>
+          <p:txBody>
+            <a:bodyPr rtlCol="0" anchor="ctr"/>
+            <a:lstStyle/>
+            <a:p>
+              <a:pPr algn="ctr"/>
+              <a:endParaRPr lang="x-none"/>
+            </a:p>
+          </p:txBody>
+        </p:sp>
+        <p:sp>
+          <p:nvSpPr>
+            <p:cNvPr id="52" name="Rectangle 51">
+              <a:extLst>
+                <a:ext uri="{FF2B5EF4-FFF2-40B4-BE49-F238E27FC236}">
+                  <a16:creationId xmlns:a16="http://schemas.microsoft.com/office/drawing/2014/main" xmlns="" id="{9EF2F39D-6847-3744-B36C-FF84D7A1EC4A}"/>
+                </a:ext>
+              </a:extLst>
+            </p:cNvPr>
+            <p:cNvSpPr/>
+            <p:nvPr/>
+          </p:nvSpPr>
+          <p:spPr>
+            <a:xfrm>
+              <a:off x="1675396" y="3465214"/>
+              <a:ext cx="1731766" cy="45842"/>
+            </a:xfrm>
+            <a:prstGeom prst="rect">
+              <a:avLst/>
+            </a:prstGeom>
+            <a:solidFill>
+              <a:srgbClr val="FFC000"/>
+            </a:solidFill>
+            <a:ln>
+              <a:noFill/>
+            </a:ln>
+          </p:spPr>
+          <p:style>
+            <a:lnRef idx="2">
+              <a:schemeClr val="accent1">
+                <a:shade val="50000"/>
+              </a:schemeClr>
+            </a:lnRef>
+            <a:fillRef idx="1">
+              <a:schemeClr val="accent1"/>
+            </a:fillRef>
+            <a:effectRef idx="0">
+              <a:schemeClr val="accent1"/>
+            </a:effectRef>
+            <a:fontRef idx="minor">
+              <a:schemeClr val="lt1"/>
+            </a:fontRef>
+          </p:style>
+          <p:txBody>
+            <a:bodyPr rtlCol="0" anchor="ctr"/>
+            <a:lstStyle/>
+            <a:p>
+              <a:pPr algn="ctr"/>
+              <a:endParaRPr lang="x-none"/>
+            </a:p>
+          </p:txBody>
+        </p:sp>
+      </p:grpSp>
+      <p:grpSp>
+        <p:nvGrpSpPr>
+          <p:cNvPr id="53" name="Group 52">
+            <a:extLst>
+              <a:ext uri="{FF2B5EF4-FFF2-40B4-BE49-F238E27FC236}">
+                <a16:creationId xmlns:a16="http://schemas.microsoft.com/office/drawing/2014/main" xmlns="" id="{405ACC59-A3C9-C04F-ADAF-C2A11B8B353F}"/>
+              </a:ext>
+            </a:extLst>
+          </p:cNvPr>
+          <p:cNvGrpSpPr/>
+          <p:nvPr/>
+        </p:nvGrpSpPr>
+        <p:grpSpPr>
+          <a:xfrm>
+            <a:off x="7666478" y="3875053"/>
+            <a:ext cx="3967470" cy="73551"/>
+            <a:chOff x="1675396" y="3464421"/>
+            <a:chExt cx="1823646" cy="46636"/>
+          </a:xfrm>
+        </p:grpSpPr>
+        <p:sp>
+          <p:nvSpPr>
+            <p:cNvPr id="54" name="Rectangle 53">
+              <a:extLst>
+                <a:ext uri="{FF2B5EF4-FFF2-40B4-BE49-F238E27FC236}">
+                  <a16:creationId xmlns:a16="http://schemas.microsoft.com/office/drawing/2014/main" xmlns="" id="{99D9F652-9436-9C47-8D60-CF8D9E652FEB}"/>
+                </a:ext>
+              </a:extLst>
+            </p:cNvPr>
+            <p:cNvSpPr/>
+            <p:nvPr/>
+          </p:nvSpPr>
+          <p:spPr>
+            <a:xfrm>
+              <a:off x="1675396" y="3465338"/>
+              <a:ext cx="1823646" cy="45719"/>
+            </a:xfrm>
+            <a:prstGeom prst="rect">
+              <a:avLst/>
+            </a:prstGeom>
+            <a:solidFill>
+              <a:schemeClr val="bg1">
+                <a:lumMod val="95000"/>
+              </a:schemeClr>
+            </a:solidFill>
+            <a:ln>
+              <a:noFill/>
+            </a:ln>
+          </p:spPr>
+          <p:style>
+            <a:lnRef idx="2">
+              <a:schemeClr val="accent1">
+                <a:shade val="50000"/>
+              </a:schemeClr>
+            </a:lnRef>
+            <a:fillRef idx="1">
+              <a:schemeClr val="accent1"/>
+            </a:fillRef>
+            <a:effectRef idx="0">
+              <a:schemeClr val="accent1"/>
+            </a:effectRef>
+            <a:fontRef idx="minor">
+              <a:schemeClr val="lt1"/>
+            </a:fontRef>
+          </p:style>
+          <p:txBody>
+            <a:bodyPr rtlCol="0" anchor="ctr"/>
+            <a:lstStyle/>
+            <a:p>
+              <a:pPr algn="ctr"/>
+              <a:endParaRPr lang="x-none"/>
+            </a:p>
+          </p:txBody>
+        </p:sp>
+        <p:sp>
+          <p:nvSpPr>
+            <p:cNvPr id="55" name="Rectangle 54">
+              <a:extLst>
+                <a:ext uri="{FF2B5EF4-FFF2-40B4-BE49-F238E27FC236}">
+                  <a16:creationId xmlns:a16="http://schemas.microsoft.com/office/drawing/2014/main" xmlns="" id="{9EF2F39D-6847-3744-B36C-FF84D7A1EC4A}"/>
+                </a:ext>
+              </a:extLst>
+            </p:cNvPr>
+            <p:cNvSpPr/>
+            <p:nvPr/>
+          </p:nvSpPr>
+          <p:spPr>
+            <a:xfrm>
+              <a:off x="1675396" y="3464421"/>
+              <a:ext cx="1548039" cy="46634"/>
+            </a:xfrm>
+            <a:prstGeom prst="rect">
+              <a:avLst/>
+            </a:prstGeom>
+            <a:solidFill>
+              <a:srgbClr val="FFC000"/>
+            </a:solidFill>
+            <a:ln>
+              <a:noFill/>
+            </a:ln>
+          </p:spPr>
+          <p:style>
+            <a:lnRef idx="2">
+              <a:schemeClr val="accent1">
+                <a:shade val="50000"/>
+              </a:schemeClr>
+            </a:lnRef>
+            <a:fillRef idx="1">
+              <a:schemeClr val="accent1"/>
+            </a:fillRef>
+            <a:effectRef idx="0">
+              <a:schemeClr val="accent1"/>
+            </a:effectRef>
+            <a:fontRef idx="minor">
+              <a:schemeClr val="lt1"/>
+            </a:fontRef>
+          </p:style>
+          <p:txBody>
+            <a:bodyPr rtlCol="0" anchor="ctr"/>
+            <a:lstStyle/>
+            <a:p>
+              <a:pPr algn="ctr"/>
+              <a:endParaRPr lang="x-none"/>
+            </a:p>
+          </p:txBody>
+        </p:sp>
+      </p:grpSp>
+      <p:grpSp>
+        <p:nvGrpSpPr>
+          <p:cNvPr id="56" name="Group 55">
+            <a:extLst>
+              <a:ext uri="{FF2B5EF4-FFF2-40B4-BE49-F238E27FC236}">
+                <a16:creationId xmlns:a16="http://schemas.microsoft.com/office/drawing/2014/main" xmlns="" id="{405ACC59-A3C9-C04F-ADAF-C2A11B8B353F}"/>
+              </a:ext>
+            </a:extLst>
+          </p:cNvPr>
+          <p:cNvGrpSpPr/>
+          <p:nvPr/>
+        </p:nvGrpSpPr>
+        <p:grpSpPr>
+          <a:xfrm>
+            <a:off x="7684937" y="4206975"/>
+            <a:ext cx="3967470" cy="73551"/>
+            <a:chOff x="1675396" y="3464421"/>
+            <a:chExt cx="1823646" cy="46636"/>
+          </a:xfrm>
+        </p:grpSpPr>
+        <p:sp>
+          <p:nvSpPr>
+            <p:cNvPr id="57" name="Rectangle 56">
+              <a:extLst>
+                <a:ext uri="{FF2B5EF4-FFF2-40B4-BE49-F238E27FC236}">
+                  <a16:creationId xmlns:a16="http://schemas.microsoft.com/office/drawing/2014/main" xmlns="" id="{99D9F652-9436-9C47-8D60-CF8D9E652FEB}"/>
+                </a:ext>
+              </a:extLst>
+            </p:cNvPr>
+            <p:cNvSpPr/>
+            <p:nvPr/>
+          </p:nvSpPr>
+          <p:spPr>
+            <a:xfrm>
+              <a:off x="1675396" y="3465338"/>
+              <a:ext cx="1823646" cy="45719"/>
+            </a:xfrm>
+            <a:prstGeom prst="rect">
+              <a:avLst/>
+            </a:prstGeom>
+            <a:solidFill>
+              <a:schemeClr val="bg1">
+                <a:lumMod val="95000"/>
+              </a:schemeClr>
+            </a:solidFill>
+            <a:ln>
+              <a:noFill/>
+            </a:ln>
+          </p:spPr>
+          <p:style>
+            <a:lnRef idx="2">
+              <a:schemeClr val="accent1">
+                <a:shade val="50000"/>
+              </a:schemeClr>
+            </a:lnRef>
+            <a:fillRef idx="1">
+              <a:schemeClr val="accent1"/>
+            </a:fillRef>
+            <a:effectRef idx="0">
+              <a:schemeClr val="accent1"/>
+            </a:effectRef>
+            <a:fontRef idx="minor">
+              <a:schemeClr val="lt1"/>
+            </a:fontRef>
+          </p:style>
+          <p:txBody>
+            <a:bodyPr rtlCol="0" anchor="ctr"/>
+            <a:lstStyle/>
+            <a:p>
+              <a:pPr algn="ctr"/>
+              <a:endParaRPr lang="x-none"/>
+            </a:p>
+          </p:txBody>
+        </p:sp>
+        <p:sp>
+          <p:nvSpPr>
+            <p:cNvPr id="58" name="Rectangle 57">
+              <a:extLst>
+                <a:ext uri="{FF2B5EF4-FFF2-40B4-BE49-F238E27FC236}">
+                  <a16:creationId xmlns:a16="http://schemas.microsoft.com/office/drawing/2014/main" xmlns="" id="{9EF2F39D-6847-3744-B36C-FF84D7A1EC4A}"/>
+                </a:ext>
+              </a:extLst>
+            </p:cNvPr>
+            <p:cNvSpPr/>
+            <p:nvPr/>
+          </p:nvSpPr>
+          <p:spPr>
+            <a:xfrm>
+              <a:off x="1675396" y="3464421"/>
+              <a:ext cx="1548039" cy="46634"/>
+            </a:xfrm>
+            <a:prstGeom prst="rect">
+              <a:avLst/>
+            </a:prstGeom>
+            <a:solidFill>
+              <a:srgbClr val="FFC000"/>
+            </a:solidFill>
+            <a:ln>
+              <a:noFill/>
+            </a:ln>
+          </p:spPr>
+          <p:style>
+            <a:lnRef idx="2">
+              <a:schemeClr val="accent1">
+                <a:shade val="50000"/>
+              </a:schemeClr>
+            </a:lnRef>
+            <a:fillRef idx="1">
+              <a:schemeClr val="accent1"/>
+            </a:fillRef>
+            <a:effectRef idx="0">
+              <a:schemeClr val="accent1"/>
+            </a:effectRef>
+            <a:fontRef idx="minor">
+              <a:schemeClr val="lt1"/>
+            </a:fontRef>
+          </p:style>
+          <p:txBody>
+            <a:bodyPr rtlCol="0" anchor="ctr"/>
+            <a:lstStyle/>
+            <a:p>
+              <a:pPr algn="ctr"/>
+              <a:endParaRPr lang="x-none"/>
+            </a:p>
+          </p:txBody>
+        </p:sp>
+      </p:grpSp>
+      <p:grpSp>
+        <p:nvGrpSpPr>
+          <p:cNvPr id="59" name="Group 58">
+            <a:extLst>
+              <a:ext uri="{FF2B5EF4-FFF2-40B4-BE49-F238E27FC236}">
+                <a16:creationId xmlns:a16="http://schemas.microsoft.com/office/drawing/2014/main" xmlns="" id="{405ACC59-A3C9-C04F-ADAF-C2A11B8B353F}"/>
+              </a:ext>
+            </a:extLst>
+          </p:cNvPr>
+          <p:cNvGrpSpPr/>
+          <p:nvPr/>
+        </p:nvGrpSpPr>
+        <p:grpSpPr>
+          <a:xfrm>
+            <a:off x="1661168" y="4583185"/>
+            <a:ext cx="3967470" cy="73559"/>
+            <a:chOff x="1675396" y="3464416"/>
+            <a:chExt cx="1823646" cy="46641"/>
+          </a:xfrm>
+        </p:grpSpPr>
+        <p:sp>
+          <p:nvSpPr>
+            <p:cNvPr id="60" name="Rectangle 59">
+              <a:extLst>
+                <a:ext uri="{FF2B5EF4-FFF2-40B4-BE49-F238E27FC236}">
+                  <a16:creationId xmlns:a16="http://schemas.microsoft.com/office/drawing/2014/main" xmlns="" id="{99D9F652-9436-9C47-8D60-CF8D9E652FEB}"/>
+                </a:ext>
+              </a:extLst>
+            </p:cNvPr>
+            <p:cNvSpPr/>
+            <p:nvPr/>
+          </p:nvSpPr>
+          <p:spPr>
+            <a:xfrm>
+              <a:off x="1675396" y="3465338"/>
+              <a:ext cx="1823646" cy="45719"/>
+            </a:xfrm>
+            <a:prstGeom prst="rect">
+              <a:avLst/>
+            </a:prstGeom>
+            <a:solidFill>
+              <a:schemeClr val="bg1">
+                <a:lumMod val="95000"/>
+              </a:schemeClr>
+            </a:solidFill>
+            <a:ln>
+              <a:noFill/>
+            </a:ln>
+          </p:spPr>
+          <p:style>
+            <a:lnRef idx="2">
+              <a:schemeClr val="accent1">
+                <a:shade val="50000"/>
+              </a:schemeClr>
+            </a:lnRef>
+            <a:fillRef idx="1">
+              <a:schemeClr val="accent1"/>
+            </a:fillRef>
+            <a:effectRef idx="0">
+              <a:schemeClr val="accent1"/>
+            </a:effectRef>
+            <a:fontRef idx="minor">
+              <a:schemeClr val="lt1"/>
+            </a:fontRef>
+          </p:style>
+          <p:txBody>
+            <a:bodyPr rtlCol="0" anchor="ctr"/>
+            <a:lstStyle>
+              <a:defPPr>
+                <a:defRPr lang="x-none"/>
+              </a:defPPr>
+              <a:lvl1pPr marL="0" algn="l" defTabSz="914400" rtl="0" eaLnBrk="1" latinLnBrk="0" hangingPunct="1">
+                <a:defRPr sz="1800" kern="1200">
+                  <a:solidFill>
+                    <a:schemeClr val="lt1"/>
+                  </a:solidFill>
+                  <a:latin typeface="+mn-lt"/>
+                  <a:ea typeface="+mn-ea"/>
+                  <a:cs typeface="+mn-cs"/>
+                </a:defRPr>
+              </a:lvl1pPr>
+              <a:lvl2pPr marL="457200" algn="l" defTabSz="914400" rtl="0" eaLnBrk="1" latinLnBrk="0" hangingPunct="1">
+                <a:defRPr sz="1800" kern="1200">
+                  <a:solidFill>
+                    <a:schemeClr val="lt1"/>
+                  </a:solidFill>
+                  <a:latin typeface="+mn-lt"/>
+                  <a:ea typeface="+mn-ea"/>
+                  <a:cs typeface="+mn-cs"/>
+                </a:defRPr>
+              </a:lvl2pPr>
+              <a:lvl3pPr marL="914400" algn="l" defTabSz="914400" rtl="0" eaLnBrk="1" latinLnBrk="0" hangingPunct="1">
+                <a:defRPr sz="1800" kern="1200">
+                  <a:solidFill>
+                    <a:schemeClr val="lt1"/>
+                  </a:solidFill>
+                  <a:latin typeface="+mn-lt"/>
+                  <a:ea typeface="+mn-ea"/>
+                  <a:cs typeface="+mn-cs"/>
+                </a:defRPr>
+              </a:lvl3pPr>
+              <a:lvl4pPr marL="1371600" algn="l" defTabSz="914400" rtl="0" eaLnBrk="1" latinLnBrk="0" hangingPunct="1">
+                <a:defRPr sz="1800" kern="1200">
+                  <a:solidFill>
+                    <a:schemeClr val="lt1"/>
+                  </a:solidFill>
+                  <a:latin typeface="+mn-lt"/>
+                  <a:ea typeface="+mn-ea"/>
+                  <a:cs typeface="+mn-cs"/>
+                </a:defRPr>
+              </a:lvl4pPr>
+              <a:lvl5pPr marL="1828800" algn="l" defTabSz="914400" rtl="0" eaLnBrk="1" latinLnBrk="0" hangingPunct="1">
+                <a:defRPr sz="1800" kern="1200">
+                  <a:solidFill>
+                    <a:schemeClr val="lt1"/>
+                  </a:solidFill>
+                  <a:latin typeface="+mn-lt"/>
+                  <a:ea typeface="+mn-ea"/>
+                  <a:cs typeface="+mn-cs"/>
+                </a:defRPr>
+              </a:lvl5pPr>
+              <a:lvl6pPr marL="2286000" algn="l" defTabSz="914400" rtl="0" eaLnBrk="1" latinLnBrk="0" hangingPunct="1">
+                <a:defRPr sz="1800" kern="1200">
+                  <a:solidFill>
+                    <a:schemeClr val="lt1"/>
+                  </a:solidFill>
+                  <a:latin typeface="+mn-lt"/>
+                  <a:ea typeface="+mn-ea"/>
+                  <a:cs typeface="+mn-cs"/>
+                </a:defRPr>
+              </a:lvl6pPr>
+              <a:lvl7pPr marL="2743200" algn="l" defTabSz="914400" rtl="0" eaLnBrk="1" latinLnBrk="0" hangingPunct="1">
+                <a:defRPr sz="1800" kern="1200">
+                  <a:solidFill>
+                    <a:schemeClr val="lt1"/>
+                  </a:solidFill>
+                  <a:latin typeface="+mn-lt"/>
+                  <a:ea typeface="+mn-ea"/>
+                  <a:cs typeface="+mn-cs"/>
+                </a:defRPr>
+              </a:lvl7pPr>
+              <a:lvl8pPr marL="3200400" algn="l" defTabSz="914400" rtl="0" eaLnBrk="1" latinLnBrk="0" hangingPunct="1">
+                <a:defRPr sz="1800" kern="1200">
+                  <a:solidFill>
+                    <a:schemeClr val="lt1"/>
+                  </a:solidFill>
+                  <a:latin typeface="+mn-lt"/>
+                  <a:ea typeface="+mn-ea"/>
+                  <a:cs typeface="+mn-cs"/>
+                </a:defRPr>
+              </a:lvl8pPr>
+              <a:lvl9pPr marL="3657600" algn="l" defTabSz="914400" rtl="0" eaLnBrk="1" latinLnBrk="0" hangingPunct="1">
+                <a:defRPr sz="1800" kern="1200">
+                  <a:solidFill>
+                    <a:schemeClr val="lt1"/>
+                  </a:solidFill>
+                  <a:latin typeface="+mn-lt"/>
+                  <a:ea typeface="+mn-ea"/>
+                  <a:cs typeface="+mn-cs"/>
+                </a:defRPr>
+              </a:lvl9pPr>
+            </a:lstStyle>
+            <a:p>
+              <a:pPr algn="ctr"/>
+              <a:endParaRPr lang="x-none"/>
+            </a:p>
+          </p:txBody>
+        </p:sp>
+        <p:sp>
+          <p:nvSpPr>
+            <p:cNvPr id="62" name="Rectangle 61">
+              <a:extLst>
+                <a:ext uri="{FF2B5EF4-FFF2-40B4-BE49-F238E27FC236}">
+                  <a16:creationId xmlns:a16="http://schemas.microsoft.com/office/drawing/2014/main" xmlns="" id="{9EF2F39D-6847-3744-B36C-FF84D7A1EC4A}"/>
+                </a:ext>
+              </a:extLst>
+            </p:cNvPr>
+            <p:cNvSpPr/>
+            <p:nvPr/>
+          </p:nvSpPr>
+          <p:spPr>
+            <a:xfrm>
+              <a:off x="1675396" y="3464416"/>
+              <a:ext cx="1632908" cy="46639"/>
+            </a:xfrm>
+            <a:prstGeom prst="rect">
+              <a:avLst/>
+            </a:prstGeom>
+            <a:solidFill>
+              <a:srgbClr val="FFC000"/>
+            </a:solidFill>
+            <a:ln>
+              <a:noFill/>
+            </a:ln>
+          </p:spPr>
+          <p:style>
+            <a:lnRef idx="2">
+              <a:schemeClr val="accent1">
+                <a:shade val="50000"/>
+              </a:schemeClr>
+            </a:lnRef>
+            <a:fillRef idx="1">
+              <a:schemeClr val="accent1"/>
+            </a:fillRef>
+            <a:effectRef idx="0">
+              <a:schemeClr val="accent1"/>
+            </a:effectRef>
+            <a:fontRef idx="minor">
+              <a:schemeClr val="lt1"/>
+            </a:fontRef>
+          </p:style>
+          <p:txBody>
+            <a:bodyPr rtlCol="0" anchor="ctr"/>
+            <a:lstStyle>
+              <a:defPPr>
+                <a:defRPr lang="x-none"/>
+              </a:defPPr>
+              <a:lvl1pPr marL="0" algn="l" defTabSz="914400" rtl="0" eaLnBrk="1" latinLnBrk="0" hangingPunct="1">
+                <a:defRPr sz="1800" kern="1200">
+                  <a:solidFill>
+                    <a:schemeClr val="lt1"/>
+                  </a:solidFill>
+                  <a:latin typeface="+mn-lt"/>
+                  <a:ea typeface="+mn-ea"/>
+                  <a:cs typeface="+mn-cs"/>
+                </a:defRPr>
+              </a:lvl1pPr>
+              <a:lvl2pPr marL="457200" algn="l" defTabSz="914400" rtl="0" eaLnBrk="1" latinLnBrk="0" hangingPunct="1">
+                <a:defRPr sz="1800" kern="1200">
+                  <a:solidFill>
+                    <a:schemeClr val="lt1"/>
+                  </a:solidFill>
+                  <a:latin typeface="+mn-lt"/>
+                  <a:ea typeface="+mn-ea"/>
+                  <a:cs typeface="+mn-cs"/>
+                </a:defRPr>
+              </a:lvl2pPr>
+              <a:lvl3pPr marL="914400" algn="l" defTabSz="914400" rtl="0" eaLnBrk="1" latinLnBrk="0" hangingPunct="1">
+                <a:defRPr sz="1800" kern="1200">
+                  <a:solidFill>
+                    <a:schemeClr val="lt1"/>
+                  </a:solidFill>
+                  <a:latin typeface="+mn-lt"/>
+                  <a:ea typeface="+mn-ea"/>
+                  <a:cs typeface="+mn-cs"/>
+                </a:defRPr>
+              </a:lvl3pPr>
+              <a:lvl4pPr marL="1371600" algn="l" defTabSz="914400" rtl="0" eaLnBrk="1" latinLnBrk="0" hangingPunct="1">
+                <a:defRPr sz="1800" kern="1200">
+                  <a:solidFill>
+                    <a:schemeClr val="lt1"/>
+                  </a:solidFill>
+                  <a:latin typeface="+mn-lt"/>
+                  <a:ea typeface="+mn-ea"/>
+                  <a:cs typeface="+mn-cs"/>
+                </a:defRPr>
+              </a:lvl4pPr>
+              <a:lvl5pPr marL="1828800" algn="l" defTabSz="914400" rtl="0" eaLnBrk="1" latinLnBrk="0" hangingPunct="1">
+                <a:defRPr sz="1800" kern="1200">
+                  <a:solidFill>
+                    <a:schemeClr val="lt1"/>
+                  </a:solidFill>
+                  <a:latin typeface="+mn-lt"/>
+                  <a:ea typeface="+mn-ea"/>
+                  <a:cs typeface="+mn-cs"/>
+                </a:defRPr>
+              </a:lvl5pPr>
+              <a:lvl6pPr marL="2286000" algn="l" defTabSz="914400" rtl="0" eaLnBrk="1" latinLnBrk="0" hangingPunct="1">
+                <a:defRPr sz="1800" kern="1200">
+                  <a:solidFill>
+                    <a:schemeClr val="lt1"/>
+                  </a:solidFill>
+                  <a:latin typeface="+mn-lt"/>
+                  <a:ea typeface="+mn-ea"/>
+                  <a:cs typeface="+mn-cs"/>
+                </a:defRPr>
+              </a:lvl6pPr>
+              <a:lvl7pPr marL="2743200" algn="l" defTabSz="914400" rtl="0" eaLnBrk="1" latinLnBrk="0" hangingPunct="1">
+                <a:defRPr sz="1800" kern="1200">
+                  <a:solidFill>
+                    <a:schemeClr val="lt1"/>
+                  </a:solidFill>
+                  <a:latin typeface="+mn-lt"/>
+                  <a:ea typeface="+mn-ea"/>
+                  <a:cs typeface="+mn-cs"/>
+                </a:defRPr>
+              </a:lvl7pPr>
+              <a:lvl8pPr marL="3200400" algn="l" defTabSz="914400" rtl="0" eaLnBrk="1" latinLnBrk="0" hangingPunct="1">
+                <a:defRPr sz="1800" kern="1200">
+                  <a:solidFill>
+                    <a:schemeClr val="lt1"/>
+                  </a:solidFill>
+                  <a:latin typeface="+mn-lt"/>
+                  <a:ea typeface="+mn-ea"/>
+                  <a:cs typeface="+mn-cs"/>
+                </a:defRPr>
+              </a:lvl8pPr>
+              <a:lvl9pPr marL="3657600" algn="l" defTabSz="914400" rtl="0" eaLnBrk="1" latinLnBrk="0" hangingPunct="1">
+                <a:defRPr sz="1800" kern="1200">
+                  <a:solidFill>
+                    <a:schemeClr val="lt1"/>
+                  </a:solidFill>
+                  <a:latin typeface="+mn-lt"/>
+                  <a:ea typeface="+mn-ea"/>
+                  <a:cs typeface="+mn-cs"/>
+                </a:defRPr>
+              </a:lvl9pPr>
+            </a:lstStyle>
             <a:p>
               <a:pPr algn="ctr"/>
               <a:endParaRPr lang="x-none"/>
@@ -8325,6 +9338,267 @@
 </a:theme>
 </file>
 
+<file path=ppt/theme/theme2.xml><?xml version="1.0" encoding="utf-8"?>
+<a:theme xmlns:a="http://schemas.openxmlformats.org/drawingml/2006/main" name="Office Theme">
+  <a:themeElements>
+    <a:clrScheme name="Office">
+      <a:dk1>
+        <a:sysClr val="windowText" lastClr="000000"/>
+      </a:dk1>
+      <a:lt1>
+        <a:sysClr val="window" lastClr="FFFFFF"/>
+      </a:lt1>
+      <a:dk2>
+        <a:srgbClr val="44546A"/>
+      </a:dk2>
+      <a:lt2>
+        <a:srgbClr val="E7E6E6"/>
+      </a:lt2>
+      <a:accent1>
+        <a:srgbClr val="5B9BD5"/>
+      </a:accent1>
+      <a:accent2>
+        <a:srgbClr val="ED7D31"/>
+      </a:accent2>
+      <a:accent3>
+        <a:srgbClr val="A5A5A5"/>
+      </a:accent3>
+      <a:accent4>
+        <a:srgbClr val="FFC000"/>
+      </a:accent4>
+      <a:accent5>
+        <a:srgbClr val="4472C4"/>
+      </a:accent5>
+      <a:accent6>
+        <a:srgbClr val="70AD47"/>
+      </a:accent6>
+      <a:hlink>
+        <a:srgbClr val="0563C1"/>
+      </a:hlink>
+      <a:folHlink>
+        <a:srgbClr val="954F72"/>
+      </a:folHlink>
+    </a:clrScheme>
+    <a:fontScheme name="Office">
+      <a:majorFont>
+        <a:latin typeface="Calibri Light" panose="020F0302020204030204"/>
+        <a:ea typeface=""/>
+        <a:cs typeface=""/>
+        <a:font script="Jpan" typeface="ＭＳ Ｐゴシック"/>
+        <a:font script="Hang" typeface="맑은 고딕"/>
+        <a:font script="Hans" typeface="宋体"/>
+        <a:font script="Hant" typeface="新細明體"/>
+        <a:font script="Arab" typeface="Times New Roman"/>
+        <a:font script="Hebr" typeface="Times New Roman"/>
+        <a:font script="Thai" typeface="Angsana New"/>
+        <a:font script="Ethi" typeface="Nyala"/>
+        <a:font script="Beng" typeface="Vrinda"/>
+        <a:font script="Gujr" typeface="Shruti"/>
+        <a:font script="Khmr" typeface="MoolBoran"/>
+        <a:font script="Knda" typeface="Tunga"/>
+        <a:font script="Guru" typeface="Raavi"/>
+        <a:font script="Cans" typeface="Euphemia"/>
+        <a:font script="Cher" typeface="Plantagenet Cherokee"/>
+        <a:font script="Yiii" typeface="Microsoft Yi Baiti"/>
+        <a:font script="Tibt" typeface="Microsoft Himalaya"/>
+        <a:font script="Thaa" typeface="MV Boli"/>
+        <a:font script="Deva" typeface="Mangal"/>
+        <a:font script="Telu" typeface="Gautami"/>
+        <a:font script="Taml" typeface="Latha"/>
+        <a:font script="Syrc" typeface="Estrangelo Edessa"/>
+        <a:font script="Orya" typeface="Kalinga"/>
+        <a:font script="Mlym" typeface="Kartika"/>
+        <a:font script="Laoo" typeface="DokChampa"/>
+        <a:font script="Sinh" typeface="Iskoola Pota"/>
+        <a:font script="Mong" typeface="Mongolian Baiti"/>
+        <a:font script="Viet" typeface="Times New Roman"/>
+        <a:font script="Uigh" typeface="Microsoft Uighur"/>
+        <a:font script="Geor" typeface="Sylfaen"/>
+      </a:majorFont>
+      <a:minorFont>
+        <a:latin typeface="Calibri" panose="020F0502020204030204"/>
+        <a:ea typeface=""/>
+        <a:cs typeface=""/>
+        <a:font script="Jpan" typeface="ＭＳ Ｐゴシック"/>
+        <a:font script="Hang" typeface="맑은 고딕"/>
+        <a:font script="Hans" typeface="宋体"/>
+        <a:font script="Hant" typeface="新細明體"/>
+        <a:font script="Arab" typeface="Arial"/>
+        <a:font script="Hebr" typeface="Arial"/>
+        <a:font script="Thai" typeface="Cordia New"/>
+        <a:font script="Ethi" typeface="Nyala"/>
+        <a:font script="Beng" typeface="Vrinda"/>
+        <a:font script="Gujr" typeface="Shruti"/>
+        <a:font script="Khmr" typeface="DaunPenh"/>
+        <a:font script="Knda" typeface="Tunga"/>
+        <a:font script="Guru" typeface="Raavi"/>
+        <a:font script="Cans" typeface="Euphemia"/>
+        <a:font script="Cher" typeface="Plantagenet Cherokee"/>
+        <a:font script="Yiii" typeface="Microsoft Yi Baiti"/>
+        <a:font script="Tibt" typeface="Microsoft Himalaya"/>
+        <a:font script="Thaa" typeface="MV Boli"/>
+        <a:font script="Deva" typeface="Mangal"/>
+        <a:font script="Telu" typeface="Gautami"/>
+        <a:font script="Taml" typeface="Latha"/>
+        <a:font script="Syrc" typeface="Estrangelo Edessa"/>
+        <a:font script="Orya" typeface="Kalinga"/>
+        <a:font script="Mlym" typeface="Kartika"/>
+        <a:font script="Laoo" typeface="DokChampa"/>
+        <a:font script="Sinh" typeface="Iskoola Pota"/>
+        <a:font script="Mong" typeface="Mongolian Baiti"/>
+        <a:font script="Viet" typeface="Arial"/>
+        <a:font script="Uigh" typeface="Microsoft Uighur"/>
+        <a:font script="Geor" typeface="Sylfaen"/>
+      </a:minorFont>
+    </a:fontScheme>
+    <a:fmtScheme name="Office">
+      <a:fillStyleLst>
+        <a:solidFill>
+          <a:schemeClr val="phClr"/>
+        </a:solidFill>
+        <a:gradFill rotWithShape="1">
+          <a:gsLst>
+            <a:gs pos="0">
+              <a:schemeClr val="phClr">
+                <a:lumMod val="110000"/>
+                <a:satMod val="105000"/>
+                <a:tint val="67000"/>
+              </a:schemeClr>
+            </a:gs>
+            <a:gs pos="50000">
+              <a:schemeClr val="phClr">
+                <a:lumMod val="105000"/>
+                <a:satMod val="103000"/>
+                <a:tint val="73000"/>
+              </a:schemeClr>
+            </a:gs>
+            <a:gs pos="100000">
+              <a:schemeClr val="phClr">
+                <a:lumMod val="105000"/>
+                <a:satMod val="109000"/>
+                <a:tint val="81000"/>
+              </a:schemeClr>
+            </a:gs>
+          </a:gsLst>
+          <a:lin ang="5400000" scaled="0"/>
+        </a:gradFill>
+        <a:gradFill rotWithShape="1">
+          <a:gsLst>
+            <a:gs pos="0">
+              <a:schemeClr val="phClr">
+                <a:satMod val="103000"/>
+                <a:lumMod val="102000"/>
+                <a:tint val="94000"/>
+              </a:schemeClr>
+            </a:gs>
+            <a:gs pos="50000">
+              <a:schemeClr val="phClr">
+                <a:satMod val="110000"/>
+                <a:lumMod val="100000"/>
+                <a:shade val="100000"/>
+              </a:schemeClr>
+            </a:gs>
+            <a:gs pos="100000">
+              <a:schemeClr val="phClr">
+                <a:lumMod val="99000"/>
+                <a:satMod val="120000"/>
+                <a:shade val="78000"/>
+              </a:schemeClr>
+            </a:gs>
+          </a:gsLst>
+          <a:lin ang="5400000" scaled="0"/>
+        </a:gradFill>
+      </a:fillStyleLst>
+      <a:lnStyleLst>
+        <a:ln w="6350" cap="flat" cmpd="sng" algn="ctr">
+          <a:solidFill>
+            <a:schemeClr val="phClr"/>
+          </a:solidFill>
+          <a:prstDash val="solid"/>
+          <a:miter lim="800000"/>
+        </a:ln>
+        <a:ln w="12700" cap="flat" cmpd="sng" algn="ctr">
+          <a:solidFill>
+            <a:schemeClr val="phClr"/>
+          </a:solidFill>
+          <a:prstDash val="solid"/>
+          <a:miter lim="800000"/>
+        </a:ln>
+        <a:ln w="19050" cap="flat" cmpd="sng" algn="ctr">
+          <a:solidFill>
+            <a:schemeClr val="phClr"/>
+          </a:solidFill>
+          <a:prstDash val="solid"/>
+          <a:miter lim="800000"/>
+        </a:ln>
+      </a:lnStyleLst>
+      <a:effectStyleLst>
+        <a:effectStyle>
+          <a:effectLst/>
+        </a:effectStyle>
+        <a:effectStyle>
+          <a:effectLst/>
+        </a:effectStyle>
+        <a:effectStyle>
+          <a:effectLst>
+            <a:outerShdw blurRad="57150" dist="19050" dir="5400000" algn="ctr" rotWithShape="0">
+              <a:srgbClr val="000000">
+                <a:alpha val="63000"/>
+              </a:srgbClr>
+            </a:outerShdw>
+          </a:effectLst>
+        </a:effectStyle>
+      </a:effectStyleLst>
+      <a:bgFillStyleLst>
+        <a:solidFill>
+          <a:schemeClr val="phClr"/>
+        </a:solidFill>
+        <a:solidFill>
+          <a:schemeClr val="phClr">
+            <a:tint val="95000"/>
+            <a:satMod val="170000"/>
+          </a:schemeClr>
+        </a:solidFill>
+        <a:gradFill rotWithShape="1">
+          <a:gsLst>
+            <a:gs pos="0">
+              <a:schemeClr val="phClr">
+                <a:tint val="93000"/>
+                <a:satMod val="150000"/>
+                <a:shade val="98000"/>
+                <a:lumMod val="102000"/>
+              </a:schemeClr>
+            </a:gs>
+            <a:gs pos="50000">
+              <a:schemeClr val="phClr">
+                <a:tint val="98000"/>
+                <a:satMod val="130000"/>
+                <a:shade val="90000"/>
+                <a:lumMod val="103000"/>
+              </a:schemeClr>
+            </a:gs>
+            <a:gs pos="100000">
+              <a:schemeClr val="phClr">
+                <a:shade val="63000"/>
+                <a:satMod val="120000"/>
+              </a:schemeClr>
+            </a:gs>
+          </a:gsLst>
+          <a:lin ang="5400000" scaled="0"/>
+        </a:gradFill>
+      </a:bgFillStyleLst>
+    </a:fmtScheme>
+  </a:themeElements>
+  <a:objectDefaults/>
+  <a:extraClrSchemeLst/>
+  <a:extLst>
+    <a:ext uri="{05A4C25C-085E-4340-85A3-A5531E510DB2}">
+      <thm15:themeFamily xmlns:thm15="http://schemas.microsoft.com/office/thememl/2012/main" name="Office Theme" id="{62F939B6-93AF-4DB8-9C6B-D6C7DFDC589F}" vid="{4A3C46E8-61CC-4603-A589-7422A47A8E4A}"/>
+    </a:ext>
+  </a:extLst>
+</a:theme>
+</file>
+
 <file path=customXml/item1.xml><?xml version="1.0" encoding="utf-8"?>
 <?mso-contentType ?>
 <FormTemplates xmlns="http://schemas.microsoft.com/sharepoint/v3/contenttype/forms">
@@ -8335,6 +9609,12 @@
 </file>
 
 <file path=customXml/item2.xml><?xml version="1.0" encoding="utf-8"?>
+<p:properties xmlns:p="http://schemas.microsoft.com/office/2006/metadata/properties" xmlns:xsi="http://www.w3.org/2001/XMLSchema-instance" xmlns:pc="http://schemas.microsoft.com/office/infopath/2007/PartnerControls">
+  <documentManagement/>
+</p:properties>
+</file>
+
+<file path=customXml/item3.xml><?xml version="1.0" encoding="utf-8"?>
 <ct:contentTypeSchema xmlns:ct="http://schemas.microsoft.com/office/2006/metadata/contentType" xmlns:ma="http://schemas.microsoft.com/office/2006/metadata/properties/metaAttributes" ct:_="" ma:_="" ma:contentTypeName="ドキュメント" ma:contentTypeID="0x010100053AEDA125AA6544B60C4EE3EA682169" ma:contentTypeVersion="9" ma:contentTypeDescription="新しいドキュメントを作成します。" ma:contentTypeScope="" ma:versionID="bd5bd3ddb16a33b164163017f8d5ed8f">
   <xsd:schema xmlns:xsd="http://www.w3.org/2001/XMLSchema" xmlns:xs="http://www.w3.org/2001/XMLSchema" xmlns:p="http://schemas.microsoft.com/office/2006/metadata/properties" xmlns:ns2="51cbbb81-1604-424c-a0fa-71f576797267" xmlns:ns3="bce7866e-2d13-4492-b6af-0a5f3ee49ce9" targetNamespace="http://schemas.microsoft.com/office/2006/metadata/properties" ma:root="true" ma:fieldsID="2c7f5b7fd36644ce615ffa96947ef8b8" ns2:_="" ns3:_="">
     <xsd:import namespace="51cbbb81-1604-424c-a0fa-71f576797267"/>
@@ -8531,12 +9811,6 @@
 </ct:contentTypeSchema>
 </file>
 
-<file path=customXml/item3.xml><?xml version="1.0" encoding="utf-8"?>
-<p:properties xmlns:p="http://schemas.microsoft.com/office/2006/metadata/properties" xmlns:xsi="http://www.w3.org/2001/XMLSchema-instance" xmlns:pc="http://schemas.microsoft.com/office/infopath/2007/PartnerControls">
-  <documentManagement/>
-</p:properties>
-</file>
-
 <file path=customXml/itemProps1.xml><?xml version="1.0" encoding="utf-8"?>
 <ds:datastoreItem xmlns:ds="http://schemas.openxmlformats.org/officeDocument/2006/customXml" ds:itemID="{44BA84ED-867B-441B-A263-6B0E97060A40}">
   <ds:schemaRefs>
@@ -8546,6 +9820,15 @@
 </file>
 
 <file path=customXml/itemProps2.xml><?xml version="1.0" encoding="utf-8"?>
+<ds:datastoreItem xmlns:ds="http://schemas.openxmlformats.org/officeDocument/2006/customXml" ds:itemID="{D20A7CF4-855A-4B31-A3FF-7499938858E4}">
+  <ds:schemaRefs>
+    <ds:schemaRef ds:uri="http://schemas.microsoft.com/office/2006/metadata/properties"/>
+    <ds:schemaRef ds:uri="http://schemas.microsoft.com/office/infopath/2007/PartnerControls"/>
+  </ds:schemaRefs>
+</ds:datastoreItem>
+</file>
+
+<file path=customXml/itemProps3.xml><?xml version="1.0" encoding="utf-8"?>
 <ds:datastoreItem xmlns:ds="http://schemas.openxmlformats.org/officeDocument/2006/customXml" ds:itemID="{1C26BA68-2730-4821-984F-2A701D916D7D}">
   <ds:schemaRefs>
     <ds:schemaRef ds:uri="http://schemas.microsoft.com/office/2006/metadata/contentType"/>
@@ -8562,13 +9845,4 @@
     <ds:schemaRef ds:uri="http://schemas.microsoft.com/internal/obd"/>
   </ds:schemaRefs>
 </ds:datastoreItem>
-</file>
-
-<file path=customXml/itemProps3.xml><?xml version="1.0" encoding="utf-8"?>
-<ds:datastoreItem xmlns:ds="http://schemas.openxmlformats.org/officeDocument/2006/customXml" ds:itemID="{D20A7CF4-855A-4B31-A3FF-7499938858E4}">
-  <ds:schemaRefs>
-    <ds:schemaRef ds:uri="http://schemas.microsoft.com/office/2006/metadata/properties"/>
-    <ds:schemaRef ds:uri="http://schemas.microsoft.com/office/infopath/2007/PartnerControls"/>
-  </ds:schemaRefs>
-</ds:datastoreItem>
 </file>